--- a/Lessions/Bai-16-Maker-Line-Sensor/Bai-16-Maker-Line-Sensor.pptx
+++ b/Lessions/Bai-16-Maker-Line-Sensor/Bai-16-Maker-Line-Sensor.pptx
@@ -5,22 +5,24 @@
     <p:sldMasterId id="2147483660" r:id="rId1"/>
   </p:sldMasterIdLst>
   <p:notesMasterIdLst>
-    <p:notesMasterId r:id="rId15"/>
+    <p:notesMasterId r:id="rId17"/>
   </p:notesMasterIdLst>
   <p:sldIdLst>
     <p:sldId id="256" r:id="rId2"/>
     <p:sldId id="283" r:id="rId3"/>
     <p:sldId id="260" r:id="rId4"/>
-    <p:sldId id="282" r:id="rId5"/>
-    <p:sldId id="284" r:id="rId6"/>
-    <p:sldId id="287" r:id="rId7"/>
-    <p:sldId id="288" r:id="rId8"/>
-    <p:sldId id="289" r:id="rId9"/>
-    <p:sldId id="290" r:id="rId10"/>
-    <p:sldId id="266" r:id="rId11"/>
-    <p:sldId id="268" r:id="rId12"/>
-    <p:sldId id="277" r:id="rId13"/>
-    <p:sldId id="291" r:id="rId14"/>
+    <p:sldId id="293" r:id="rId5"/>
+    <p:sldId id="292" r:id="rId6"/>
+    <p:sldId id="294" r:id="rId7"/>
+    <p:sldId id="282" r:id="rId8"/>
+    <p:sldId id="284" r:id="rId9"/>
+    <p:sldId id="288" r:id="rId10"/>
+    <p:sldId id="289" r:id="rId11"/>
+    <p:sldId id="266" r:id="rId12"/>
+    <p:sldId id="268" r:id="rId13"/>
+    <p:sldId id="277" r:id="rId14"/>
+    <p:sldId id="296" r:id="rId15"/>
+    <p:sldId id="295" r:id="rId16"/>
   </p:sldIdLst>
   <p:sldSz cx="9144000" cy="6858000" type="screen4x3"/>
   <p:notesSz cx="6858000" cy="9144000"/>
@@ -209,7 +211,7 @@
           <a:p>
             <a:fld id="{E1BDF935-9821-4834-9D99-7DEFA719F44D}" type="datetimeFigureOut">
               <a:rPr lang="en-US" smtClean="0"/>
-              <a:t>5/24/2023</a:t>
+              <a:t>5/27/2023</a:t>
             </a:fld>
             <a:endParaRPr lang="en-US"/>
           </a:p>
@@ -2527,7 +2529,7 @@
                 </a:solidFill>
                 <a:latin typeface="GT Walsheim Bold" panose="00000800000000000000" pitchFamily="2" charset="0"/>
               </a:rPr>
-              <a:t>14</a:t>
+              <a:t>16</a:t>
             </a:r>
             <a:endParaRPr lang="en-US" sz="3600" b="1" dirty="0">
               <a:solidFill>
@@ -2569,7 +2571,7 @@
                 <a:latin typeface="GT Walsheim Bold" panose="00000800000000000000" pitchFamily="2" charset="0"/>
                 <a:ea typeface="Roboto" pitchFamily="2" charset="0"/>
               </a:rPr>
-              <a:t>DC Motor</a:t>
+              <a:t>Maker Line Sensor</a:t>
             </a:r>
             <a:endParaRPr lang="en-US" sz="4000" b="1" dirty="0">
               <a:solidFill>
@@ -2637,309 +2639,7 @@
       </p:sp>
       <p:sp>
         <p:nvSpPr>
-          <p:cNvPr id="3" name="Title 1"/>
-          <p:cNvSpPr txBox="1">
-            <a:spLocks/>
-          </p:cNvSpPr>
-          <p:nvPr/>
-        </p:nvSpPr>
-        <p:spPr>
-          <a:xfrm>
-            <a:off x="709053" y="4862785"/>
-            <a:ext cx="5644503" cy="508846"/>
-          </a:xfrm>
-          <a:prstGeom prst="rect">
-            <a:avLst/>
-          </a:prstGeom>
-        </p:spPr>
-        <p:txBody>
-          <a:bodyPr/>
-          <a:lstStyle>
-            <a:lvl1pPr algn="l" defTabSz="914400" rtl="0" eaLnBrk="1" latinLnBrk="0" hangingPunct="1">
-              <a:lnSpc>
-                <a:spcPct val="90000"/>
-              </a:lnSpc>
-              <a:spcBef>
-                <a:spcPct val="0"/>
-              </a:spcBef>
-              <a:buNone/>
-              <a:defRPr sz="3200" b="1" kern="1200">
-                <a:solidFill>
-                  <a:srgbClr val="019DD0"/>
-                </a:solidFill>
-                <a:latin typeface="Arial" panose="020B0604020202020204" pitchFamily="34" charset="0"/>
-                <a:ea typeface="+mj-ea"/>
-                <a:cs typeface="Arial" panose="020B0604020202020204" pitchFamily="34" charset="0"/>
-              </a:defRPr>
-            </a:lvl1pPr>
-          </a:lstStyle>
-          <a:p>
-            <a:pPr>
-              <a:lnSpc>
-                <a:spcPct val="100000"/>
-              </a:lnSpc>
-            </a:pPr>
-            <a:r>
-              <a:rPr lang="en-US" sz="2000" b="0" dirty="0" smtClean="0">
-                <a:solidFill>
-                  <a:schemeClr val="tx1">
-                    <a:lumMod val="95000"/>
-                    <a:lumOff val="5000"/>
-                  </a:schemeClr>
-                </a:solidFill>
-                <a:ea typeface="Roboto Condensed" pitchFamily="2" charset="0"/>
-              </a:rPr>
-              <a:t>Bước 1: Click Download tải file về máy tính</a:t>
-            </a:r>
-          </a:p>
-        </p:txBody>
-      </p:sp>
-      <p:pic>
-        <p:nvPicPr>
-          <p:cNvPr id="4" name="Picture 3"/>
-          <p:cNvPicPr>
-            <a:picLocks noChangeAspect="1"/>
-          </p:cNvPicPr>
-          <p:nvPr/>
-        </p:nvPicPr>
-        <p:blipFill>
-          <a:blip r:embed="rId2"/>
-          <a:stretch>
-            <a:fillRect/>
-          </a:stretch>
-        </p:blipFill>
-        <p:spPr>
-          <a:xfrm>
-            <a:off x="5743928" y="4822111"/>
-            <a:ext cx="2909512" cy="456394"/>
-          </a:xfrm>
-          <a:prstGeom prst="rect">
-            <a:avLst/>
-          </a:prstGeom>
-        </p:spPr>
-      </p:pic>
-      <p:sp>
-        <p:nvSpPr>
-          <p:cNvPr id="5" name="Title 1"/>
-          <p:cNvSpPr txBox="1">
-            <a:spLocks/>
-          </p:cNvSpPr>
-          <p:nvPr/>
-        </p:nvSpPr>
-        <p:spPr>
-          <a:xfrm>
-            <a:off x="709053" y="5412305"/>
-            <a:ext cx="8047836" cy="496573"/>
-          </a:xfrm>
-          <a:prstGeom prst="rect">
-            <a:avLst/>
-          </a:prstGeom>
-        </p:spPr>
-        <p:txBody>
-          <a:bodyPr/>
-          <a:lstStyle>
-            <a:lvl1pPr algn="l" defTabSz="914400" rtl="0" eaLnBrk="1" latinLnBrk="0" hangingPunct="1">
-              <a:lnSpc>
-                <a:spcPct val="90000"/>
-              </a:lnSpc>
-              <a:spcBef>
-                <a:spcPct val="0"/>
-              </a:spcBef>
-              <a:buNone/>
-              <a:defRPr sz="3200" b="1" kern="1200">
-                <a:solidFill>
-                  <a:srgbClr val="019DD0"/>
-                </a:solidFill>
-                <a:latin typeface="Arial" panose="020B0604020202020204" pitchFamily="34" charset="0"/>
-                <a:ea typeface="+mj-ea"/>
-                <a:cs typeface="Arial" panose="020B0604020202020204" pitchFamily="34" charset="0"/>
-              </a:defRPr>
-            </a:lvl1pPr>
-          </a:lstStyle>
-          <a:p>
-            <a:pPr>
-              <a:lnSpc>
-                <a:spcPct val="100000"/>
-              </a:lnSpc>
-            </a:pPr>
-            <a:r>
-              <a:rPr lang="en-US" sz="2000" b="0" dirty="0" smtClean="0">
-                <a:solidFill>
-                  <a:schemeClr val="tx1">
-                    <a:lumMod val="95000"/>
-                    <a:lumOff val="5000"/>
-                  </a:schemeClr>
-                </a:solidFill>
-                <a:ea typeface="Roboto Condensed" pitchFamily="2" charset="0"/>
-              </a:rPr>
-              <a:t>Bước 2: Gắn đầu USB vào máy tính, đầu micro USB vào micro:bit </a:t>
-            </a:r>
-          </a:p>
-        </p:txBody>
-      </p:sp>
-      <p:sp>
-        <p:nvSpPr>
-          <p:cNvPr id="8" name="TextBox 7"/>
-          <p:cNvSpPr txBox="1"/>
-          <p:nvPr/>
-        </p:nvSpPr>
-        <p:spPr>
-          <a:xfrm>
-            <a:off x="1265305" y="1364739"/>
-            <a:ext cx="5649845" cy="461665"/>
-          </a:xfrm>
-          <a:prstGeom prst="rect">
-            <a:avLst/>
-          </a:prstGeom>
-          <a:noFill/>
-        </p:spPr>
-        <p:txBody>
-          <a:bodyPr wrap="square" rtlCol="0">
-            <a:spAutoFit/>
-          </a:bodyPr>
-          <a:lstStyle/>
-          <a:p>
-            <a:r>
-              <a:rPr lang="en-US" sz="2400" b="1" dirty="0" smtClean="0">
-                <a:solidFill>
-                  <a:schemeClr val="tx1">
-                    <a:lumMod val="85000"/>
-                    <a:lumOff val="15000"/>
-                  </a:schemeClr>
-                </a:solidFill>
-                <a:latin typeface="UTM Helve" panose="02040603050506020204" pitchFamily="18" charset="0"/>
-                <a:ea typeface="Roboto" pitchFamily="2" charset="0"/>
-              </a:rPr>
-              <a:t>Đưa chương trình vào micro:bit</a:t>
-            </a:r>
-            <a:endParaRPr lang="en-US" sz="2400" b="1" dirty="0">
-              <a:solidFill>
-                <a:schemeClr val="tx1">
-                  <a:lumMod val="85000"/>
-                  <a:lumOff val="15000"/>
-                </a:schemeClr>
-              </a:solidFill>
-              <a:latin typeface="UTM Helve" panose="02040603050506020204" pitchFamily="18" charset="0"/>
-              <a:ea typeface="Roboto" pitchFamily="2" charset="0"/>
-            </a:endParaRPr>
-          </a:p>
-        </p:txBody>
-      </p:sp>
-      <p:pic>
-        <p:nvPicPr>
-          <p:cNvPr id="9" name="Picture 8"/>
-          <p:cNvPicPr>
-            <a:picLocks noChangeAspect="1"/>
-          </p:cNvPicPr>
-          <p:nvPr/>
-        </p:nvPicPr>
-        <p:blipFill>
-          <a:blip r:embed="rId3">
-            <a:extLst>
-              <a:ext uri="{28A0092B-C50C-407E-A947-70E740481C1C}">
-                <a14:useLocalDpi xmlns:a14="http://schemas.microsoft.com/office/drawing/2010/main" val="0"/>
-              </a:ext>
-            </a:extLst>
-          </a:blip>
-          <a:stretch>
-            <a:fillRect/>
-          </a:stretch>
-        </p:blipFill>
-        <p:spPr>
-          <a:xfrm>
-            <a:off x="709053" y="1437696"/>
-            <a:ext cx="466725" cy="409575"/>
-          </a:xfrm>
-          <a:prstGeom prst="rect">
-            <a:avLst/>
-          </a:prstGeom>
-        </p:spPr>
-      </p:pic>
-      <p:pic>
-        <p:nvPicPr>
-          <p:cNvPr id="11" name="Picture 10"/>
-          <p:cNvPicPr>
-            <a:picLocks noChangeAspect="1"/>
-          </p:cNvPicPr>
-          <p:nvPr/>
-        </p:nvPicPr>
-        <p:blipFill rotWithShape="1">
-          <a:blip r:embed="rId4"/>
-          <a:srcRect t="9567"/>
-          <a:stretch/>
-        </p:blipFill>
-        <p:spPr>
-          <a:xfrm>
-            <a:off x="1477989" y="1992477"/>
-            <a:ext cx="6441059" cy="2452204"/>
-          </a:xfrm>
-          <a:prstGeom prst="rect">
-            <a:avLst/>
-          </a:prstGeom>
-        </p:spPr>
-      </p:pic>
-      <p:sp>
-        <p:nvSpPr>
-          <p:cNvPr id="12" name="Title 1"/>
-          <p:cNvSpPr txBox="1">
-            <a:spLocks/>
-          </p:cNvSpPr>
-          <p:nvPr/>
-        </p:nvSpPr>
-        <p:spPr>
-          <a:xfrm>
-            <a:off x="709053" y="5983805"/>
-            <a:ext cx="8047836" cy="496573"/>
-          </a:xfrm>
-          <a:prstGeom prst="rect">
-            <a:avLst/>
-          </a:prstGeom>
-        </p:spPr>
-        <p:txBody>
-          <a:bodyPr/>
-          <a:lstStyle>
-            <a:lvl1pPr algn="l" defTabSz="914400" rtl="0" eaLnBrk="1" latinLnBrk="0" hangingPunct="1">
-              <a:lnSpc>
-                <a:spcPct val="90000"/>
-              </a:lnSpc>
-              <a:spcBef>
-                <a:spcPct val="0"/>
-              </a:spcBef>
-              <a:buNone/>
-              <a:defRPr sz="3200" b="1" kern="1200">
-                <a:solidFill>
-                  <a:srgbClr val="019DD0"/>
-                </a:solidFill>
-                <a:latin typeface="Arial" panose="020B0604020202020204" pitchFamily="34" charset="0"/>
-                <a:ea typeface="+mj-ea"/>
-                <a:cs typeface="Arial" panose="020B0604020202020204" pitchFamily="34" charset="0"/>
-              </a:defRPr>
-            </a:lvl1pPr>
-          </a:lstStyle>
-          <a:p>
-            <a:pPr>
-              <a:lnSpc>
-                <a:spcPct val="100000"/>
-              </a:lnSpc>
-            </a:pPr>
-            <a:r>
-              <a:rPr lang="en-US" sz="2000" b="0" dirty="0" smtClean="0">
-                <a:solidFill>
-                  <a:schemeClr val="tx1">
-                    <a:lumMod val="95000"/>
-                    <a:lumOff val="5000"/>
-                  </a:schemeClr>
-                </a:solidFill>
-                <a:ea typeface="Roboto Condensed" pitchFamily="2" charset="0"/>
-              </a:rPr>
-              <a:t>Bước 3: Copy file .hex vào micro:bit </a:t>
-            </a:r>
-          </a:p>
-        </p:txBody>
-      </p:sp>
-      <p:sp>
-        <p:nvSpPr>
-          <p:cNvPr id="13" name="Rectangle 12"/>
+          <p:cNvPr id="3" name="Rectangle 2"/>
           <p:cNvSpPr/>
           <p:nvPr/>
         </p:nvSpPr>
@@ -2994,7 +2694,187 @@
       </p:sp>
       <p:sp>
         <p:nvSpPr>
-          <p:cNvPr id="14" name="TextBox 13"/>
+          <p:cNvPr id="6" name="Rectangle 5"/>
+          <p:cNvSpPr/>
+          <p:nvPr/>
+        </p:nvSpPr>
+        <p:spPr>
+          <a:xfrm>
+            <a:off x="644352" y="1414694"/>
+            <a:ext cx="171494" cy="171494"/>
+          </a:xfrm>
+          <a:prstGeom prst="rect">
+            <a:avLst/>
+          </a:prstGeom>
+          <a:solidFill>
+            <a:srgbClr val="64C7E9"/>
+          </a:solidFill>
+          <a:ln>
+            <a:noFill/>
+          </a:ln>
+        </p:spPr>
+        <p:style>
+          <a:lnRef idx="2">
+            <a:schemeClr val="accent1">
+              <a:shade val="50000"/>
+            </a:schemeClr>
+          </a:lnRef>
+          <a:fillRef idx="1">
+            <a:schemeClr val="accent1"/>
+          </a:fillRef>
+          <a:effectRef idx="0">
+            <a:schemeClr val="accent1"/>
+          </a:effectRef>
+          <a:fontRef idx="minor">
+            <a:schemeClr val="lt1"/>
+          </a:fontRef>
+        </p:style>
+        <p:txBody>
+          <a:bodyPr rtlCol="0" anchor="ctr"/>
+          <a:lstStyle/>
+          <a:p>
+            <a:pPr algn="ctr"/>
+            <a:endParaRPr lang="en-US"/>
+          </a:p>
+        </p:txBody>
+      </p:sp>
+      <p:sp>
+        <p:nvSpPr>
+          <p:cNvPr id="7" name="TextBox 6"/>
+          <p:cNvSpPr txBox="1"/>
+          <p:nvPr/>
+        </p:nvSpPr>
+        <p:spPr>
+          <a:xfrm>
+            <a:off x="890862" y="1245845"/>
+            <a:ext cx="3296826" cy="2554545"/>
+          </a:xfrm>
+          <a:prstGeom prst="rect">
+            <a:avLst/>
+          </a:prstGeom>
+          <a:noFill/>
+        </p:spPr>
+        <p:txBody>
+          <a:bodyPr wrap="square" rtlCol="0">
+            <a:spAutoFit/>
+          </a:bodyPr>
+          <a:lstStyle/>
+          <a:p>
+            <a:r>
+              <a:rPr lang="en-US" sz="2000" dirty="0" smtClean="0">
+                <a:cs typeface="Arial" panose="020B0604020202020204" pitchFamily="34" charset="0"/>
+              </a:rPr>
+              <a:t>Block</a:t>
+            </a:r>
+            <a:r>
+              <a:rPr lang="en-US" sz="2000" b="1" dirty="0" smtClean="0">
+                <a:cs typeface="Arial" panose="020B0604020202020204" pitchFamily="34" charset="0"/>
+              </a:rPr>
+              <a:t> set motors speed left 0 right 100 </a:t>
+            </a:r>
+            <a:r>
+              <a:rPr lang="en-US" sz="2000" dirty="0" smtClean="0">
+                <a:cs typeface="Arial" panose="020B0604020202020204" pitchFamily="34" charset="0"/>
+              </a:rPr>
+              <a:t>chúng ta đã học ở bài DC Motors. Cho phép chúng ta điều chỉnh tốc độ động cơ các bên tương ứng để rẻ trái hay phải một góc độ theo ý muốn</a:t>
+            </a:r>
+            <a:endParaRPr lang="en-US" dirty="0">
+              <a:latin typeface="Arial" panose="020B0604020202020204" pitchFamily="34" charset="0"/>
+              <a:cs typeface="Arial" panose="020B0604020202020204" pitchFamily="34" charset="0"/>
+            </a:endParaRPr>
+          </a:p>
+        </p:txBody>
+      </p:sp>
+      <p:sp>
+        <p:nvSpPr>
+          <p:cNvPr id="24" name="Rounded Rectangle 23"/>
+          <p:cNvSpPr/>
+          <p:nvPr/>
+        </p:nvSpPr>
+        <p:spPr>
+          <a:xfrm>
+            <a:off x="644353" y="5188113"/>
+            <a:ext cx="7810534" cy="1310276"/>
+          </a:xfrm>
+          <a:prstGeom prst="roundRect">
+            <a:avLst>
+              <a:gd name="adj" fmla="val 12992"/>
+            </a:avLst>
+          </a:prstGeom>
+          <a:gradFill flip="none" rotWithShape="1">
+            <a:gsLst>
+              <a:gs pos="15000">
+                <a:srgbClr val="67C7DF"/>
+              </a:gs>
+              <a:gs pos="100000">
+                <a:srgbClr val="5EB130"/>
+              </a:gs>
+            </a:gsLst>
+            <a:lin ang="0" scaled="1"/>
+            <a:tileRect/>
+          </a:gradFill>
+          <a:ln>
+            <a:noFill/>
+          </a:ln>
+        </p:spPr>
+        <p:style>
+          <a:lnRef idx="2">
+            <a:schemeClr val="accent1">
+              <a:shade val="50000"/>
+            </a:schemeClr>
+          </a:lnRef>
+          <a:fillRef idx="1">
+            <a:schemeClr val="accent1"/>
+          </a:fillRef>
+          <a:effectRef idx="0">
+            <a:schemeClr val="accent1"/>
+          </a:effectRef>
+          <a:fontRef idx="minor">
+            <a:schemeClr val="lt1"/>
+          </a:fontRef>
+        </p:style>
+        <p:txBody>
+          <a:bodyPr rtlCol="0" anchor="ctr"/>
+          <a:lstStyle/>
+          <a:p>
+            <a:pPr algn="ctr"/>
+            <a:endParaRPr lang="en-US" dirty="0"/>
+          </a:p>
+        </p:txBody>
+      </p:sp>
+      <p:pic>
+        <p:nvPicPr>
+          <p:cNvPr id="25" name="Picture 24"/>
+          <p:cNvPicPr>
+            <a:picLocks noChangeAspect="1"/>
+          </p:cNvPicPr>
+          <p:nvPr/>
+        </p:nvPicPr>
+        <p:blipFill>
+          <a:blip r:embed="rId2">
+            <a:extLst>
+              <a:ext uri="{28A0092B-C50C-407E-A947-70E740481C1C}">
+                <a14:useLocalDpi xmlns:a14="http://schemas.microsoft.com/office/drawing/2010/main" val="0"/>
+              </a:ext>
+            </a:extLst>
+          </a:blip>
+          <a:stretch>
+            <a:fillRect/>
+          </a:stretch>
+        </p:blipFill>
+        <p:spPr>
+          <a:xfrm rot="19321209">
+            <a:off x="7478415" y="4683215"/>
+            <a:ext cx="1306783" cy="1228180"/>
+          </a:xfrm>
+          <a:prstGeom prst="rect">
+            <a:avLst/>
+          </a:prstGeom>
+        </p:spPr>
+      </p:pic>
+      <p:sp>
+        <p:nvSpPr>
+          <p:cNvPr id="17" name="TextBox 16"/>
           <p:cNvSpPr txBox="1"/>
           <p:nvPr/>
         </p:nvSpPr>
@@ -3022,25 +2902,253 @@
                 <a:latin typeface="UTM Helve" panose="02040603050506020204" pitchFamily="18" charset="0"/>
                 <a:ea typeface="Roboto" pitchFamily="2" charset="0"/>
               </a:rPr>
-              <a:t>Head </a:t>
-            </a:r>
-            <a:r>
-              <a:rPr lang="en-US" sz="2400" b="1" dirty="0">
+              <a:t>16.2 Cách sử dụng Cảm biến MakeLine</a:t>
+            </a:r>
+            <a:endParaRPr lang="en-US" sz="2400" b="1" dirty="0">
+              <a:solidFill>
+                <a:srgbClr val="64C7E9"/>
+              </a:solidFill>
+              <a:latin typeface="UTM Helve" panose="02040603050506020204" pitchFamily="18" charset="0"/>
+              <a:ea typeface="Roboto" pitchFamily="2" charset="0"/>
+            </a:endParaRPr>
+          </a:p>
+        </p:txBody>
+      </p:sp>
+      <p:pic>
+        <p:nvPicPr>
+          <p:cNvPr id="8" name="Picture 7"/>
+          <p:cNvPicPr>
+            <a:picLocks noChangeAspect="1"/>
+          </p:cNvPicPr>
+          <p:nvPr/>
+        </p:nvPicPr>
+        <p:blipFill>
+          <a:blip r:embed="rId3"/>
+          <a:stretch>
+            <a:fillRect/>
+          </a:stretch>
+        </p:blipFill>
+        <p:spPr>
+          <a:xfrm>
+            <a:off x="4427455" y="1316265"/>
+            <a:ext cx="4143953" cy="1810003"/>
+          </a:xfrm>
+          <a:prstGeom prst="rect">
+            <a:avLst/>
+          </a:prstGeom>
+        </p:spPr>
+      </p:pic>
+      <p:sp>
+        <p:nvSpPr>
+          <p:cNvPr id="9" name="TextBox 8"/>
+          <p:cNvSpPr txBox="1"/>
+          <p:nvPr/>
+        </p:nvSpPr>
+        <p:spPr>
+          <a:xfrm>
+            <a:off x="1482857" y="5263885"/>
+            <a:ext cx="2453455" cy="400110"/>
+          </a:xfrm>
+          <a:prstGeom prst="rect">
+            <a:avLst/>
+          </a:prstGeom>
+          <a:noFill/>
+        </p:spPr>
+        <p:txBody>
+          <a:bodyPr wrap="square" rtlCol="0">
+            <a:spAutoFit/>
+          </a:bodyPr>
+          <a:lstStyle/>
+          <a:p>
+            <a:r>
+              <a:rPr lang="en-US" sz="2000" b="1" dirty="0" smtClean="0">
                 <a:solidFill>
-                  <a:srgbClr val="64C7E9"/>
+                  <a:schemeClr val="bg1"/>
                 </a:solidFill>
-                <a:latin typeface="UTM Helve" panose="02040603050506020204" pitchFamily="18" charset="0"/>
-                <a:ea typeface="Roboto" pitchFamily="2" charset="0"/>
-              </a:rPr>
-              <a:t>Light và RGB LED trên reka:bit</a:t>
-            </a:r>
+              </a:rPr>
+              <a:t>Lưu ý quan trọng</a:t>
+            </a:r>
+            <a:endParaRPr lang="en-US" sz="2000" b="1" dirty="0">
+              <a:solidFill>
+                <a:schemeClr val="bg1"/>
+              </a:solidFill>
+            </a:endParaRPr>
+          </a:p>
+        </p:txBody>
+      </p:sp>
+      <p:sp>
+        <p:nvSpPr>
+          <p:cNvPr id="12" name="Isosceles Triangle 11"/>
+          <p:cNvSpPr/>
+          <p:nvPr/>
+        </p:nvSpPr>
+        <p:spPr>
+          <a:xfrm>
+            <a:off x="812009" y="5613056"/>
+            <a:ext cx="566217" cy="478084"/>
+          </a:xfrm>
+          <a:prstGeom prst="triangle">
+            <a:avLst/>
+          </a:prstGeom>
+          <a:noFill/>
+          <a:ln w="28575">
+            <a:solidFill>
+              <a:schemeClr val="bg1"/>
+            </a:solidFill>
+          </a:ln>
+        </p:spPr>
+        <p:style>
+          <a:lnRef idx="2">
+            <a:schemeClr val="accent1">
+              <a:shade val="50000"/>
+            </a:schemeClr>
+          </a:lnRef>
+          <a:fillRef idx="1">
+            <a:schemeClr val="accent1"/>
+          </a:fillRef>
+          <a:effectRef idx="0">
+            <a:schemeClr val="accent1"/>
+          </a:effectRef>
+          <a:fontRef idx="minor">
+            <a:schemeClr val="lt1"/>
+          </a:fontRef>
+        </p:style>
+        <p:txBody>
+          <a:bodyPr rtlCol="0" anchor="ctr"/>
+          <a:lstStyle/>
+          <a:p>
+            <a:pPr algn="ctr"/>
+            <a:r>
+              <a:rPr lang="en-US" sz="2400" dirty="0" smtClean="0"/>
+              <a:t>!</a:t>
+            </a:r>
+            <a:endParaRPr lang="en-US" sz="2400" dirty="0"/>
+          </a:p>
+        </p:txBody>
+      </p:sp>
+      <p:sp>
+        <p:nvSpPr>
+          <p:cNvPr id="27" name="Rectangle 26"/>
+          <p:cNvSpPr/>
+          <p:nvPr/>
+        </p:nvSpPr>
+        <p:spPr>
+          <a:xfrm>
+            <a:off x="644352" y="4082687"/>
+            <a:ext cx="171494" cy="171494"/>
+          </a:xfrm>
+          <a:prstGeom prst="rect">
+            <a:avLst/>
+          </a:prstGeom>
+          <a:solidFill>
+            <a:srgbClr val="64C7E9"/>
+          </a:solidFill>
+          <a:ln>
+            <a:noFill/>
+          </a:ln>
+        </p:spPr>
+        <p:style>
+          <a:lnRef idx="2">
+            <a:schemeClr val="accent1">
+              <a:shade val="50000"/>
+            </a:schemeClr>
+          </a:lnRef>
+          <a:fillRef idx="1">
+            <a:schemeClr val="accent1"/>
+          </a:fillRef>
+          <a:effectRef idx="0">
+            <a:schemeClr val="accent1"/>
+          </a:effectRef>
+          <a:fontRef idx="minor">
+            <a:schemeClr val="lt1"/>
+          </a:fontRef>
+        </p:style>
+        <p:txBody>
+          <a:bodyPr rtlCol="0" anchor="ctr"/>
+          <a:lstStyle/>
+          <a:p>
+            <a:pPr algn="ctr"/>
+            <a:endParaRPr lang="en-US"/>
+          </a:p>
+        </p:txBody>
+      </p:sp>
+      <p:sp>
+        <p:nvSpPr>
+          <p:cNvPr id="29" name="TextBox 28"/>
+          <p:cNvSpPr txBox="1"/>
+          <p:nvPr/>
+        </p:nvSpPr>
+        <p:spPr>
+          <a:xfrm>
+            <a:off x="890861" y="3913838"/>
+            <a:ext cx="7447107" cy="1015663"/>
+          </a:xfrm>
+          <a:prstGeom prst="rect">
+            <a:avLst/>
+          </a:prstGeom>
+          <a:noFill/>
+        </p:spPr>
+        <p:txBody>
+          <a:bodyPr wrap="square" rtlCol="0">
+            <a:spAutoFit/>
+          </a:bodyPr>
+          <a:lstStyle/>
+          <a:p>
+            <a:r>
+              <a:rPr lang="en-US" sz="2000" dirty="0" smtClean="0">
+                <a:cs typeface="Arial" panose="020B0604020202020204" pitchFamily="34" charset="0"/>
+              </a:rPr>
+              <a:t>Các bạn có thể thử nghiệm điều chỉnh tốc độ mỗi động cơ làm sao để khi nó rẻ một góc bao nhiêu đó thì bám được vào vạch đen của đường đi là thành công</a:t>
+            </a:r>
+            <a:endParaRPr lang="en-US" dirty="0">
+              <a:latin typeface="Arial" panose="020B0604020202020204" pitchFamily="34" charset="0"/>
+              <a:cs typeface="Arial" panose="020B0604020202020204" pitchFamily="34" charset="0"/>
+            </a:endParaRPr>
+          </a:p>
+        </p:txBody>
+      </p:sp>
+      <p:sp>
+        <p:nvSpPr>
+          <p:cNvPr id="13" name="TextBox 12"/>
+          <p:cNvSpPr txBox="1"/>
+          <p:nvPr/>
+        </p:nvSpPr>
+        <p:spPr>
+          <a:xfrm>
+            <a:off x="1510749" y="5663995"/>
+            <a:ext cx="6315535" cy="646331"/>
+          </a:xfrm>
+          <a:prstGeom prst="rect">
+            <a:avLst/>
+          </a:prstGeom>
+          <a:noFill/>
+        </p:spPr>
+        <p:txBody>
+          <a:bodyPr wrap="square" rtlCol="0">
+            <a:spAutoFit/>
+          </a:bodyPr>
+          <a:lstStyle/>
+          <a:p>
+            <a:r>
+              <a:rPr lang="en-US" dirty="0" smtClean="0">
+                <a:solidFill>
+                  <a:schemeClr val="bg1"/>
+                </a:solidFill>
+              </a:rPr>
+              <a:t>Zoom:bit không tự động đi theo đường màu đen mà các bạn phải  lập trình cho nó đi theo.</a:t>
+            </a:r>
+            <a:endParaRPr lang="en-US" dirty="0">
+              <a:solidFill>
+                <a:schemeClr val="bg1"/>
+              </a:solidFill>
+            </a:endParaRPr>
           </a:p>
         </p:txBody>
       </p:sp>
     </p:spTree>
     <p:extLst>
       <p:ext uri="{BB962C8B-B14F-4D97-AF65-F5344CB8AC3E}">
-        <p14:creationId xmlns:p14="http://schemas.microsoft.com/office/powerpoint/2010/main" val="3773185111"/>
+        <p14:creationId xmlns:p14="http://schemas.microsoft.com/office/powerpoint/2010/main" val="4186408214"/>
       </p:ext>
     </p:extLst>
   </p:cSld>
@@ -3093,112 +3201,7 @@
       </p:sp>
       <p:sp>
         <p:nvSpPr>
-          <p:cNvPr id="5" name="TextBox 4"/>
-          <p:cNvSpPr txBox="1"/>
-          <p:nvPr/>
-        </p:nvSpPr>
-        <p:spPr>
-          <a:xfrm>
-            <a:off x="1265305" y="1364739"/>
-            <a:ext cx="5649845" cy="461665"/>
-          </a:xfrm>
-          <a:prstGeom prst="rect">
-            <a:avLst/>
-          </a:prstGeom>
-          <a:noFill/>
-        </p:spPr>
-        <p:txBody>
-          <a:bodyPr wrap="square" rtlCol="0">
-            <a:spAutoFit/>
-          </a:bodyPr>
-          <a:lstStyle/>
-          <a:p>
-            <a:r>
-              <a:rPr lang="en-US" sz="2400" b="1" dirty="0" smtClean="0">
-                <a:solidFill>
-                  <a:schemeClr val="tx1">
-                    <a:lumMod val="85000"/>
-                    <a:lumOff val="15000"/>
-                  </a:schemeClr>
-                </a:solidFill>
-                <a:latin typeface="UTM Helve" panose="02040603050506020204" pitchFamily="18" charset="0"/>
-                <a:ea typeface="Roboto" pitchFamily="2" charset="0"/>
-              </a:rPr>
-              <a:t>Giữ an toàn cho micro:bit</a:t>
-            </a:r>
-            <a:endParaRPr lang="en-US" sz="2400" b="1" dirty="0">
-              <a:solidFill>
-                <a:schemeClr val="tx1">
-                  <a:lumMod val="85000"/>
-                  <a:lumOff val="15000"/>
-                </a:schemeClr>
-              </a:solidFill>
-              <a:latin typeface="UTM Helve" panose="02040603050506020204" pitchFamily="18" charset="0"/>
-              <a:ea typeface="Roboto" pitchFamily="2" charset="0"/>
-            </a:endParaRPr>
-          </a:p>
-        </p:txBody>
-      </p:sp>
-      <p:pic>
-        <p:nvPicPr>
-          <p:cNvPr id="6" name="Picture 5"/>
-          <p:cNvPicPr>
-            <a:picLocks noChangeAspect="1"/>
-          </p:cNvPicPr>
-          <p:nvPr/>
-        </p:nvPicPr>
-        <p:blipFill>
-          <a:blip r:embed="rId2">
-            <a:extLst>
-              <a:ext uri="{28A0092B-C50C-407E-A947-70E740481C1C}">
-                <a14:useLocalDpi xmlns:a14="http://schemas.microsoft.com/office/drawing/2010/main" val="0"/>
-              </a:ext>
-            </a:extLst>
-          </a:blip>
-          <a:stretch>
-            <a:fillRect/>
-          </a:stretch>
-        </p:blipFill>
-        <p:spPr>
-          <a:xfrm>
-            <a:off x="709053" y="1437696"/>
-            <a:ext cx="466725" cy="409575"/>
-          </a:xfrm>
-          <a:prstGeom prst="rect">
-            <a:avLst/>
-          </a:prstGeom>
-        </p:spPr>
-      </p:pic>
-      <p:pic>
-        <p:nvPicPr>
-          <p:cNvPr id="7" name="Google Shape;149;p5"/>
-          <p:cNvPicPr preferRelativeResize="0"/>
-          <p:nvPr/>
-        </p:nvPicPr>
-        <p:blipFill rotWithShape="1">
-          <a:blip r:embed="rId3">
-            <a:alphaModFix/>
-          </a:blip>
-          <a:srcRect/>
-          <a:stretch/>
-        </p:blipFill>
-        <p:spPr>
-          <a:xfrm>
-            <a:off x="804690" y="2535250"/>
-            <a:ext cx="3206517" cy="3182856"/>
-          </a:xfrm>
-          <a:prstGeom prst="rect">
-            <a:avLst/>
-          </a:prstGeom>
-          <a:noFill/>
-          <a:ln>
-            <a:noFill/>
-          </a:ln>
-        </p:spPr>
-      </p:pic>
-      <p:sp>
-        <p:nvSpPr>
-          <p:cNvPr id="8" name="Title 1"/>
+          <p:cNvPr id="3" name="Title 1"/>
           <p:cNvSpPr txBox="1">
             <a:spLocks/>
           </p:cNvSpPr>
@@ -3206,8 +3209,8 @@
         </p:nvSpPr>
         <p:spPr>
           <a:xfrm>
-            <a:off x="4261791" y="2490360"/>
-            <a:ext cx="4253559" cy="3227746"/>
+            <a:off x="709053" y="4862785"/>
+            <a:ext cx="5644503" cy="508846"/>
           </a:xfrm>
           <a:prstGeom prst="rect">
             <a:avLst/>
@@ -3235,15 +3238,13 @@
             </a:lvl1pPr>
           </a:lstStyle>
           <a:p>
-            <a:pPr marL="342900" indent="-342900">
+            <a:pPr>
               <a:lnSpc>
                 <a:spcPct val="100000"/>
               </a:lnSpc>
-              <a:buFont typeface="Arial" panose="020B0604020202020204" pitchFamily="34" charset="0"/>
-              <a:buChar char="•"/>
             </a:pPr>
             <a:r>
-              <a:rPr lang="en-US" sz="2400" b="0" dirty="0">
+              <a:rPr lang="en-US" sz="2000" b="0" dirty="0" smtClean="0">
                 <a:solidFill>
                   <a:schemeClr val="tx1">
                     <a:lumMod val="95000"/>
@@ -3252,10 +3253,81 @@
                 </a:solidFill>
                 <a:ea typeface="Roboto Condensed" pitchFamily="2" charset="0"/>
               </a:rPr>
-              <a:t>Cầm micro:bit cẩn thận ở các </a:t>
-            </a:r>
-            <a:r>
-              <a:rPr lang="en-US" sz="2400" b="0" dirty="0" smtClean="0">
+              <a:t>Bước 1: Click Download tải file về máy tính</a:t>
+            </a:r>
+          </a:p>
+        </p:txBody>
+      </p:sp>
+      <p:pic>
+        <p:nvPicPr>
+          <p:cNvPr id="4" name="Picture 3"/>
+          <p:cNvPicPr>
+            <a:picLocks noChangeAspect="1"/>
+          </p:cNvPicPr>
+          <p:nvPr/>
+        </p:nvPicPr>
+        <p:blipFill>
+          <a:blip r:embed="rId2"/>
+          <a:stretch>
+            <a:fillRect/>
+          </a:stretch>
+        </p:blipFill>
+        <p:spPr>
+          <a:xfrm>
+            <a:off x="5743928" y="4822111"/>
+            <a:ext cx="2909512" cy="456394"/>
+          </a:xfrm>
+          <a:prstGeom prst="rect">
+            <a:avLst/>
+          </a:prstGeom>
+        </p:spPr>
+      </p:pic>
+      <p:sp>
+        <p:nvSpPr>
+          <p:cNvPr id="5" name="Title 1"/>
+          <p:cNvSpPr txBox="1">
+            <a:spLocks/>
+          </p:cNvSpPr>
+          <p:nvPr/>
+        </p:nvSpPr>
+        <p:spPr>
+          <a:xfrm>
+            <a:off x="709053" y="5412305"/>
+            <a:ext cx="8047836" cy="496573"/>
+          </a:xfrm>
+          <a:prstGeom prst="rect">
+            <a:avLst/>
+          </a:prstGeom>
+        </p:spPr>
+        <p:txBody>
+          <a:bodyPr/>
+          <a:lstStyle>
+            <a:lvl1pPr algn="l" defTabSz="914400" rtl="0" eaLnBrk="1" latinLnBrk="0" hangingPunct="1">
+              <a:lnSpc>
+                <a:spcPct val="90000"/>
+              </a:lnSpc>
+              <a:spcBef>
+                <a:spcPct val="0"/>
+              </a:spcBef>
+              <a:buNone/>
+              <a:defRPr sz="3200" b="1" kern="1200">
+                <a:solidFill>
+                  <a:srgbClr val="019DD0"/>
+                </a:solidFill>
+                <a:latin typeface="Arial" panose="020B0604020202020204" pitchFamily="34" charset="0"/>
+                <a:ea typeface="+mj-ea"/>
+                <a:cs typeface="Arial" panose="020B0604020202020204" pitchFamily="34" charset="0"/>
+              </a:defRPr>
+            </a:lvl1pPr>
+          </a:lstStyle>
+          <a:p>
+            <a:pPr>
+              <a:lnSpc>
+                <a:spcPct val="100000"/>
+              </a:lnSpc>
+            </a:pPr>
+            <a:r>
+              <a:rPr lang="en-US" sz="2000" b="0" dirty="0" smtClean="0">
                 <a:solidFill>
                   <a:schemeClr val="tx1">
                     <a:lumMod val="95000"/>
@@ -3264,10 +3336,158 @@
                 </a:solidFill>
                 <a:ea typeface="Roboto Condensed" pitchFamily="2" charset="0"/>
               </a:rPr>
-              <a:t>cạnh</a:t>
-            </a:r>
-            <a:br>
-              <a:rPr lang="en-US" sz="2400" b="0" dirty="0" smtClean="0">
+              <a:t>Bước 2: Gắn đầu USB vào máy tính, đầu micro USB vào micro:bit </a:t>
+            </a:r>
+          </a:p>
+        </p:txBody>
+      </p:sp>
+      <p:sp>
+        <p:nvSpPr>
+          <p:cNvPr id="8" name="TextBox 7"/>
+          <p:cNvSpPr txBox="1"/>
+          <p:nvPr/>
+        </p:nvSpPr>
+        <p:spPr>
+          <a:xfrm>
+            <a:off x="1265305" y="1364739"/>
+            <a:ext cx="5649845" cy="461665"/>
+          </a:xfrm>
+          <a:prstGeom prst="rect">
+            <a:avLst/>
+          </a:prstGeom>
+          <a:noFill/>
+        </p:spPr>
+        <p:txBody>
+          <a:bodyPr wrap="square" rtlCol="0">
+            <a:spAutoFit/>
+          </a:bodyPr>
+          <a:lstStyle/>
+          <a:p>
+            <a:r>
+              <a:rPr lang="en-US" sz="2400" b="1" dirty="0" smtClean="0">
+                <a:solidFill>
+                  <a:schemeClr val="tx1">
+                    <a:lumMod val="85000"/>
+                    <a:lumOff val="15000"/>
+                  </a:schemeClr>
+                </a:solidFill>
+                <a:latin typeface="UTM Helve" panose="02040603050506020204" pitchFamily="18" charset="0"/>
+                <a:ea typeface="Roboto" pitchFamily="2" charset="0"/>
+              </a:rPr>
+              <a:t>Đưa chương trình vào micro:bit</a:t>
+            </a:r>
+            <a:endParaRPr lang="en-US" sz="2400" b="1" dirty="0">
+              <a:solidFill>
+                <a:schemeClr val="tx1">
+                  <a:lumMod val="85000"/>
+                  <a:lumOff val="15000"/>
+                </a:schemeClr>
+              </a:solidFill>
+              <a:latin typeface="UTM Helve" panose="02040603050506020204" pitchFamily="18" charset="0"/>
+              <a:ea typeface="Roboto" pitchFamily="2" charset="0"/>
+            </a:endParaRPr>
+          </a:p>
+        </p:txBody>
+      </p:sp>
+      <p:pic>
+        <p:nvPicPr>
+          <p:cNvPr id="9" name="Picture 8"/>
+          <p:cNvPicPr>
+            <a:picLocks noChangeAspect="1"/>
+          </p:cNvPicPr>
+          <p:nvPr/>
+        </p:nvPicPr>
+        <p:blipFill>
+          <a:blip r:embed="rId3">
+            <a:extLst>
+              <a:ext uri="{28A0092B-C50C-407E-A947-70E740481C1C}">
+                <a14:useLocalDpi xmlns:a14="http://schemas.microsoft.com/office/drawing/2010/main" val="0"/>
+              </a:ext>
+            </a:extLst>
+          </a:blip>
+          <a:stretch>
+            <a:fillRect/>
+          </a:stretch>
+        </p:blipFill>
+        <p:spPr>
+          <a:xfrm>
+            <a:off x="709053" y="1437696"/>
+            <a:ext cx="466725" cy="409575"/>
+          </a:xfrm>
+          <a:prstGeom prst="rect">
+            <a:avLst/>
+          </a:prstGeom>
+        </p:spPr>
+      </p:pic>
+      <p:pic>
+        <p:nvPicPr>
+          <p:cNvPr id="11" name="Picture 10"/>
+          <p:cNvPicPr>
+            <a:picLocks noChangeAspect="1"/>
+          </p:cNvPicPr>
+          <p:nvPr/>
+        </p:nvPicPr>
+        <p:blipFill rotWithShape="1">
+          <a:blip r:embed="rId4"/>
+          <a:srcRect t="9567"/>
+          <a:stretch/>
+        </p:blipFill>
+        <p:spPr>
+          <a:xfrm>
+            <a:off x="1477989" y="1992477"/>
+            <a:ext cx="6441059" cy="2452204"/>
+          </a:xfrm>
+          <a:prstGeom prst="rect">
+            <a:avLst/>
+          </a:prstGeom>
+        </p:spPr>
+      </p:pic>
+      <p:sp>
+        <p:nvSpPr>
+          <p:cNvPr id="12" name="Title 1"/>
+          <p:cNvSpPr txBox="1">
+            <a:spLocks/>
+          </p:cNvSpPr>
+          <p:nvPr/>
+        </p:nvSpPr>
+        <p:spPr>
+          <a:xfrm>
+            <a:off x="709053" y="5983805"/>
+            <a:ext cx="8047836" cy="496573"/>
+          </a:xfrm>
+          <a:prstGeom prst="rect">
+            <a:avLst/>
+          </a:prstGeom>
+        </p:spPr>
+        <p:txBody>
+          <a:bodyPr/>
+          <a:lstStyle>
+            <a:lvl1pPr algn="l" defTabSz="914400" rtl="0" eaLnBrk="1" latinLnBrk="0" hangingPunct="1">
+              <a:lnSpc>
+                <a:spcPct val="90000"/>
+              </a:lnSpc>
+              <a:spcBef>
+                <a:spcPct val="0"/>
+              </a:spcBef>
+              <a:buNone/>
+              <a:defRPr sz="3200" b="1" kern="1200">
+                <a:solidFill>
+                  <a:srgbClr val="019DD0"/>
+                </a:solidFill>
+                <a:latin typeface="Arial" panose="020B0604020202020204" pitchFamily="34" charset="0"/>
+                <a:ea typeface="+mj-ea"/>
+                <a:cs typeface="Arial" panose="020B0604020202020204" pitchFamily="34" charset="0"/>
+              </a:defRPr>
+            </a:lvl1pPr>
+          </a:lstStyle>
+          <a:p>
+            <a:pPr>
+              <a:lnSpc>
+                <a:spcPct val="100000"/>
+              </a:lnSpc>
+            </a:pPr>
+            <a:r>
+              <a:rPr lang="en-US" sz="2000" b="0" dirty="0" smtClean="0">
                 <a:solidFill>
                   <a:schemeClr val="tx1">
                     <a:lumMod val="95000"/>
@@ -3276,84 +3496,14 @@
                 </a:solidFill>
                 <a:ea typeface="Roboto Condensed" pitchFamily="2" charset="0"/>
               </a:rPr>
-            </a:br>
-            <a:endParaRPr lang="en-US" sz="2400" b="0" dirty="0" smtClean="0">
-              <a:solidFill>
-                <a:schemeClr val="tx1">
-                  <a:lumMod val="95000"/>
-                  <a:lumOff val="5000"/>
-                </a:schemeClr>
-              </a:solidFill>
-              <a:ea typeface="Roboto Condensed" pitchFamily="2" charset="0"/>
-            </a:endParaRPr>
-          </a:p>
-          <a:p>
-            <a:pPr marL="342900" indent="-342900">
-              <a:lnSpc>
-                <a:spcPct val="100000"/>
-              </a:lnSpc>
-              <a:buFont typeface="Arial" panose="020B0604020202020204" pitchFamily="34" charset="0"/>
-              <a:buChar char="•"/>
-            </a:pPr>
-            <a:r>
-              <a:rPr lang="en-US" sz="2400" b="0" dirty="0" smtClean="0">
-                <a:solidFill>
-                  <a:schemeClr val="tx1">
-                    <a:lumMod val="95000"/>
-                    <a:lumOff val="5000"/>
-                  </a:schemeClr>
-                </a:solidFill>
-                <a:ea typeface="Roboto Condensed" pitchFamily="2" charset="0"/>
-              </a:rPr>
-              <a:t>Tránh chạm vào các bộ phận</a:t>
-            </a:r>
-            <a:br>
-              <a:rPr lang="en-US" sz="2400" b="0" dirty="0" smtClean="0">
-                <a:solidFill>
-                  <a:schemeClr val="tx1">
-                    <a:lumMod val="95000"/>
-                    <a:lumOff val="5000"/>
-                  </a:schemeClr>
-                </a:solidFill>
-                <a:ea typeface="Roboto Condensed" pitchFamily="2" charset="0"/>
-              </a:rPr>
-            </a:br>
-            <a:endParaRPr lang="en-US" sz="2400" b="0" dirty="0" smtClean="0">
-              <a:solidFill>
-                <a:schemeClr val="tx1">
-                  <a:lumMod val="95000"/>
-                  <a:lumOff val="5000"/>
-                </a:schemeClr>
-              </a:solidFill>
-              <a:ea typeface="Roboto Condensed" pitchFamily="2" charset="0"/>
-            </a:endParaRPr>
-          </a:p>
-          <a:p>
-            <a:pPr marL="342900" indent="-342900">
-              <a:lnSpc>
-                <a:spcPct val="100000"/>
-              </a:lnSpc>
-              <a:buFont typeface="Arial" panose="020B0604020202020204" pitchFamily="34" charset="0"/>
-              <a:buChar char="•"/>
-            </a:pPr>
-            <a:r>
-              <a:rPr lang="en-US" sz="2400" b="0" dirty="0" smtClean="0">
-                <a:solidFill>
-                  <a:schemeClr val="tx1">
-                    <a:lumMod val="95000"/>
-                    <a:lumOff val="5000"/>
-                  </a:schemeClr>
-                </a:solidFill>
-                <a:ea typeface="Roboto Condensed" pitchFamily="2" charset="0"/>
-              </a:rPr>
-              <a:t>Tránh xa micro:bit khỏi nước</a:t>
-            </a:r>
-          </a:p>
-        </p:txBody>
-      </p:sp>
-      <p:sp>
-        <p:nvSpPr>
-          <p:cNvPr id="9" name="Rectangle 8"/>
+              <a:t>Bước 3: Copy file .hex vào micro:bit </a:t>
+            </a:r>
+          </a:p>
+        </p:txBody>
+      </p:sp>
+      <p:sp>
+        <p:nvSpPr>
+          <p:cNvPr id="13" name="Rectangle 12"/>
           <p:cNvSpPr/>
           <p:nvPr/>
         </p:nvSpPr>
@@ -3408,7 +3558,7 @@
       </p:sp>
       <p:sp>
         <p:nvSpPr>
-          <p:cNvPr id="11" name="TextBox 10"/>
+          <p:cNvPr id="14" name="TextBox 13"/>
           <p:cNvSpPr txBox="1"/>
           <p:nvPr/>
         </p:nvSpPr>
@@ -3454,7 +3604,7 @@
     </p:spTree>
     <p:extLst>
       <p:ext uri="{BB962C8B-B14F-4D97-AF65-F5344CB8AC3E}">
-        <p14:creationId xmlns:p14="http://schemas.microsoft.com/office/powerpoint/2010/main" val="2800974292"/>
+        <p14:creationId xmlns:p14="http://schemas.microsoft.com/office/powerpoint/2010/main" val="3773185111"/>
       </p:ext>
     </p:extLst>
   </p:cSld>
@@ -3507,69 +3657,14 @@
       </p:sp>
       <p:sp>
         <p:nvSpPr>
-          <p:cNvPr id="3" name="Rectangle 2"/>
-          <p:cNvSpPr/>
-          <p:nvPr/>
-        </p:nvSpPr>
-        <p:spPr>
-          <a:xfrm>
-            <a:off x="301925" y="1051379"/>
-            <a:ext cx="8454964" cy="27432"/>
-          </a:xfrm>
-          <a:prstGeom prst="rect">
-            <a:avLst/>
-          </a:prstGeom>
-          <a:gradFill flip="none" rotWithShape="1">
-            <a:gsLst>
-              <a:gs pos="15000">
-                <a:srgbClr val="67C7DF"/>
-              </a:gs>
-              <a:gs pos="100000">
-                <a:srgbClr val="5EB130"/>
-              </a:gs>
-            </a:gsLst>
-            <a:lin ang="0" scaled="1"/>
-            <a:tileRect/>
-          </a:gradFill>
-          <a:ln>
-            <a:noFill/>
-          </a:ln>
-        </p:spPr>
-        <p:style>
-          <a:lnRef idx="2">
-            <a:schemeClr val="accent1">
-              <a:shade val="50000"/>
-            </a:schemeClr>
-          </a:lnRef>
-          <a:fillRef idx="1">
-            <a:schemeClr val="accent1"/>
-          </a:fillRef>
-          <a:effectRef idx="0">
-            <a:schemeClr val="accent1"/>
-          </a:effectRef>
-          <a:fontRef idx="minor">
-            <a:schemeClr val="lt1"/>
-          </a:fontRef>
-        </p:style>
-        <p:txBody>
-          <a:bodyPr rtlCol="0" anchor="ctr"/>
-          <a:lstStyle/>
-          <a:p>
-            <a:pPr algn="ctr"/>
-            <a:endParaRPr lang="en-US"/>
-          </a:p>
-        </p:txBody>
-      </p:sp>
-      <p:sp>
-        <p:nvSpPr>
-          <p:cNvPr id="4" name="TextBox 3"/>
+          <p:cNvPr id="5" name="TextBox 4"/>
           <p:cNvSpPr txBox="1"/>
           <p:nvPr/>
         </p:nvSpPr>
         <p:spPr>
           <a:xfrm>
-            <a:off x="248815" y="546584"/>
-            <a:ext cx="7374995" cy="461665"/>
+            <a:off x="1265305" y="1364739"/>
+            <a:ext cx="5649845" cy="461665"/>
           </a:xfrm>
           <a:prstGeom prst="rect">
             <a:avLst/>
@@ -3582,61 +3677,6 @@
           </a:bodyPr>
           <a:lstStyle/>
           <a:p>
-            <a:r>
-              <a:rPr lang="en-US" sz="2400" b="1" dirty="0" smtClean="0">
-                <a:solidFill>
-                  <a:srgbClr val="64C7E9"/>
-                </a:solidFill>
-                <a:latin typeface="UTM Helve" panose="02040603050506020204" pitchFamily="18" charset="0"/>
-                <a:ea typeface="Roboto" pitchFamily="2" charset="0"/>
-              </a:rPr>
-              <a:t>12.4 Hoạt động học viên</a:t>
-            </a:r>
-            <a:endParaRPr lang="en-US" sz="2400" b="1" dirty="0">
-              <a:solidFill>
-                <a:srgbClr val="64C7E9"/>
-              </a:solidFill>
-              <a:latin typeface="UTM Helve" panose="02040603050506020204" pitchFamily="18" charset="0"/>
-              <a:ea typeface="Roboto" pitchFamily="2" charset="0"/>
-            </a:endParaRPr>
-          </a:p>
-        </p:txBody>
-      </p:sp>
-      <p:sp>
-        <p:nvSpPr>
-          <p:cNvPr id="5" name="TextBox 4"/>
-          <p:cNvSpPr txBox="1"/>
-          <p:nvPr/>
-        </p:nvSpPr>
-        <p:spPr>
-          <a:xfrm>
-            <a:off x="1265306" y="1364739"/>
-            <a:ext cx="3505477" cy="461665"/>
-          </a:xfrm>
-          <a:prstGeom prst="rect">
-            <a:avLst/>
-          </a:prstGeom>
-          <a:noFill/>
-        </p:spPr>
-        <p:txBody>
-          <a:bodyPr wrap="square" rtlCol="0">
-            <a:spAutoFit/>
-          </a:bodyPr>
-          <a:lstStyle/>
-          <a:p>
-            <a:r>
-              <a:rPr lang="vi-VN" sz="2400" b="1" dirty="0">
-                <a:solidFill>
-                  <a:schemeClr val="tx1">
-                    <a:lumMod val="85000"/>
-                    <a:lumOff val="15000"/>
-                  </a:schemeClr>
-                </a:solidFill>
-                <a:latin typeface="UTM Helve" panose="02040603050506020204" pitchFamily="18" charset="0"/>
-                <a:ea typeface="Roboto" pitchFamily="2" charset="0"/>
-              </a:rPr>
-              <a:t>Xe </a:t>
-            </a:r>
             <a:r>
               <a:rPr lang="en-US" sz="2400" b="1" dirty="0" smtClean="0">
                 <a:solidFill>
@@ -3648,7 +3688,7 @@
                 <a:latin typeface="UTM Helve" panose="02040603050506020204" pitchFamily="18" charset="0"/>
                 <a:ea typeface="Roboto" pitchFamily="2" charset="0"/>
               </a:rPr>
-              <a:t>cấp cứu zoom:bit</a:t>
+              <a:t>Giữ an toàn cho micro:bit</a:t>
             </a:r>
             <a:endParaRPr lang="en-US" sz="2400" b="1" dirty="0">
               <a:solidFill>
@@ -3693,9 +3733,36 @@
           </a:prstGeom>
         </p:spPr>
       </p:pic>
-      <p:sp>
-        <p:nvSpPr>
-          <p:cNvPr id="21" name="Title 1"/>
+      <p:pic>
+        <p:nvPicPr>
+          <p:cNvPr id="7" name="Google Shape;149;p5"/>
+          <p:cNvPicPr preferRelativeResize="0"/>
+          <p:nvPr/>
+        </p:nvPicPr>
+        <p:blipFill rotWithShape="1">
+          <a:blip r:embed="rId3">
+            <a:alphaModFix/>
+          </a:blip>
+          <a:srcRect/>
+          <a:stretch/>
+        </p:blipFill>
+        <p:spPr>
+          <a:xfrm>
+            <a:off x="804690" y="2535250"/>
+            <a:ext cx="3206517" cy="3182856"/>
+          </a:xfrm>
+          <a:prstGeom prst="rect">
+            <a:avLst/>
+          </a:prstGeom>
+          <a:noFill/>
+          <a:ln>
+            <a:noFill/>
+          </a:ln>
+        </p:spPr>
+      </p:pic>
+      <p:sp>
+        <p:nvSpPr>
+          <p:cNvPr id="8" name="Title 1"/>
           <p:cNvSpPr txBox="1">
             <a:spLocks/>
           </p:cNvSpPr>
@@ -3703,8 +3770,8 @@
         </p:nvSpPr>
         <p:spPr>
           <a:xfrm>
-            <a:off x="709053" y="2028427"/>
-            <a:ext cx="7118507" cy="429492"/>
+            <a:off x="4261791" y="2490360"/>
+            <a:ext cx="4253559" cy="3227746"/>
           </a:xfrm>
           <a:prstGeom prst="rect">
             <a:avLst/>
@@ -3732,13 +3799,15 @@
             </a:lvl1pPr>
           </a:lstStyle>
           <a:p>
-            <a:pPr>
+            <a:pPr marL="342900" indent="-342900">
               <a:lnSpc>
                 <a:spcPct val="100000"/>
               </a:lnSpc>
+              <a:buFont typeface="Arial" panose="020B0604020202020204" pitchFamily="34" charset="0"/>
+              <a:buChar char="•"/>
             </a:pPr>
             <a:r>
-              <a:rPr lang="en-US" sz="2000" b="0" dirty="0" smtClean="0">
+              <a:rPr lang="en-US" sz="2400" b="0" dirty="0">
                 <a:solidFill>
                   <a:schemeClr val="tx1">
                     <a:lumMod val="95000"/>
@@ -3747,9 +3816,32 @@
                 </a:solidFill>
                 <a:ea typeface="Roboto Condensed" pitchFamily="2" charset="0"/>
               </a:rPr>
-              <a:t>Dùng zoom:bit giả lập một xe cấp cứu với yêu cầu như sau:</a:t>
-            </a:r>
-            <a:endParaRPr lang="en-US" sz="2000" dirty="0" smtClean="0">
+              <a:t>Cầm micro:bit cẩn thận ở các </a:t>
+            </a:r>
+            <a:r>
+              <a:rPr lang="en-US" sz="2400" b="0" dirty="0" smtClean="0">
+                <a:solidFill>
+                  <a:schemeClr val="tx1">
+                    <a:lumMod val="95000"/>
+                    <a:lumOff val="5000"/>
+                  </a:schemeClr>
+                </a:solidFill>
+                <a:ea typeface="Roboto Condensed" pitchFamily="2" charset="0"/>
+              </a:rPr>
+              <a:t>cạnh</a:t>
+            </a:r>
+            <a:br>
+              <a:rPr lang="en-US" sz="2400" b="0" dirty="0" smtClean="0">
+                <a:solidFill>
+                  <a:schemeClr val="tx1">
+                    <a:lumMod val="95000"/>
+                    <a:lumOff val="5000"/>
+                  </a:schemeClr>
+                </a:solidFill>
+                <a:ea typeface="Roboto Condensed" pitchFamily="2" charset="0"/>
+              </a:rPr>
+            </a:br>
+            <a:endParaRPr lang="en-US" sz="2400" b="0" dirty="0" smtClean="0">
               <a:solidFill>
                 <a:schemeClr val="tx1">
                   <a:lumMod val="95000"/>
@@ -3759,25 +3851,96 @@
               <a:ea typeface="Roboto Condensed" pitchFamily="2" charset="0"/>
             </a:endParaRPr>
           </a:p>
-        </p:txBody>
-      </p:sp>
-      <p:sp>
-        <p:nvSpPr>
-          <p:cNvPr id="11" name="Rectangle 10"/>
+          <a:p>
+            <a:pPr marL="342900" indent="-342900">
+              <a:lnSpc>
+                <a:spcPct val="100000"/>
+              </a:lnSpc>
+              <a:buFont typeface="Arial" panose="020B0604020202020204" pitchFamily="34" charset="0"/>
+              <a:buChar char="•"/>
+            </a:pPr>
+            <a:r>
+              <a:rPr lang="en-US" sz="2400" b="0" dirty="0" smtClean="0">
+                <a:solidFill>
+                  <a:schemeClr val="tx1">
+                    <a:lumMod val="95000"/>
+                    <a:lumOff val="5000"/>
+                  </a:schemeClr>
+                </a:solidFill>
+                <a:ea typeface="Roboto Condensed" pitchFamily="2" charset="0"/>
+              </a:rPr>
+              <a:t>Tránh chạm vào các bộ phận</a:t>
+            </a:r>
+            <a:br>
+              <a:rPr lang="en-US" sz="2400" b="0" dirty="0" smtClean="0">
+                <a:solidFill>
+                  <a:schemeClr val="tx1">
+                    <a:lumMod val="95000"/>
+                    <a:lumOff val="5000"/>
+                  </a:schemeClr>
+                </a:solidFill>
+                <a:ea typeface="Roboto Condensed" pitchFamily="2" charset="0"/>
+              </a:rPr>
+            </a:br>
+            <a:endParaRPr lang="en-US" sz="2400" b="0" dirty="0" smtClean="0">
+              <a:solidFill>
+                <a:schemeClr val="tx1">
+                  <a:lumMod val="95000"/>
+                  <a:lumOff val="5000"/>
+                </a:schemeClr>
+              </a:solidFill>
+              <a:ea typeface="Roboto Condensed" pitchFamily="2" charset="0"/>
+            </a:endParaRPr>
+          </a:p>
+          <a:p>
+            <a:pPr marL="342900" indent="-342900">
+              <a:lnSpc>
+                <a:spcPct val="100000"/>
+              </a:lnSpc>
+              <a:buFont typeface="Arial" panose="020B0604020202020204" pitchFamily="34" charset="0"/>
+              <a:buChar char="•"/>
+            </a:pPr>
+            <a:r>
+              <a:rPr lang="en-US" sz="2400" b="0" dirty="0" smtClean="0">
+                <a:solidFill>
+                  <a:schemeClr val="tx1">
+                    <a:lumMod val="95000"/>
+                    <a:lumOff val="5000"/>
+                  </a:schemeClr>
+                </a:solidFill>
+                <a:ea typeface="Roboto Condensed" pitchFamily="2" charset="0"/>
+              </a:rPr>
+              <a:t>Tránh xa micro:bit khỏi nước</a:t>
+            </a:r>
+          </a:p>
+        </p:txBody>
+      </p:sp>
+      <p:sp>
+        <p:nvSpPr>
+          <p:cNvPr id="9" name="Rectangle 8"/>
           <p:cNvSpPr/>
           <p:nvPr/>
         </p:nvSpPr>
         <p:spPr>
           <a:xfrm>
-            <a:off x="4294682" y="2811400"/>
-            <a:ext cx="171494" cy="171494"/>
-          </a:xfrm>
-          <a:prstGeom prst="rect">
-            <a:avLst/>
-          </a:prstGeom>
-          <a:solidFill>
-            <a:srgbClr val="64C7E9"/>
-          </a:solidFill>
+            <a:off x="301925" y="1051379"/>
+            <a:ext cx="8454964" cy="27432"/>
+          </a:xfrm>
+          <a:prstGeom prst="rect">
+            <a:avLst/>
+          </a:prstGeom>
+          <a:gradFill flip="none" rotWithShape="1">
+            <a:gsLst>
+              <a:gs pos="15000">
+                <a:srgbClr val="67C7DF"/>
+              </a:gs>
+              <a:gs pos="100000">
+                <a:srgbClr val="5EB130"/>
+              </a:gs>
+            </a:gsLst>
+            <a:lin ang="0" scaled="1"/>
+            <a:tileRect/>
+          </a:gradFill>
           <a:ln>
             <a:noFill/>
           </a:ln>
@@ -3807,503 +3970,55 @@
           </a:p>
         </p:txBody>
       </p:sp>
-      <p:pic>
-        <p:nvPicPr>
-          <p:cNvPr id="2050" name="Picture 2" descr="Vector an ambulance travels to call a sick patient. flat  illustration."/>
-          <p:cNvPicPr>
-            <a:picLocks noChangeAspect="1" noChangeArrowheads="1"/>
-          </p:cNvPicPr>
-          <p:nvPr/>
-        </p:nvPicPr>
-        <p:blipFill>
-          <a:blip r:embed="rId3">
-            <a:extLst>
-              <a:ext uri="{28A0092B-C50C-407E-A947-70E740481C1C}">
-                <a14:useLocalDpi xmlns:a14="http://schemas.microsoft.com/office/drawing/2010/main" val="0"/>
-              </a:ext>
-            </a:extLst>
-          </a:blip>
-          <a:srcRect/>
-          <a:stretch>
-            <a:fillRect/>
-          </a:stretch>
-        </p:blipFill>
-        <p:spPr bwMode="auto">
-          <a:xfrm>
-            <a:off x="248815" y="2747434"/>
-            <a:ext cx="4045867" cy="3851977"/>
+      <p:sp>
+        <p:nvSpPr>
+          <p:cNvPr id="11" name="TextBox 10"/>
+          <p:cNvSpPr txBox="1"/>
+          <p:nvPr/>
+        </p:nvSpPr>
+        <p:spPr>
+          <a:xfrm>
+            <a:off x="248815" y="546584"/>
+            <a:ext cx="7374995" cy="461665"/>
           </a:xfrm>
           <a:prstGeom prst="rect">
             <a:avLst/>
           </a:prstGeom>
           <a:noFill/>
-          <a:extLst>
-            <a:ext uri="{909E8E84-426E-40DD-AFC4-6F175D3DCCD1}">
-              <a14:hiddenFill xmlns:a14="http://schemas.microsoft.com/office/drawing/2010/main">
+        </p:spPr>
+        <p:txBody>
+          <a:bodyPr wrap="square" rtlCol="0">
+            <a:spAutoFit/>
+          </a:bodyPr>
+          <a:lstStyle/>
+          <a:p>
+            <a:r>
+              <a:rPr lang="en-US" sz="2400" b="1" dirty="0" smtClean="0">
                 <a:solidFill>
-                  <a:srgbClr val="FFFFFF"/>
+                  <a:srgbClr val="64C7E9"/>
                 </a:solidFill>
-              </a14:hiddenFill>
-            </a:ext>
-          </a:extLst>
-        </p:spPr>
-      </p:pic>
-      <p:sp>
-        <p:nvSpPr>
-          <p:cNvPr id="12" name="Title 1"/>
-          <p:cNvSpPr txBox="1">
-            <a:spLocks/>
-          </p:cNvSpPr>
-          <p:nvPr/>
-        </p:nvSpPr>
-        <p:spPr>
-          <a:xfrm>
-            <a:off x="4532436" y="3583957"/>
-            <a:ext cx="3979607" cy="1864928"/>
-          </a:xfrm>
-          <a:prstGeom prst="rect">
-            <a:avLst/>
-          </a:prstGeom>
-        </p:spPr>
-        <p:txBody>
-          <a:bodyPr/>
-          <a:lstStyle>
-            <a:lvl1pPr algn="l" defTabSz="914400" rtl="0" eaLnBrk="1" latinLnBrk="0" hangingPunct="1">
-              <a:lnSpc>
-                <a:spcPct val="90000"/>
-              </a:lnSpc>
-              <a:spcBef>
-                <a:spcPct val="0"/>
-              </a:spcBef>
-              <a:buNone/>
-              <a:defRPr sz="3200" b="1" kern="1200">
+                <a:latin typeface="UTM Helve" panose="02040603050506020204" pitchFamily="18" charset="0"/>
+                <a:ea typeface="Roboto" pitchFamily="2" charset="0"/>
+              </a:rPr>
+              <a:t>Head </a:t>
+            </a:r>
+            <a:r>
+              <a:rPr lang="en-US" sz="2400" b="1" dirty="0">
                 <a:solidFill>
-                  <a:srgbClr val="019DD0"/>
+                  <a:srgbClr val="64C7E9"/>
                 </a:solidFill>
-                <a:latin typeface="Arial" panose="020B0604020202020204" pitchFamily="34" charset="0"/>
-                <a:ea typeface="+mj-ea"/>
-                <a:cs typeface="Arial" panose="020B0604020202020204" pitchFamily="34" charset="0"/>
-              </a:defRPr>
-            </a:lvl1pPr>
-          </a:lstStyle>
-          <a:p>
-            <a:pPr>
-              <a:lnSpc>
-                <a:spcPct val="100000"/>
-              </a:lnSpc>
-            </a:pPr>
-            <a:r>
-              <a:rPr lang="vi-VN" sz="2000" b="0" dirty="0">
-                <a:solidFill>
-                  <a:schemeClr val="tx1">
-                    <a:lumMod val="95000"/>
-                    <a:lumOff val="5000"/>
-                  </a:schemeClr>
-                </a:solidFill>
-                <a:ea typeface="Roboto Condensed" pitchFamily="2" charset="0"/>
-              </a:rPr>
-              <a:t>Để tăng sự thu hút của mọi người và nhường đường để xe chạy, </a:t>
-            </a:r>
-            <a:r>
-              <a:rPr lang="en-US" sz="2000" b="0" dirty="0" smtClean="0">
-                <a:solidFill>
-                  <a:schemeClr val="tx1">
-                    <a:lumMod val="95000"/>
-                    <a:lumOff val="5000"/>
-                  </a:schemeClr>
-                </a:solidFill>
-                <a:ea typeface="Roboto Condensed" pitchFamily="2" charset="0"/>
-              </a:rPr>
-              <a:t>bạn </a:t>
-            </a:r>
-            <a:r>
-              <a:rPr lang="vi-VN" sz="2000" b="0" dirty="0" smtClean="0">
-                <a:solidFill>
-                  <a:schemeClr val="tx1">
-                    <a:lumMod val="95000"/>
-                    <a:lumOff val="5000"/>
-                  </a:schemeClr>
-                </a:solidFill>
-                <a:ea typeface="Roboto Condensed" pitchFamily="2" charset="0"/>
-              </a:rPr>
-              <a:t>có </a:t>
-            </a:r>
-            <a:r>
-              <a:rPr lang="vi-VN" sz="2000" b="0" dirty="0">
-                <a:solidFill>
-                  <a:schemeClr val="tx1">
-                    <a:lumMod val="95000"/>
-                    <a:lumOff val="5000"/>
-                  </a:schemeClr>
-                </a:solidFill>
-                <a:ea typeface="Roboto Condensed" pitchFamily="2" charset="0"/>
-              </a:rPr>
-              <a:t>thể vừa cho </a:t>
-            </a:r>
-            <a:r>
-              <a:rPr lang="vi-VN" sz="2000" b="0" dirty="0" smtClean="0">
-                <a:solidFill>
-                  <a:schemeClr val="tx1">
-                    <a:lumMod val="95000"/>
-                    <a:lumOff val="5000"/>
-                  </a:schemeClr>
-                </a:solidFill>
-                <a:ea typeface="Roboto Condensed" pitchFamily="2" charset="0"/>
-              </a:rPr>
-              <a:t>đèn</a:t>
-            </a:r>
-            <a:r>
-              <a:rPr lang="en-US" sz="2000" b="0" dirty="0" smtClean="0">
-                <a:solidFill>
-                  <a:schemeClr val="tx1">
-                    <a:lumMod val="95000"/>
-                    <a:lumOff val="5000"/>
-                  </a:schemeClr>
-                </a:solidFill>
-                <a:ea typeface="Roboto Condensed" pitchFamily="2" charset="0"/>
-              </a:rPr>
-              <a:t> RGB LED</a:t>
-            </a:r>
-            <a:r>
-              <a:rPr lang="vi-VN" sz="2000" b="0" dirty="0" smtClean="0">
-                <a:solidFill>
-                  <a:schemeClr val="tx1">
-                    <a:lumMod val="95000"/>
-                    <a:lumOff val="5000"/>
-                  </a:schemeClr>
-                </a:solidFill>
-                <a:ea typeface="Roboto Condensed" pitchFamily="2" charset="0"/>
-              </a:rPr>
-              <a:t> </a:t>
-            </a:r>
-            <a:r>
-              <a:rPr lang="vi-VN" sz="2000" b="0" dirty="0">
-                <a:solidFill>
-                  <a:schemeClr val="tx1">
-                    <a:lumMod val="95000"/>
-                    <a:lumOff val="5000"/>
-                  </a:schemeClr>
-                </a:solidFill>
-                <a:ea typeface="Roboto Condensed" pitchFamily="2" charset="0"/>
-              </a:rPr>
-              <a:t>nhấp </a:t>
-            </a:r>
-            <a:r>
-              <a:rPr lang="vi-VN" sz="2000" b="0" dirty="0" smtClean="0">
-                <a:solidFill>
-                  <a:schemeClr val="tx1">
-                    <a:lumMod val="95000"/>
-                    <a:lumOff val="5000"/>
-                  </a:schemeClr>
-                </a:solidFill>
-                <a:ea typeface="Roboto Condensed" pitchFamily="2" charset="0"/>
-              </a:rPr>
-              <a:t>nháy</a:t>
-            </a:r>
-            <a:r>
-              <a:rPr lang="en-US" sz="2000" b="0" dirty="0" smtClean="0">
-                <a:solidFill>
-                  <a:schemeClr val="tx1">
-                    <a:lumMod val="95000"/>
-                    <a:lumOff val="5000"/>
-                  </a:schemeClr>
-                </a:solidFill>
-                <a:ea typeface="Roboto Condensed" pitchFamily="2" charset="0"/>
-              </a:rPr>
-              <a:t> liên tục</a:t>
-            </a:r>
-            <a:r>
-              <a:rPr lang="vi-VN" sz="2000" b="0" dirty="0" smtClean="0">
-                <a:solidFill>
-                  <a:schemeClr val="tx1">
-                    <a:lumMod val="95000"/>
-                    <a:lumOff val="5000"/>
-                  </a:schemeClr>
-                </a:solidFill>
-                <a:ea typeface="Roboto Condensed" pitchFamily="2" charset="0"/>
-              </a:rPr>
-              <a:t> </a:t>
-            </a:r>
-            <a:r>
-              <a:rPr lang="vi-VN" sz="2000" b="0" dirty="0">
-                <a:solidFill>
-                  <a:schemeClr val="tx1">
-                    <a:lumMod val="95000"/>
-                    <a:lumOff val="5000"/>
-                  </a:schemeClr>
-                </a:solidFill>
-                <a:ea typeface="Roboto Condensed" pitchFamily="2" charset="0"/>
-              </a:rPr>
-              <a:t>vừa phát ra tiếng còi báo </a:t>
-            </a:r>
-            <a:r>
-              <a:rPr lang="vi-VN" sz="2000" b="0" dirty="0" smtClean="0">
-                <a:solidFill>
-                  <a:schemeClr val="tx1">
-                    <a:lumMod val="95000"/>
-                    <a:lumOff val="5000"/>
-                  </a:schemeClr>
-                </a:solidFill>
-                <a:ea typeface="Roboto Condensed" pitchFamily="2" charset="0"/>
-              </a:rPr>
-              <a:t>động</a:t>
-            </a:r>
-            <a:r>
-              <a:rPr lang="en-US" sz="2000" b="0" dirty="0" smtClean="0">
-                <a:solidFill>
-                  <a:schemeClr val="tx1">
-                    <a:lumMod val="95000"/>
-                    <a:lumOff val="5000"/>
-                  </a:schemeClr>
-                </a:solidFill>
-                <a:ea typeface="Roboto Condensed" pitchFamily="2" charset="0"/>
-              </a:rPr>
-              <a:t> tò te to tè bằng các khối âm thanh</a:t>
-            </a:r>
-            <a:endParaRPr lang="en-US" sz="2000" dirty="0" smtClean="0">
-              <a:solidFill>
-                <a:schemeClr val="tx1">
-                  <a:lumMod val="95000"/>
-                  <a:lumOff val="5000"/>
-                </a:schemeClr>
-              </a:solidFill>
-              <a:ea typeface="Roboto Condensed" pitchFamily="2" charset="0"/>
-            </a:endParaRPr>
-          </a:p>
-        </p:txBody>
-      </p:sp>
-      <p:sp>
-        <p:nvSpPr>
-          <p:cNvPr id="13" name="Rectangle 12"/>
-          <p:cNvSpPr/>
-          <p:nvPr/>
-        </p:nvSpPr>
-        <p:spPr>
-          <a:xfrm>
-            <a:off x="4294682" y="3727414"/>
-            <a:ext cx="171494" cy="171494"/>
-          </a:xfrm>
-          <a:prstGeom prst="rect">
-            <a:avLst/>
-          </a:prstGeom>
-          <a:solidFill>
-            <a:srgbClr val="64C7E9"/>
-          </a:solidFill>
-          <a:ln>
-            <a:noFill/>
-          </a:ln>
-        </p:spPr>
-        <p:style>
-          <a:lnRef idx="2">
-            <a:schemeClr val="accent1">
-              <a:shade val="50000"/>
-            </a:schemeClr>
-          </a:lnRef>
-          <a:fillRef idx="1">
-            <a:schemeClr val="accent1"/>
-          </a:fillRef>
-          <a:effectRef idx="0">
-            <a:schemeClr val="accent1"/>
-          </a:effectRef>
-          <a:fontRef idx="minor">
-            <a:schemeClr val="lt1"/>
-          </a:fontRef>
-        </p:style>
-        <p:txBody>
-          <a:bodyPr rtlCol="0" anchor="ctr"/>
-          <a:lstStyle/>
-          <a:p>
-            <a:pPr algn="ctr"/>
-            <a:endParaRPr lang="en-US"/>
-          </a:p>
-        </p:txBody>
-      </p:sp>
-      <p:sp>
-        <p:nvSpPr>
-          <p:cNvPr id="15" name="Title 1"/>
-          <p:cNvSpPr txBox="1">
-            <a:spLocks/>
-          </p:cNvSpPr>
-          <p:nvPr/>
-        </p:nvSpPr>
-        <p:spPr>
-          <a:xfrm>
-            <a:off x="4532436" y="2685384"/>
-            <a:ext cx="3979607" cy="816644"/>
-          </a:xfrm>
-          <a:prstGeom prst="rect">
-            <a:avLst/>
-          </a:prstGeom>
-        </p:spPr>
-        <p:txBody>
-          <a:bodyPr/>
-          <a:lstStyle>
-            <a:lvl1pPr algn="l" defTabSz="914400" rtl="0" eaLnBrk="1" latinLnBrk="0" hangingPunct="1">
-              <a:lnSpc>
-                <a:spcPct val="90000"/>
-              </a:lnSpc>
-              <a:spcBef>
-                <a:spcPct val="0"/>
-              </a:spcBef>
-              <a:buNone/>
-              <a:defRPr sz="3200" b="1" kern="1200">
-                <a:solidFill>
-                  <a:srgbClr val="019DD0"/>
-                </a:solidFill>
-                <a:latin typeface="Arial" panose="020B0604020202020204" pitchFamily="34" charset="0"/>
-                <a:ea typeface="+mj-ea"/>
-                <a:cs typeface="Arial" panose="020B0604020202020204" pitchFamily="34" charset="0"/>
-              </a:defRPr>
-            </a:lvl1pPr>
-          </a:lstStyle>
-          <a:p>
-            <a:pPr>
-              <a:lnSpc>
-                <a:spcPct val="100000"/>
-              </a:lnSpc>
-            </a:pPr>
-            <a:r>
-              <a:rPr lang="en-US" sz="2000" b="0" dirty="0" smtClean="0">
-                <a:solidFill>
-                  <a:schemeClr val="tx1">
-                    <a:lumMod val="95000"/>
-                    <a:lumOff val="5000"/>
-                  </a:schemeClr>
-                </a:solidFill>
-                <a:ea typeface="Roboto Condensed" pitchFamily="2" charset="0"/>
-              </a:rPr>
-              <a:t>Nhấn nút A thì bắt đầu nháy 2 đền LED RGB với màu Đỏ</a:t>
-            </a:r>
-            <a:endParaRPr lang="en-US" sz="2000" dirty="0" smtClean="0">
-              <a:solidFill>
-                <a:schemeClr val="tx1">
-                  <a:lumMod val="95000"/>
-                  <a:lumOff val="5000"/>
-                </a:schemeClr>
-              </a:solidFill>
-              <a:ea typeface="Roboto Condensed" pitchFamily="2" charset="0"/>
-            </a:endParaRPr>
-          </a:p>
-        </p:txBody>
-      </p:sp>
-      <p:sp>
-        <p:nvSpPr>
-          <p:cNvPr id="16" name="Rectangle 15"/>
-          <p:cNvSpPr/>
-          <p:nvPr/>
-        </p:nvSpPr>
-        <p:spPr>
-          <a:xfrm>
-            <a:off x="4294682" y="5726878"/>
-            <a:ext cx="171494" cy="171494"/>
-          </a:xfrm>
-          <a:prstGeom prst="rect">
-            <a:avLst/>
-          </a:prstGeom>
-          <a:solidFill>
-            <a:srgbClr val="64C7E9"/>
-          </a:solidFill>
-          <a:ln>
-            <a:noFill/>
-          </a:ln>
-        </p:spPr>
-        <p:style>
-          <a:lnRef idx="2">
-            <a:schemeClr val="accent1">
-              <a:shade val="50000"/>
-            </a:schemeClr>
-          </a:lnRef>
-          <a:fillRef idx="1">
-            <a:schemeClr val="accent1"/>
-          </a:fillRef>
-          <a:effectRef idx="0">
-            <a:schemeClr val="accent1"/>
-          </a:effectRef>
-          <a:fontRef idx="minor">
-            <a:schemeClr val="lt1"/>
-          </a:fontRef>
-        </p:style>
-        <p:txBody>
-          <a:bodyPr rtlCol="0" anchor="ctr"/>
-          <a:lstStyle/>
-          <a:p>
-            <a:pPr algn="ctr"/>
-            <a:endParaRPr lang="en-US"/>
-          </a:p>
-        </p:txBody>
-      </p:sp>
-      <p:sp>
-        <p:nvSpPr>
-          <p:cNvPr id="17" name="Title 1"/>
-          <p:cNvSpPr txBox="1">
-            <a:spLocks/>
-          </p:cNvSpPr>
-          <p:nvPr/>
-        </p:nvSpPr>
-        <p:spPr>
-          <a:xfrm>
-            <a:off x="4532436" y="5600862"/>
-            <a:ext cx="3979607" cy="816644"/>
-          </a:xfrm>
-          <a:prstGeom prst="rect">
-            <a:avLst/>
-          </a:prstGeom>
-        </p:spPr>
-        <p:txBody>
-          <a:bodyPr/>
-          <a:lstStyle>
-            <a:lvl1pPr algn="l" defTabSz="914400" rtl="0" eaLnBrk="1" latinLnBrk="0" hangingPunct="1">
-              <a:lnSpc>
-                <a:spcPct val="90000"/>
-              </a:lnSpc>
-              <a:spcBef>
-                <a:spcPct val="0"/>
-              </a:spcBef>
-              <a:buNone/>
-              <a:defRPr sz="3200" b="1" kern="1200">
-                <a:solidFill>
-                  <a:srgbClr val="019DD0"/>
-                </a:solidFill>
-                <a:latin typeface="Arial" panose="020B0604020202020204" pitchFamily="34" charset="0"/>
-                <a:ea typeface="+mj-ea"/>
-                <a:cs typeface="Arial" panose="020B0604020202020204" pitchFamily="34" charset="0"/>
-              </a:defRPr>
-            </a:lvl1pPr>
-          </a:lstStyle>
-          <a:p>
-            <a:pPr>
-              <a:lnSpc>
-                <a:spcPct val="100000"/>
-              </a:lnSpc>
-            </a:pPr>
-            <a:r>
-              <a:rPr lang="en-US" sz="2000" b="0" dirty="0" smtClean="0">
-                <a:solidFill>
-                  <a:schemeClr val="tx1">
-                    <a:lumMod val="95000"/>
-                    <a:lumOff val="5000"/>
-                  </a:schemeClr>
-                </a:solidFill>
-                <a:ea typeface="Roboto Condensed" pitchFamily="2" charset="0"/>
-              </a:rPr>
-              <a:t>Nhấn nút B để tắt đèn và âm thanh</a:t>
-            </a:r>
-            <a:endParaRPr lang="en-US" sz="2000" dirty="0" smtClean="0">
-              <a:solidFill>
-                <a:schemeClr val="tx1">
-                  <a:lumMod val="95000"/>
-                  <a:lumOff val="5000"/>
-                </a:schemeClr>
-              </a:solidFill>
-              <a:ea typeface="Roboto Condensed" pitchFamily="2" charset="0"/>
-            </a:endParaRPr>
+                <a:latin typeface="UTM Helve" panose="02040603050506020204" pitchFamily="18" charset="0"/>
+                <a:ea typeface="Roboto" pitchFamily="2" charset="0"/>
+              </a:rPr>
+              <a:t>Light và RGB LED trên reka:bit</a:t>
+            </a:r>
           </a:p>
         </p:txBody>
       </p:sp>
     </p:spTree>
     <p:extLst>
       <p:ext uri="{BB962C8B-B14F-4D97-AF65-F5344CB8AC3E}">
-        <p14:creationId xmlns:p14="http://schemas.microsoft.com/office/powerpoint/2010/main" val="785694606"/>
+        <p14:creationId xmlns:p14="http://schemas.microsoft.com/office/powerpoint/2010/main" val="2800974292"/>
       </p:ext>
     </p:extLst>
   </p:cSld>
@@ -4439,7 +4154,17 @@
                 <a:latin typeface="UTM Helve" panose="02040603050506020204" pitchFamily="18" charset="0"/>
                 <a:ea typeface="Roboto" pitchFamily="2" charset="0"/>
               </a:rPr>
-              <a:t>12.4 Hoạt động học viên</a:t>
+              <a:t>16.4 </a:t>
+            </a:r>
+            <a:r>
+              <a:rPr lang="en-US" sz="2400" b="1" dirty="0" smtClean="0">
+                <a:solidFill>
+                  <a:srgbClr val="64C7E9"/>
+                </a:solidFill>
+                <a:latin typeface="UTM Helve" panose="02040603050506020204" pitchFamily="18" charset="0"/>
+                <a:ea typeface="Roboto" pitchFamily="2" charset="0"/>
+              </a:rPr>
+              <a:t>Hoạt động học viên</a:t>
             </a:r>
             <a:endParaRPr lang="en-US" sz="2400" b="1" dirty="0">
               <a:solidFill>
@@ -4460,7 +4185,7 @@
         <p:spPr>
           <a:xfrm>
             <a:off x="1265306" y="1364739"/>
-            <a:ext cx="4340364" cy="461665"/>
+            <a:ext cx="4313859" cy="461665"/>
           </a:xfrm>
           <a:prstGeom prst="rect">
             <a:avLst/>
@@ -4473,32 +4198,6 @@
           </a:bodyPr>
           <a:lstStyle/>
           <a:p>
-            <a:r>
-              <a:rPr lang="vi-VN" sz="2400" b="1" dirty="0">
-                <a:solidFill>
-                  <a:schemeClr val="tx1">
-                    <a:lumMod val="85000"/>
-                    <a:lumOff val="15000"/>
-                  </a:schemeClr>
-                </a:solidFill>
-                <a:latin typeface="UTM Helve" panose="02040603050506020204" pitchFamily="18" charset="0"/>
-                <a:ea typeface="Roboto" pitchFamily="2" charset="0"/>
-              </a:rPr>
-              <a:t>Lái xe an </a:t>
-            </a:r>
-            <a:r>
-              <a:rPr lang="vi-VN" sz="2400" b="1" dirty="0" smtClean="0">
-                <a:solidFill>
-                  <a:schemeClr val="tx1">
-                    <a:lumMod val="85000"/>
-                    <a:lumOff val="15000"/>
-                  </a:schemeClr>
-                </a:solidFill>
-                <a:latin typeface="UTM Helve" panose="02040603050506020204" pitchFamily="18" charset="0"/>
-                <a:ea typeface="Roboto" pitchFamily="2" charset="0"/>
-              </a:rPr>
-              <a:t>toàn</a:t>
-            </a:r>
             <a:r>
               <a:rPr lang="en-US" sz="2400" b="1" dirty="0" smtClean="0">
                 <a:solidFill>
@@ -4510,7 +4209,7 @@
                 <a:latin typeface="UTM Helve" panose="02040603050506020204" pitchFamily="18" charset="0"/>
                 <a:ea typeface="Roboto" pitchFamily="2" charset="0"/>
               </a:rPr>
-              <a:t> với zoom:bit</a:t>
+              <a:t>Giải đua công xe thức 1</a:t>
             </a:r>
             <a:endParaRPr lang="en-US" sz="2400" b="1" dirty="0">
               <a:solidFill>
@@ -4565,8 +4264,8 @@
         </p:nvSpPr>
         <p:spPr>
           <a:xfrm>
-            <a:off x="677371" y="1964950"/>
-            <a:ext cx="4879235" cy="738381"/>
+            <a:off x="709053" y="2028427"/>
+            <a:ext cx="7118507" cy="429492"/>
           </a:xfrm>
           <a:prstGeom prst="rect">
             <a:avLst/>
@@ -4609,7 +4308,7 @@
                 </a:solidFill>
                 <a:ea typeface="Roboto Condensed" pitchFamily="2" charset="0"/>
               </a:rPr>
-              <a:t>Để đảm bảo an toàn khi tham gia giao thông, bạn hãy lập trình cho zoom:bit:</a:t>
+              <a:t>Các bạn sẽ chia đội ra đi thi đấu với thể lệ giải đua như sau:</a:t>
             </a:r>
             <a:endParaRPr lang="en-US" sz="2000" dirty="0" smtClean="0">
               <a:solidFill>
@@ -4631,8 +4330,8 @@
         </p:nvSpPr>
         <p:spPr>
           <a:xfrm>
-            <a:off x="770921" y="2912789"/>
-            <a:ext cx="171494" cy="171494"/>
+            <a:off x="709053" y="2893329"/>
+            <a:ext cx="208189" cy="171494"/>
           </a:xfrm>
           <a:prstGeom prst="rect">
             <a:avLst/>
@@ -4679,8 +4378,8 @@
         </p:nvSpPr>
         <p:spPr>
           <a:xfrm>
-            <a:off x="1008675" y="3505698"/>
-            <a:ext cx="4451221" cy="1056546"/>
+            <a:off x="946807" y="3583957"/>
+            <a:ext cx="3979607" cy="1016883"/>
           </a:xfrm>
           <a:prstGeom prst="rect">
             <a:avLst/>
@@ -4723,7 +4422,7 @@
                 </a:solidFill>
                 <a:ea typeface="Roboto Condensed" pitchFamily="2" charset="0"/>
               </a:rPr>
-              <a:t>Rẻ trái hay phải thì bật và nháy đèn RGB LED bên tương ứng với màu Cam</a:t>
+              <a:t>Sau 20 phút đội nào chưa lập trình xong thì LOẠI, cá đội còn lại thi đấu</a:t>
             </a:r>
             <a:endParaRPr lang="en-US" sz="2000" dirty="0" smtClean="0">
               <a:solidFill>
@@ -4745,7 +4444,7 @@
         </p:nvSpPr>
         <p:spPr>
           <a:xfrm>
-            <a:off x="770921" y="3649155"/>
+            <a:off x="709053" y="3727414"/>
             <a:ext cx="171494" cy="171494"/>
           </a:xfrm>
           <a:prstGeom prst="rect">
@@ -4785,7 +4484,7 @@
       </p:sp>
       <p:sp>
         <p:nvSpPr>
-          <p:cNvPr id="14" name="Title 1"/>
+          <p:cNvPr id="15" name="Title 1"/>
           <p:cNvSpPr txBox="1">
             <a:spLocks/>
           </p:cNvSpPr>
@@ -4793,8 +4492,8 @@
         </p:nvSpPr>
         <p:spPr>
           <a:xfrm>
-            <a:off x="1008675" y="2769333"/>
-            <a:ext cx="4451221" cy="670363"/>
+            <a:off x="946806" y="2767313"/>
+            <a:ext cx="4831141" cy="816644"/>
           </a:xfrm>
           <a:prstGeom prst="rect">
             <a:avLst/>
@@ -4828,30 +4527,6 @@
               </a:lnSpc>
             </a:pPr>
             <a:r>
-              <a:rPr lang="en-US" sz="2000" b="0" dirty="0" smtClean="0">
-                <a:solidFill>
-                  <a:schemeClr val="tx1">
-                    <a:lumMod val="95000"/>
-                    <a:lumOff val="5000"/>
-                  </a:schemeClr>
-                </a:solidFill>
-                <a:ea typeface="Roboto Condensed" pitchFamily="2" charset="0"/>
-              </a:rPr>
-              <a:t>Tự động </a:t>
-            </a:r>
-            <a:r>
-              <a:rPr lang="vi-VN" sz="2000" b="0" dirty="0" smtClean="0">
-                <a:solidFill>
-                  <a:schemeClr val="tx1">
-                    <a:lumMod val="95000"/>
-                    <a:lumOff val="5000"/>
-                  </a:schemeClr>
-                </a:solidFill>
-                <a:ea typeface="Roboto Condensed" pitchFamily="2" charset="0"/>
-              </a:rPr>
-              <a:t>Bật </a:t>
-            </a:r>
-            <a:r>
               <a:rPr lang="vi-VN" sz="2000" b="0" dirty="0">
                 <a:solidFill>
                   <a:schemeClr val="tx1">
@@ -4861,7 +4536,7 @@
                 </a:solidFill>
                 <a:ea typeface="Roboto Condensed" pitchFamily="2" charset="0"/>
               </a:rPr>
-              <a:t>2 đèn trước lên khi trời tối</a:t>
+              <a:t>Các đội có 20 phút để lập trình và Chạy thử nghiệm bám đường vạch ĐEN</a:t>
             </a:r>
             <a:endParaRPr lang="en-US" sz="2000" dirty="0" smtClean="0">
               <a:solidFill>
@@ -4877,7 +4552,7 @@
       </p:sp>
       <p:sp>
         <p:nvSpPr>
-          <p:cNvPr id="15" name="Title 1"/>
+          <p:cNvPr id="18" name="Title 1"/>
           <p:cNvSpPr txBox="1">
             <a:spLocks/>
           </p:cNvSpPr>
@@ -4885,8 +4560,8 @@
         </p:nvSpPr>
         <p:spPr>
           <a:xfrm>
-            <a:off x="1008675" y="4509236"/>
-            <a:ext cx="4451221" cy="1056546"/>
+            <a:off x="946807" y="4842914"/>
+            <a:ext cx="3979607" cy="1016883"/>
           </a:xfrm>
           <a:prstGeom prst="rect">
             <a:avLst/>
@@ -4920,7 +4595,7 @@
               </a:lnSpc>
             </a:pPr>
             <a:r>
-              <a:rPr lang="en-US" sz="2000" b="0" dirty="0" smtClean="0">
+              <a:rPr lang="vi-VN" sz="2000" b="0" dirty="0">
                 <a:solidFill>
                   <a:schemeClr val="tx1">
                     <a:lumMod val="95000"/>
@@ -4929,7 +4604,7 @@
                 </a:solidFill>
                 <a:ea typeface="Roboto Condensed" pitchFamily="2" charset="0"/>
               </a:rPr>
-              <a:t>Có thể thêm tín hiệu âm thanh khi rẻ, và hiển thị mũi tên theo hướng rẻ trái hay phải</a:t>
+              <a:t>Mỗi Đội chạy 2 vòng, đội nào về đích với thời gian nhanh hơn thì đội đó THẮNG</a:t>
             </a:r>
             <a:endParaRPr lang="en-US" sz="2000" dirty="0" smtClean="0">
               <a:solidFill>
@@ -4945,13 +4620,13 @@
       </p:sp>
       <p:sp>
         <p:nvSpPr>
-          <p:cNvPr id="16" name="Rectangle 15"/>
+          <p:cNvPr id="19" name="Rectangle 18"/>
           <p:cNvSpPr/>
           <p:nvPr/>
         </p:nvSpPr>
         <p:spPr>
           <a:xfrm>
-            <a:off x="770921" y="4652693"/>
+            <a:off x="709053" y="4986371"/>
             <a:ext cx="171494" cy="171494"/>
           </a:xfrm>
           <a:prstGeom prst="rect">
@@ -4989,21 +4664,73 @@
           </a:p>
         </p:txBody>
       </p:sp>
-      <p:sp>
-        <p:nvSpPr>
-          <p:cNvPr id="17" name="Rounded Rectangle 16"/>
+    </p:spTree>
+    <p:extLst>
+      <p:ext uri="{BB962C8B-B14F-4D97-AF65-F5344CB8AC3E}">
+        <p14:creationId xmlns:p14="http://schemas.microsoft.com/office/powerpoint/2010/main" val="785694606"/>
+      </p:ext>
+    </p:extLst>
+  </p:cSld>
+  <p:clrMapOvr>
+    <a:masterClrMapping/>
+  </p:clrMapOvr>
+</p:sld>
+</file>
+
+<file path=ppt/slides/slide14.xml><?xml version="1.0" encoding="utf-8"?>
+<p:sld xmlns:a="http://schemas.openxmlformats.org/drawingml/2006/main" xmlns:r="http://schemas.openxmlformats.org/officeDocument/2006/relationships" xmlns:p="http://schemas.openxmlformats.org/presentationml/2006/main">
+  <p:cSld>
+    <p:spTree>
+      <p:nvGrpSpPr>
+        <p:cNvPr id="1" name=""/>
+        <p:cNvGrpSpPr/>
+        <p:nvPr/>
+      </p:nvGrpSpPr>
+      <p:grpSpPr>
+        <a:xfrm>
+          <a:off x="0" y="0"/>
+          <a:ext cx="0" cy="0"/>
+          <a:chOff x="0" y="0"/>
+          <a:chExt cx="0" cy="0"/>
+        </a:xfrm>
+      </p:grpSpPr>
+      <p:sp>
+        <p:nvSpPr>
+          <p:cNvPr id="2" name="Slide Number Placeholder 1"/>
+          <p:cNvSpPr>
+            <a:spLocks noGrp="1"/>
+          </p:cNvSpPr>
+          <p:nvPr>
+            <p:ph type="sldNum" sz="quarter" idx="12"/>
+          </p:nvPr>
+        </p:nvSpPr>
+        <p:spPr/>
+        <p:txBody>
+          <a:bodyPr/>
+          <a:lstStyle/>
+          <a:p>
+            <a:fld id="{7D9EC917-02A2-4152-9EE3-DFE2775A77C7}" type="slidenum">
+              <a:rPr lang="en-US" smtClean="0"/>
+              <a:pPr/>
+              <a:t>14</a:t>
+            </a:fld>
+            <a:endParaRPr lang="en-US"/>
+          </a:p>
+        </p:txBody>
+      </p:sp>
+      <p:sp>
+        <p:nvSpPr>
+          <p:cNvPr id="4" name="Rectangle 3"/>
           <p:cNvSpPr/>
           <p:nvPr/>
         </p:nvSpPr>
         <p:spPr>
           <a:xfrm>
-            <a:off x="770921" y="5671798"/>
-            <a:ext cx="7928251" cy="768758"/>
-          </a:xfrm>
-          <a:prstGeom prst="roundRect">
-            <a:avLst>
-              <a:gd name="adj" fmla="val 12992"/>
-            </a:avLst>
+            <a:off x="301925" y="1051379"/>
+            <a:ext cx="8454964" cy="27432"/>
+          </a:xfrm>
+          <a:prstGeom prst="rect">
+            <a:avLst/>
           </a:prstGeom>
           <a:gradFill flip="none" rotWithShape="1">
             <a:gsLst>
@@ -5042,11 +4769,689 @@
           <a:lstStyle/>
           <a:p>
             <a:pPr algn="ctr"/>
-            <a:r>
-              <a:rPr lang="en-US" dirty="0" smtClean="0"/>
-              <a:t>Bạn hãy viết thuật toán trước khi thực hiện chương trình với MakeCode</a:t>
-            </a:r>
-            <a:endParaRPr lang="en-US" dirty="0"/>
+            <a:endParaRPr lang="en-US"/>
+          </a:p>
+        </p:txBody>
+      </p:sp>
+      <p:sp>
+        <p:nvSpPr>
+          <p:cNvPr id="5" name="TextBox 4"/>
+          <p:cNvSpPr txBox="1"/>
+          <p:nvPr/>
+        </p:nvSpPr>
+        <p:spPr>
+          <a:xfrm>
+            <a:off x="248815" y="546584"/>
+            <a:ext cx="7374995" cy="461665"/>
+          </a:xfrm>
+          <a:prstGeom prst="rect">
+            <a:avLst/>
+          </a:prstGeom>
+          <a:noFill/>
+        </p:spPr>
+        <p:txBody>
+          <a:bodyPr wrap="square" rtlCol="0">
+            <a:spAutoFit/>
+          </a:bodyPr>
+          <a:lstStyle/>
+          <a:p>
+            <a:r>
+              <a:rPr lang="en-US" sz="2400" b="1" dirty="0" smtClean="0">
+                <a:solidFill>
+                  <a:srgbClr val="64C7E9"/>
+                </a:solidFill>
+                <a:latin typeface="UTM Helve" panose="02040603050506020204" pitchFamily="18" charset="0"/>
+                <a:ea typeface="Roboto" pitchFamily="2" charset="0"/>
+              </a:rPr>
+              <a:t>16.4 </a:t>
+            </a:r>
+            <a:r>
+              <a:rPr lang="en-US" sz="2400" b="1" dirty="0" smtClean="0">
+                <a:solidFill>
+                  <a:srgbClr val="64C7E9"/>
+                </a:solidFill>
+                <a:latin typeface="UTM Helve" panose="02040603050506020204" pitchFamily="18" charset="0"/>
+                <a:ea typeface="Roboto" pitchFamily="2" charset="0"/>
+              </a:rPr>
+              <a:t>Hoạt động học viên</a:t>
+            </a:r>
+            <a:endParaRPr lang="en-US" sz="2400" b="1" dirty="0">
+              <a:solidFill>
+                <a:srgbClr val="64C7E9"/>
+              </a:solidFill>
+              <a:latin typeface="UTM Helve" panose="02040603050506020204" pitchFamily="18" charset="0"/>
+              <a:ea typeface="Roboto" pitchFamily="2" charset="0"/>
+            </a:endParaRPr>
+          </a:p>
+        </p:txBody>
+      </p:sp>
+      <p:sp>
+        <p:nvSpPr>
+          <p:cNvPr id="6" name="TextBox 5"/>
+          <p:cNvSpPr txBox="1"/>
+          <p:nvPr/>
+        </p:nvSpPr>
+        <p:spPr>
+          <a:xfrm>
+            <a:off x="1265306" y="1364739"/>
+            <a:ext cx="4313859" cy="461665"/>
+          </a:xfrm>
+          <a:prstGeom prst="rect">
+            <a:avLst/>
+          </a:prstGeom>
+          <a:noFill/>
+        </p:spPr>
+        <p:txBody>
+          <a:bodyPr wrap="square" rtlCol="0">
+            <a:spAutoFit/>
+          </a:bodyPr>
+          <a:lstStyle/>
+          <a:p>
+            <a:r>
+              <a:rPr lang="en-US" sz="2400" b="1" dirty="0" smtClean="0">
+                <a:solidFill>
+                  <a:schemeClr val="tx1">
+                    <a:lumMod val="85000"/>
+                    <a:lumOff val="15000"/>
+                  </a:schemeClr>
+                </a:solidFill>
+                <a:latin typeface="UTM Helve" panose="02040603050506020204" pitchFamily="18" charset="0"/>
+                <a:ea typeface="Roboto" pitchFamily="2" charset="0"/>
+              </a:rPr>
+              <a:t>Sa hình cung đường đua</a:t>
+            </a:r>
+            <a:endParaRPr lang="en-US" sz="2400" b="1" dirty="0">
+              <a:solidFill>
+                <a:schemeClr val="tx1">
+                  <a:lumMod val="85000"/>
+                  <a:lumOff val="15000"/>
+                </a:schemeClr>
+              </a:solidFill>
+              <a:latin typeface="UTM Helve" panose="02040603050506020204" pitchFamily="18" charset="0"/>
+              <a:ea typeface="Roboto" pitchFamily="2" charset="0"/>
+            </a:endParaRPr>
+          </a:p>
+        </p:txBody>
+      </p:sp>
+      <p:pic>
+        <p:nvPicPr>
+          <p:cNvPr id="7" name="Picture 6"/>
+          <p:cNvPicPr>
+            <a:picLocks noChangeAspect="1"/>
+          </p:cNvPicPr>
+          <p:nvPr/>
+        </p:nvPicPr>
+        <p:blipFill>
+          <a:blip r:embed="rId2">
+            <a:extLst>
+              <a:ext uri="{28A0092B-C50C-407E-A947-70E740481C1C}">
+                <a14:useLocalDpi xmlns:a14="http://schemas.microsoft.com/office/drawing/2010/main" val="0"/>
+              </a:ext>
+            </a:extLst>
+          </a:blip>
+          <a:stretch>
+            <a:fillRect/>
+          </a:stretch>
+        </p:blipFill>
+        <p:spPr>
+          <a:xfrm>
+            <a:off x="709053" y="1437696"/>
+            <a:ext cx="466725" cy="409575"/>
+          </a:xfrm>
+          <a:prstGeom prst="rect">
+            <a:avLst/>
+          </a:prstGeom>
+        </p:spPr>
+      </p:pic>
+      <p:grpSp>
+        <p:nvGrpSpPr>
+          <p:cNvPr id="9" name="Group 8"/>
+          <p:cNvGrpSpPr/>
+          <p:nvPr/>
+        </p:nvGrpSpPr>
+        <p:grpSpPr>
+          <a:xfrm>
+            <a:off x="518822" y="2112332"/>
+            <a:ext cx="8021169" cy="4363059"/>
+            <a:chOff x="518822" y="2112332"/>
+            <a:chExt cx="8021169" cy="4363059"/>
+          </a:xfrm>
+        </p:grpSpPr>
+        <p:pic>
+          <p:nvPicPr>
+            <p:cNvPr id="3" name="Picture 2"/>
+            <p:cNvPicPr>
+              <a:picLocks noChangeAspect="1"/>
+            </p:cNvPicPr>
+            <p:nvPr/>
+          </p:nvPicPr>
+          <p:blipFill>
+            <a:blip r:embed="rId3"/>
+            <a:stretch>
+              <a:fillRect/>
+            </a:stretch>
+          </p:blipFill>
+          <p:spPr>
+            <a:xfrm>
+              <a:off x="518822" y="2112332"/>
+              <a:ext cx="8021169" cy="4363059"/>
+            </a:xfrm>
+            <a:prstGeom prst="rect">
+              <a:avLst/>
+            </a:prstGeom>
+          </p:spPr>
+        </p:pic>
+        <p:sp>
+          <p:nvSpPr>
+            <p:cNvPr id="8" name="Rectangle 7"/>
+            <p:cNvSpPr/>
+            <p:nvPr/>
+          </p:nvSpPr>
+          <p:spPr>
+            <a:xfrm>
+              <a:off x="518822" y="2112332"/>
+              <a:ext cx="1522013" cy="922416"/>
+            </a:xfrm>
+            <a:prstGeom prst="rect">
+              <a:avLst/>
+            </a:prstGeom>
+            <a:solidFill>
+              <a:srgbClr val="FFF5EC"/>
+            </a:solidFill>
+            <a:ln>
+              <a:noFill/>
+            </a:ln>
+          </p:spPr>
+          <p:style>
+            <a:lnRef idx="2">
+              <a:schemeClr val="accent1">
+                <a:shade val="50000"/>
+              </a:schemeClr>
+            </a:lnRef>
+            <a:fillRef idx="1">
+              <a:schemeClr val="accent1"/>
+            </a:fillRef>
+            <a:effectRef idx="0">
+              <a:schemeClr val="accent1"/>
+            </a:effectRef>
+            <a:fontRef idx="minor">
+              <a:schemeClr val="lt1"/>
+            </a:fontRef>
+          </p:style>
+          <p:txBody>
+            <a:bodyPr rtlCol="0" anchor="ctr"/>
+            <a:lstStyle/>
+            <a:p>
+              <a:pPr algn="ctr"/>
+              <a:endParaRPr lang="en-US"/>
+            </a:p>
+          </p:txBody>
+        </p:sp>
+      </p:grpSp>
+    </p:spTree>
+    <p:extLst>
+      <p:ext uri="{BB962C8B-B14F-4D97-AF65-F5344CB8AC3E}">
+        <p14:creationId xmlns:p14="http://schemas.microsoft.com/office/powerpoint/2010/main" val="536093843"/>
+      </p:ext>
+    </p:extLst>
+  </p:cSld>
+  <p:clrMapOvr>
+    <a:masterClrMapping/>
+  </p:clrMapOvr>
+</p:sld>
+</file>
+
+<file path=ppt/slides/slide15.xml><?xml version="1.0" encoding="utf-8"?>
+<p:sld xmlns:a="http://schemas.openxmlformats.org/drawingml/2006/main" xmlns:r="http://schemas.openxmlformats.org/officeDocument/2006/relationships" xmlns:p="http://schemas.openxmlformats.org/presentationml/2006/main">
+  <p:cSld>
+    <p:spTree>
+      <p:nvGrpSpPr>
+        <p:cNvPr id="1" name=""/>
+        <p:cNvGrpSpPr/>
+        <p:nvPr/>
+      </p:nvGrpSpPr>
+      <p:grpSpPr>
+        <a:xfrm>
+          <a:off x="0" y="0"/>
+          <a:ext cx="0" cy="0"/>
+          <a:chOff x="0" y="0"/>
+          <a:chExt cx="0" cy="0"/>
+        </a:xfrm>
+      </p:grpSpPr>
+      <p:sp>
+        <p:nvSpPr>
+          <p:cNvPr id="2" name="Slide Number Placeholder 1"/>
+          <p:cNvSpPr>
+            <a:spLocks noGrp="1"/>
+          </p:cNvSpPr>
+          <p:nvPr>
+            <p:ph type="sldNum" sz="quarter" idx="12"/>
+          </p:nvPr>
+        </p:nvSpPr>
+        <p:spPr/>
+        <p:txBody>
+          <a:bodyPr/>
+          <a:lstStyle/>
+          <a:p>
+            <a:fld id="{7D9EC917-02A2-4152-9EE3-DFE2775A77C7}" type="slidenum">
+              <a:rPr lang="en-US" smtClean="0"/>
+              <a:pPr/>
+              <a:t>15</a:t>
+            </a:fld>
+            <a:endParaRPr lang="en-US"/>
+          </a:p>
+        </p:txBody>
+      </p:sp>
+      <p:sp>
+        <p:nvSpPr>
+          <p:cNvPr id="3" name="Rectangle 2"/>
+          <p:cNvSpPr/>
+          <p:nvPr/>
+        </p:nvSpPr>
+        <p:spPr>
+          <a:xfrm>
+            <a:off x="301925" y="1051379"/>
+            <a:ext cx="8454964" cy="27432"/>
+          </a:xfrm>
+          <a:prstGeom prst="rect">
+            <a:avLst/>
+          </a:prstGeom>
+          <a:gradFill flip="none" rotWithShape="1">
+            <a:gsLst>
+              <a:gs pos="15000">
+                <a:srgbClr val="67C7DF"/>
+              </a:gs>
+              <a:gs pos="100000">
+                <a:srgbClr val="5EB130"/>
+              </a:gs>
+            </a:gsLst>
+            <a:lin ang="0" scaled="1"/>
+            <a:tileRect/>
+          </a:gradFill>
+          <a:ln>
+            <a:noFill/>
+          </a:ln>
+        </p:spPr>
+        <p:style>
+          <a:lnRef idx="2">
+            <a:schemeClr val="accent1">
+              <a:shade val="50000"/>
+            </a:schemeClr>
+          </a:lnRef>
+          <a:fillRef idx="1">
+            <a:schemeClr val="accent1"/>
+          </a:fillRef>
+          <a:effectRef idx="0">
+            <a:schemeClr val="accent1"/>
+          </a:effectRef>
+          <a:fontRef idx="minor">
+            <a:schemeClr val="lt1"/>
+          </a:fontRef>
+        </p:style>
+        <p:txBody>
+          <a:bodyPr rtlCol="0" anchor="ctr"/>
+          <a:lstStyle/>
+          <a:p>
+            <a:pPr algn="ctr"/>
+            <a:endParaRPr lang="en-US"/>
+          </a:p>
+        </p:txBody>
+      </p:sp>
+      <p:sp>
+        <p:nvSpPr>
+          <p:cNvPr id="4" name="TextBox 3"/>
+          <p:cNvSpPr txBox="1"/>
+          <p:nvPr/>
+        </p:nvSpPr>
+        <p:spPr>
+          <a:xfrm>
+            <a:off x="248815" y="546584"/>
+            <a:ext cx="7374995" cy="461665"/>
+          </a:xfrm>
+          <a:prstGeom prst="rect">
+            <a:avLst/>
+          </a:prstGeom>
+          <a:noFill/>
+        </p:spPr>
+        <p:txBody>
+          <a:bodyPr wrap="square" rtlCol="0">
+            <a:spAutoFit/>
+          </a:bodyPr>
+          <a:lstStyle/>
+          <a:p>
+            <a:r>
+              <a:rPr lang="en-US" sz="2400" b="1" dirty="0" smtClean="0">
+                <a:solidFill>
+                  <a:srgbClr val="64C7E9"/>
+                </a:solidFill>
+                <a:latin typeface="UTM Helve" panose="02040603050506020204" pitchFamily="18" charset="0"/>
+                <a:ea typeface="Roboto" pitchFamily="2" charset="0"/>
+              </a:rPr>
+              <a:t>16.4 </a:t>
+            </a:r>
+            <a:r>
+              <a:rPr lang="en-US" sz="2400" b="1" dirty="0" smtClean="0">
+                <a:solidFill>
+                  <a:srgbClr val="64C7E9"/>
+                </a:solidFill>
+                <a:latin typeface="UTM Helve" panose="02040603050506020204" pitchFamily="18" charset="0"/>
+                <a:ea typeface="Roboto" pitchFamily="2" charset="0"/>
+              </a:rPr>
+              <a:t>Hoạt động học viên</a:t>
+            </a:r>
+            <a:endParaRPr lang="en-US" sz="2400" b="1" dirty="0">
+              <a:solidFill>
+                <a:srgbClr val="64C7E9"/>
+              </a:solidFill>
+              <a:latin typeface="UTM Helve" panose="02040603050506020204" pitchFamily="18" charset="0"/>
+              <a:ea typeface="Roboto" pitchFamily="2" charset="0"/>
+            </a:endParaRPr>
+          </a:p>
+        </p:txBody>
+      </p:sp>
+      <p:sp>
+        <p:nvSpPr>
+          <p:cNvPr id="5" name="TextBox 4"/>
+          <p:cNvSpPr txBox="1"/>
+          <p:nvPr/>
+        </p:nvSpPr>
+        <p:spPr>
+          <a:xfrm>
+            <a:off x="1265306" y="1364739"/>
+            <a:ext cx="4313859" cy="461665"/>
+          </a:xfrm>
+          <a:prstGeom prst="rect">
+            <a:avLst/>
+          </a:prstGeom>
+          <a:noFill/>
+        </p:spPr>
+        <p:txBody>
+          <a:bodyPr wrap="square" rtlCol="0">
+            <a:spAutoFit/>
+          </a:bodyPr>
+          <a:lstStyle/>
+          <a:p>
+            <a:r>
+              <a:rPr lang="en-US" sz="2400" b="1" dirty="0" smtClean="0">
+                <a:solidFill>
+                  <a:schemeClr val="tx1">
+                    <a:lumMod val="85000"/>
+                    <a:lumOff val="15000"/>
+                  </a:schemeClr>
+                </a:solidFill>
+                <a:latin typeface="UTM Helve" panose="02040603050506020204" pitchFamily="18" charset="0"/>
+                <a:ea typeface="Roboto" pitchFamily="2" charset="0"/>
+              </a:rPr>
+              <a:t>Chỉ dẫn</a:t>
+            </a:r>
+            <a:endParaRPr lang="en-US" sz="2400" b="1" dirty="0">
+              <a:solidFill>
+                <a:schemeClr val="tx1">
+                  <a:lumMod val="85000"/>
+                  <a:lumOff val="15000"/>
+                </a:schemeClr>
+              </a:solidFill>
+              <a:latin typeface="UTM Helve" panose="02040603050506020204" pitchFamily="18" charset="0"/>
+              <a:ea typeface="Roboto" pitchFamily="2" charset="0"/>
+            </a:endParaRPr>
+          </a:p>
+        </p:txBody>
+      </p:sp>
+      <p:pic>
+        <p:nvPicPr>
+          <p:cNvPr id="6" name="Picture 5"/>
+          <p:cNvPicPr>
+            <a:picLocks noChangeAspect="1"/>
+          </p:cNvPicPr>
+          <p:nvPr/>
+        </p:nvPicPr>
+        <p:blipFill>
+          <a:blip r:embed="rId2">
+            <a:extLst>
+              <a:ext uri="{28A0092B-C50C-407E-A947-70E740481C1C}">
+                <a14:useLocalDpi xmlns:a14="http://schemas.microsoft.com/office/drawing/2010/main" val="0"/>
+              </a:ext>
+            </a:extLst>
+          </a:blip>
+          <a:stretch>
+            <a:fillRect/>
+          </a:stretch>
+        </p:blipFill>
+        <p:spPr>
+          <a:xfrm>
+            <a:off x="709053" y="1437696"/>
+            <a:ext cx="466725" cy="409575"/>
+          </a:xfrm>
+          <a:prstGeom prst="rect">
+            <a:avLst/>
+          </a:prstGeom>
+        </p:spPr>
+      </p:pic>
+      <p:sp>
+        <p:nvSpPr>
+          <p:cNvPr id="21" name="Title 1"/>
+          <p:cNvSpPr txBox="1">
+            <a:spLocks/>
+          </p:cNvSpPr>
+          <p:nvPr/>
+        </p:nvSpPr>
+        <p:spPr>
+          <a:xfrm>
+            <a:off x="970153" y="2230451"/>
+            <a:ext cx="7118507" cy="635488"/>
+          </a:xfrm>
+          <a:prstGeom prst="rect">
+            <a:avLst/>
+          </a:prstGeom>
+        </p:spPr>
+        <p:txBody>
+          <a:bodyPr/>
+          <a:lstStyle>
+            <a:lvl1pPr algn="l" defTabSz="914400" rtl="0" eaLnBrk="1" latinLnBrk="0" hangingPunct="1">
+              <a:lnSpc>
+                <a:spcPct val="90000"/>
+              </a:lnSpc>
+              <a:spcBef>
+                <a:spcPct val="0"/>
+              </a:spcBef>
+              <a:buNone/>
+              <a:defRPr sz="3200" b="1" kern="1200">
+                <a:solidFill>
+                  <a:srgbClr val="019DD0"/>
+                </a:solidFill>
+                <a:latin typeface="Arial" panose="020B0604020202020204" pitchFamily="34" charset="0"/>
+                <a:ea typeface="+mj-ea"/>
+                <a:cs typeface="Arial" panose="020B0604020202020204" pitchFamily="34" charset="0"/>
+              </a:defRPr>
+            </a:lvl1pPr>
+          </a:lstStyle>
+          <a:p>
+            <a:pPr>
+              <a:lnSpc>
+                <a:spcPct val="100000"/>
+              </a:lnSpc>
+            </a:pPr>
+            <a:r>
+              <a:rPr lang="en-US" sz="2000" b="0" dirty="0" smtClean="0">
+                <a:solidFill>
+                  <a:schemeClr val="tx1">
+                    <a:lumMod val="95000"/>
+                    <a:lumOff val="5000"/>
+                  </a:schemeClr>
+                </a:solidFill>
+                <a:ea typeface="Roboto Condensed" pitchFamily="2" charset="0"/>
+              </a:rPr>
+              <a:t>Theo lý thuyết trên thì tất cả các đội đều có cách lập trình như nhau.</a:t>
+            </a:r>
+            <a:endParaRPr lang="en-US" sz="2000" dirty="0" smtClean="0">
+              <a:solidFill>
+                <a:schemeClr val="tx1">
+                  <a:lumMod val="95000"/>
+                  <a:lumOff val="5000"/>
+                </a:schemeClr>
+              </a:solidFill>
+              <a:ea typeface="Roboto Condensed" pitchFamily="2" charset="0"/>
+            </a:endParaRPr>
+          </a:p>
+        </p:txBody>
+      </p:sp>
+      <p:sp>
+        <p:nvSpPr>
+          <p:cNvPr id="11" name="Rectangle 10"/>
+          <p:cNvSpPr/>
+          <p:nvPr/>
+        </p:nvSpPr>
+        <p:spPr>
+          <a:xfrm>
+            <a:off x="709053" y="2365373"/>
+            <a:ext cx="208189" cy="171494"/>
+          </a:xfrm>
+          <a:prstGeom prst="rect">
+            <a:avLst/>
+          </a:prstGeom>
+          <a:solidFill>
+            <a:srgbClr val="64C7E9"/>
+          </a:solidFill>
+          <a:ln>
+            <a:noFill/>
+          </a:ln>
+        </p:spPr>
+        <p:style>
+          <a:lnRef idx="2">
+            <a:schemeClr val="accent1">
+              <a:shade val="50000"/>
+            </a:schemeClr>
+          </a:lnRef>
+          <a:fillRef idx="1">
+            <a:schemeClr val="accent1"/>
+          </a:fillRef>
+          <a:effectRef idx="0">
+            <a:schemeClr val="accent1"/>
+          </a:effectRef>
+          <a:fontRef idx="minor">
+            <a:schemeClr val="lt1"/>
+          </a:fontRef>
+        </p:style>
+        <p:txBody>
+          <a:bodyPr rtlCol="0" anchor="ctr"/>
+          <a:lstStyle/>
+          <a:p>
+            <a:pPr algn="ctr"/>
+            <a:endParaRPr lang="en-US"/>
+          </a:p>
+        </p:txBody>
+      </p:sp>
+      <p:sp>
+        <p:nvSpPr>
+          <p:cNvPr id="12" name="Title 1"/>
+          <p:cNvSpPr txBox="1">
+            <a:spLocks/>
+          </p:cNvSpPr>
+          <p:nvPr/>
+        </p:nvSpPr>
+        <p:spPr>
+          <a:xfrm>
+            <a:off x="946807" y="3213380"/>
+            <a:ext cx="4115523" cy="804200"/>
+          </a:xfrm>
+          <a:prstGeom prst="rect">
+            <a:avLst/>
+          </a:prstGeom>
+        </p:spPr>
+        <p:txBody>
+          <a:bodyPr/>
+          <a:lstStyle>
+            <a:lvl1pPr algn="l" defTabSz="914400" rtl="0" eaLnBrk="1" latinLnBrk="0" hangingPunct="1">
+              <a:lnSpc>
+                <a:spcPct val="90000"/>
+              </a:lnSpc>
+              <a:spcBef>
+                <a:spcPct val="0"/>
+              </a:spcBef>
+              <a:buNone/>
+              <a:defRPr sz="3200" b="1" kern="1200">
+                <a:solidFill>
+                  <a:srgbClr val="019DD0"/>
+                </a:solidFill>
+                <a:latin typeface="Arial" panose="020B0604020202020204" pitchFamily="34" charset="0"/>
+                <a:ea typeface="+mj-ea"/>
+                <a:cs typeface="Arial" panose="020B0604020202020204" pitchFamily="34" charset="0"/>
+              </a:defRPr>
+            </a:lvl1pPr>
+          </a:lstStyle>
+          <a:p>
+            <a:pPr>
+              <a:lnSpc>
+                <a:spcPct val="100000"/>
+              </a:lnSpc>
+            </a:pPr>
+            <a:r>
+              <a:rPr lang="en-US" sz="2000" b="0" dirty="0" smtClean="0">
+                <a:solidFill>
+                  <a:schemeClr val="tx1">
+                    <a:lumMod val="95000"/>
+                    <a:lumOff val="5000"/>
+                  </a:schemeClr>
+                </a:solidFill>
+                <a:ea typeface="Roboto Condensed" pitchFamily="2" charset="0"/>
+              </a:rPr>
+              <a:t>Muốn cho xe chạy nhanh thì các bạn cần thay đổi tốc độ động cơ</a:t>
+            </a:r>
+            <a:endParaRPr lang="en-US" sz="2000" dirty="0" smtClean="0">
+              <a:solidFill>
+                <a:schemeClr val="tx1">
+                  <a:lumMod val="95000"/>
+                  <a:lumOff val="5000"/>
+                </a:schemeClr>
+              </a:solidFill>
+              <a:ea typeface="Roboto Condensed" pitchFamily="2" charset="0"/>
+            </a:endParaRPr>
+          </a:p>
+        </p:txBody>
+      </p:sp>
+      <p:sp>
+        <p:nvSpPr>
+          <p:cNvPr id="13" name="Rectangle 12"/>
+          <p:cNvSpPr/>
+          <p:nvPr/>
+        </p:nvSpPr>
+        <p:spPr>
+          <a:xfrm>
+            <a:off x="709053" y="3356836"/>
+            <a:ext cx="171494" cy="135626"/>
+          </a:xfrm>
+          <a:prstGeom prst="rect">
+            <a:avLst/>
+          </a:prstGeom>
+          <a:solidFill>
+            <a:srgbClr val="64C7E9"/>
+          </a:solidFill>
+          <a:ln>
+            <a:noFill/>
+          </a:ln>
+        </p:spPr>
+        <p:style>
+          <a:lnRef idx="2">
+            <a:schemeClr val="accent1">
+              <a:shade val="50000"/>
+            </a:schemeClr>
+          </a:lnRef>
+          <a:fillRef idx="1">
+            <a:schemeClr val="accent1"/>
+          </a:fillRef>
+          <a:effectRef idx="0">
+            <a:schemeClr val="accent1"/>
+          </a:effectRef>
+          <a:fontRef idx="minor">
+            <a:schemeClr val="lt1"/>
+          </a:fontRef>
+        </p:style>
+        <p:txBody>
+          <a:bodyPr rtlCol="0" anchor="ctr"/>
+          <a:lstStyle/>
+          <a:p>
+            <a:pPr algn="ctr"/>
+            <a:endParaRPr lang="en-US"/>
           </a:p>
         </p:txBody>
       </p:sp>
@@ -5066,42 +5471,132 @@
         </p:blipFill>
         <p:spPr>
           <a:xfrm>
-            <a:off x="5975438" y="3104514"/>
-            <a:ext cx="2362530" cy="2410161"/>
+            <a:off x="5060911" y="2865939"/>
+            <a:ext cx="3277057" cy="981212"/>
           </a:xfrm>
           <a:prstGeom prst="rect">
             <a:avLst/>
           </a:prstGeom>
         </p:spPr>
       </p:pic>
-      <p:pic>
-        <p:nvPicPr>
-          <p:cNvPr id="8" name="Picture 7"/>
-          <p:cNvPicPr>
-            <a:picLocks noChangeAspect="1"/>
-          </p:cNvPicPr>
-          <p:nvPr/>
-        </p:nvPicPr>
-        <p:blipFill>
-          <a:blip r:embed="rId4"/>
-          <a:stretch>
-            <a:fillRect/>
-          </a:stretch>
-        </p:blipFill>
-        <p:spPr>
-          <a:xfrm>
-            <a:off x="5975438" y="1303902"/>
-            <a:ext cx="2505953" cy="1655557"/>
-          </a:xfrm>
-          <a:prstGeom prst="rect">
-            <a:avLst/>
-          </a:prstGeom>
-        </p:spPr>
-      </p:pic>
+      <p:sp>
+        <p:nvSpPr>
+          <p:cNvPr id="16" name="Title 1"/>
+          <p:cNvSpPr txBox="1">
+            <a:spLocks/>
+          </p:cNvSpPr>
+          <p:nvPr/>
+        </p:nvSpPr>
+        <p:spPr>
+          <a:xfrm>
+            <a:off x="946807" y="4260301"/>
+            <a:ext cx="4115523" cy="1583907"/>
+          </a:xfrm>
+          <a:prstGeom prst="rect">
+            <a:avLst/>
+          </a:prstGeom>
+        </p:spPr>
+        <p:txBody>
+          <a:bodyPr/>
+          <a:lstStyle>
+            <a:lvl1pPr algn="l" defTabSz="914400" rtl="0" eaLnBrk="1" latinLnBrk="0" hangingPunct="1">
+              <a:lnSpc>
+                <a:spcPct val="90000"/>
+              </a:lnSpc>
+              <a:spcBef>
+                <a:spcPct val="0"/>
+              </a:spcBef>
+              <a:buNone/>
+              <a:defRPr sz="3200" b="1" kern="1200">
+                <a:solidFill>
+                  <a:srgbClr val="019DD0"/>
+                </a:solidFill>
+                <a:latin typeface="Arial" panose="020B0604020202020204" pitchFamily="34" charset="0"/>
+                <a:ea typeface="+mj-ea"/>
+                <a:cs typeface="Arial" panose="020B0604020202020204" pitchFamily="34" charset="0"/>
+              </a:defRPr>
+            </a:lvl1pPr>
+          </a:lstStyle>
+          <a:p>
+            <a:pPr>
+              <a:lnSpc>
+                <a:spcPct val="100000"/>
+              </a:lnSpc>
+            </a:pPr>
+            <a:r>
+              <a:rPr lang="en-US" sz="2000" b="0" dirty="0" smtClean="0">
+                <a:solidFill>
+                  <a:schemeClr val="tx1">
+                    <a:lumMod val="95000"/>
+                    <a:lumOff val="5000"/>
+                  </a:schemeClr>
+                </a:solidFill>
+                <a:ea typeface="Roboto Condensed" pitchFamily="2" charset="0"/>
+              </a:rPr>
+              <a:t>Nhưng khi tăng tốc độ thì xe khó mà kiểm soát được khi cần rẻ trái / phải nên các bạn lưu ý điều chỉnh một tốc độ hợp lý để có chiến thuật về đích nhanh</a:t>
+            </a:r>
+            <a:endParaRPr lang="en-US" sz="2000" dirty="0" smtClean="0">
+              <a:solidFill>
+                <a:schemeClr val="tx1">
+                  <a:lumMod val="95000"/>
+                  <a:lumOff val="5000"/>
+                </a:schemeClr>
+              </a:solidFill>
+              <a:ea typeface="Roboto Condensed" pitchFamily="2" charset="0"/>
+            </a:endParaRPr>
+          </a:p>
+        </p:txBody>
+      </p:sp>
+      <p:sp>
+        <p:nvSpPr>
+          <p:cNvPr id="17" name="Rectangle 16"/>
+          <p:cNvSpPr/>
+          <p:nvPr/>
+        </p:nvSpPr>
+        <p:spPr>
+          <a:xfrm>
+            <a:off x="709053" y="4403758"/>
+            <a:ext cx="171494" cy="135626"/>
+          </a:xfrm>
+          <a:prstGeom prst="rect">
+            <a:avLst/>
+          </a:prstGeom>
+          <a:solidFill>
+            <a:srgbClr val="64C7E9"/>
+          </a:solidFill>
+          <a:ln>
+            <a:noFill/>
+          </a:ln>
+        </p:spPr>
+        <p:style>
+          <a:lnRef idx="2">
+            <a:schemeClr val="accent1">
+              <a:shade val="50000"/>
+            </a:schemeClr>
+          </a:lnRef>
+          <a:fillRef idx="1">
+            <a:schemeClr val="accent1"/>
+          </a:fillRef>
+          <a:effectRef idx="0">
+            <a:schemeClr val="accent1"/>
+          </a:effectRef>
+          <a:fontRef idx="minor">
+            <a:schemeClr val="lt1"/>
+          </a:fontRef>
+        </p:style>
+        <p:txBody>
+          <a:bodyPr rtlCol="0" anchor="ctr"/>
+          <a:lstStyle/>
+          <a:p>
+            <a:pPr algn="ctr"/>
+            <a:endParaRPr lang="en-US"/>
+          </a:p>
+        </p:txBody>
+      </p:sp>
     </p:spTree>
     <p:extLst>
       <p:ext uri="{BB962C8B-B14F-4D97-AF65-F5344CB8AC3E}">
-        <p14:creationId xmlns:p14="http://schemas.microsoft.com/office/powerpoint/2010/main" val="1448001513"/>
+        <p14:creationId xmlns:p14="http://schemas.microsoft.com/office/powerpoint/2010/main" val="2556212205"/>
       </p:ext>
     </p:extLst>
   </p:cSld>
@@ -5593,7 +6088,7 @@
                 <a:latin typeface="UTM Helve" panose="02040603050506020204" pitchFamily="18" charset="0"/>
                 <a:ea typeface="Roboto" pitchFamily="2" charset="0"/>
               </a:rPr>
-              <a:t>12.1 Cài đặt Extentions</a:t>
+              <a:t>16.1 Cảm biến Makeline</a:t>
             </a:r>
             <a:endParaRPr lang="en-US" sz="2400" b="1" dirty="0">
               <a:solidFill>
@@ -5653,7 +6148,7 @@
         <p:spPr>
           <a:xfrm>
             <a:off x="708193" y="1383403"/>
-            <a:ext cx="7629775" cy="707886"/>
+            <a:ext cx="4340885" cy="1015663"/>
           </a:xfrm>
           <a:prstGeom prst="rect">
             <a:avLst/>
@@ -5667,46 +6162,22 @@
           <a:lstStyle/>
           <a:p>
             <a:r>
-              <a:rPr lang="vi-VN" sz="2000" b="1" dirty="0">
-                <a:cs typeface="Arial" panose="020B0604020202020204" pitchFamily="34" charset="0"/>
-              </a:rPr>
-              <a:t>Head Light </a:t>
-            </a:r>
-            <a:r>
               <a:rPr lang="en-US" sz="2000" dirty="0" smtClean="0">
                 <a:cs typeface="Arial" panose="020B0604020202020204" pitchFamily="34" charset="0"/>
               </a:rPr>
-              <a:t>chính là 2 đèn trước của zoom:bit </a:t>
-            </a:r>
-            <a:r>
-              <a:rPr lang="vi-VN" sz="2000" dirty="0" smtClean="0">
-                <a:cs typeface="Arial" panose="020B0604020202020204" pitchFamily="34" charset="0"/>
-              </a:rPr>
-              <a:t>và </a:t>
-            </a:r>
-            <a:r>
-              <a:rPr lang="vi-VN" sz="2000" b="1" dirty="0">
-                <a:cs typeface="Arial" panose="020B0604020202020204" pitchFamily="34" charset="0"/>
-              </a:rPr>
-              <a:t>RGB </a:t>
-            </a:r>
-            <a:r>
-              <a:rPr lang="vi-VN" sz="2000" b="1" dirty="0" smtClean="0">
-                <a:cs typeface="Arial" panose="020B0604020202020204" pitchFamily="34" charset="0"/>
-              </a:rPr>
-              <a:t>LED</a:t>
+              <a:t>Bo mạch chứa </a:t>
             </a:r>
             <a:r>
               <a:rPr lang="en-US" sz="2000" b="1" dirty="0" smtClean="0">
                 <a:cs typeface="Arial" panose="020B0604020202020204" pitchFamily="34" charset="0"/>
               </a:rPr>
-              <a:t> </a:t>
+              <a:t>cảm biến dò đường MakeLine </a:t>
             </a:r>
             <a:r>
               <a:rPr lang="en-US" sz="2000" dirty="0" smtClean="0">
                 <a:cs typeface="Arial" panose="020B0604020202020204" pitchFamily="34" charset="0"/>
               </a:rPr>
-              <a:t>là 2 đèn LED nhiều màu của bo mạch reka:bit</a:t>
+              <a:t>được gắn mặt dưới phía trước của robot xe zoom:bit</a:t>
             </a:r>
             <a:endParaRPr lang="en-US" sz="2000" dirty="0">
               <a:latin typeface="Arial" panose="020B0604020202020204" pitchFamily="34" charset="0"/>
@@ -5717,109 +6188,6 @@
       </p:sp>
       <p:sp>
         <p:nvSpPr>
-          <p:cNvPr id="18" name="TextBox 17"/>
-          <p:cNvSpPr txBox="1"/>
-          <p:nvPr/>
-        </p:nvSpPr>
-        <p:spPr>
-          <a:xfrm>
-            <a:off x="708193" y="2205038"/>
-            <a:ext cx="7629775" cy="1015663"/>
-          </a:xfrm>
-          <a:prstGeom prst="rect">
-            <a:avLst/>
-          </a:prstGeom>
-          <a:noFill/>
-        </p:spPr>
-        <p:txBody>
-          <a:bodyPr wrap="square" rtlCol="0">
-            <a:spAutoFit/>
-          </a:bodyPr>
-          <a:lstStyle/>
-          <a:p>
-            <a:r>
-              <a:rPr lang="en-US" sz="2000" dirty="0" smtClean="0">
-                <a:cs typeface="Arial" panose="020B0604020202020204" pitchFamily="34" charset="0"/>
-              </a:rPr>
-              <a:t>Để có thể điều khiển được 2 thành phần này chúng ta cần cài thêm một thư viện mở rộng (hay còn gọi là extentions) có thên mà </a:t>
-            </a:r>
-            <a:r>
-              <a:rPr lang="en-US" sz="2000" b="1" dirty="0" smtClean="0">
-                <a:cs typeface="Arial" panose="020B0604020202020204" pitchFamily="34" charset="0"/>
-              </a:rPr>
-              <a:t>zoombit</a:t>
-            </a:r>
-            <a:r>
-              <a:rPr lang="en-US" sz="2000" dirty="0" smtClean="0">
-                <a:cs typeface="Arial" panose="020B0604020202020204" pitchFamily="34" charset="0"/>
-              </a:rPr>
-              <a:t> (</a:t>
-            </a:r>
-            <a:r>
-              <a:rPr lang="en-US" dirty="0" smtClean="0"/>
-              <a:t>Cytron </a:t>
-            </a:r>
-            <a:r>
-              <a:rPr lang="en-US" dirty="0"/>
-              <a:t>ZOOM:bit Robot Car Kit for micro:bit)</a:t>
-            </a:r>
-            <a:endParaRPr lang="en-US" sz="2000" dirty="0">
-              <a:latin typeface="Arial" panose="020B0604020202020204" pitchFamily="34" charset="0"/>
-              <a:cs typeface="Arial" panose="020B0604020202020204" pitchFamily="34" charset="0"/>
-            </a:endParaRPr>
-          </a:p>
-        </p:txBody>
-      </p:sp>
-      <p:pic>
-        <p:nvPicPr>
-          <p:cNvPr id="7" name="Picture 6"/>
-          <p:cNvPicPr>
-            <a:picLocks noChangeAspect="1"/>
-          </p:cNvPicPr>
-          <p:nvPr/>
-        </p:nvPicPr>
-        <p:blipFill>
-          <a:blip r:embed="rId2"/>
-          <a:stretch>
-            <a:fillRect/>
-          </a:stretch>
-        </p:blipFill>
-        <p:spPr>
-          <a:xfrm>
-            <a:off x="933480" y="3334450"/>
-            <a:ext cx="3277057" cy="2524477"/>
-          </a:xfrm>
-          <a:prstGeom prst="rect">
-            <a:avLst/>
-          </a:prstGeom>
-        </p:spPr>
-      </p:pic>
-      <p:pic>
-        <p:nvPicPr>
-          <p:cNvPr id="10" name="Picture 9"/>
-          <p:cNvPicPr>
-            <a:picLocks noChangeAspect="1"/>
-          </p:cNvPicPr>
-          <p:nvPr/>
-        </p:nvPicPr>
-        <p:blipFill>
-          <a:blip r:embed="rId3"/>
-          <a:stretch>
-            <a:fillRect/>
-          </a:stretch>
-        </p:blipFill>
-        <p:spPr>
-          <a:xfrm>
-            <a:off x="5494295" y="3334450"/>
-            <a:ext cx="2581635" cy="2667372"/>
-          </a:xfrm>
-          <a:prstGeom prst="rect">
-            <a:avLst/>
-          </a:prstGeom>
-        </p:spPr>
-      </p:pic>
-      <p:sp>
-        <p:nvSpPr>
           <p:cNvPr id="20" name="Title 1"/>
           <p:cNvSpPr txBox="1">
             <a:spLocks/>
@@ -5828,8 +6196,8 @@
         </p:nvSpPr>
         <p:spPr>
           <a:xfrm>
-            <a:off x="1318206" y="5972676"/>
-            <a:ext cx="2273134" cy="428124"/>
+            <a:off x="897412" y="5972676"/>
+            <a:ext cx="2693928" cy="428124"/>
           </a:xfrm>
           <a:prstGeom prst="rect">
             <a:avLst/>
@@ -5872,7 +6240,7 @@
                 </a:solidFill>
                 <a:ea typeface="Roboto Condensed" pitchFamily="2" charset="0"/>
               </a:rPr>
-              <a:t>2 đèn LED RGB</a:t>
+              <a:t>Kết nối dây điều khiển</a:t>
             </a:r>
             <a:endParaRPr lang="en-US" sz="1800" i="1" dirty="0" smtClean="0">
               <a:solidFill>
@@ -5896,8 +6264,8 @@
         </p:nvSpPr>
         <p:spPr>
           <a:xfrm>
-            <a:off x="5494295" y="6001822"/>
-            <a:ext cx="2557671" cy="428124"/>
+            <a:off x="4717775" y="6001822"/>
+            <a:ext cx="3334192" cy="428124"/>
           </a:xfrm>
           <a:prstGeom prst="rect">
             <a:avLst/>
@@ -5940,7 +6308,7 @@
                 </a:solidFill>
                 <a:ea typeface="Roboto Condensed" pitchFamily="2" charset="0"/>
               </a:rPr>
-              <a:t>2 đèn trước Head Light</a:t>
+              <a:t>Gắn vào mặt dưới của xe</a:t>
             </a:r>
             <a:endParaRPr lang="en-US" sz="1800" i="1" dirty="0" smtClean="0">
               <a:solidFill>
@@ -5954,6 +6322,54 @@
           </a:p>
         </p:txBody>
       </p:sp>
+      <p:pic>
+        <p:nvPicPr>
+          <p:cNvPr id="5" name="Picture 4"/>
+          <p:cNvPicPr>
+            <a:picLocks noChangeAspect="1"/>
+          </p:cNvPicPr>
+          <p:nvPr/>
+        </p:nvPicPr>
+        <p:blipFill>
+          <a:blip r:embed="rId2"/>
+          <a:stretch>
+            <a:fillRect/>
+          </a:stretch>
+        </p:blipFill>
+        <p:spPr>
+          <a:xfrm>
+            <a:off x="897412" y="3334450"/>
+            <a:ext cx="7447737" cy="2638226"/>
+          </a:xfrm>
+          <a:prstGeom prst="rect">
+            <a:avLst/>
+          </a:prstGeom>
+        </p:spPr>
+      </p:pic>
+      <p:pic>
+        <p:nvPicPr>
+          <p:cNvPr id="8" name="Picture 7"/>
+          <p:cNvPicPr>
+            <a:picLocks noChangeAspect="1"/>
+          </p:cNvPicPr>
+          <p:nvPr/>
+        </p:nvPicPr>
+        <p:blipFill>
+          <a:blip r:embed="rId3"/>
+          <a:stretch>
+            <a:fillRect/>
+          </a:stretch>
+        </p:blipFill>
+        <p:spPr>
+          <a:xfrm>
+            <a:off x="5311453" y="1297314"/>
+            <a:ext cx="3192722" cy="1874335"/>
+          </a:xfrm>
+          <a:prstGeom prst="rect">
+            <a:avLst/>
+          </a:prstGeom>
+        </p:spPr>
+      </p:pic>
     </p:spTree>
     <p:extLst>
       <p:ext uri="{BB962C8B-B14F-4D97-AF65-F5344CB8AC3E}">
@@ -6010,7 +6426,7 @@
       </p:sp>
       <p:sp>
         <p:nvSpPr>
-          <p:cNvPr id="3" name="Rectangle 2"/>
+          <p:cNvPr id="4" name="Rectangle 3"/>
           <p:cNvSpPr/>
           <p:nvPr/>
         </p:nvSpPr>
@@ -6065,7 +6481,7 @@
       </p:sp>
       <p:sp>
         <p:nvSpPr>
-          <p:cNvPr id="4" name="TextBox 3"/>
+          <p:cNvPr id="5" name="TextBox 4"/>
           <p:cNvSpPr txBox="1"/>
           <p:nvPr/>
         </p:nvSpPr>
@@ -6093,7 +6509,7 @@
                 <a:latin typeface="UTM Helve" panose="02040603050506020204" pitchFamily="18" charset="0"/>
                 <a:ea typeface="Roboto" pitchFamily="2" charset="0"/>
               </a:rPr>
-              <a:t>12.1 Cài đặt Extentions</a:t>
+              <a:t>16.1 Cảm biến Makeline</a:t>
             </a:r>
             <a:endParaRPr lang="en-US" sz="2400" b="1" dirty="0">
               <a:solidFill>
@@ -6105,61 +6521,380 @@
           </a:p>
         </p:txBody>
       </p:sp>
-      <p:sp>
-        <p:nvSpPr>
-          <p:cNvPr id="6" name="AutoShape 2" descr="https://cdn.sanity.io/images/ajwvhvgo/production/1d5802331620511efe3b5de846ac15de85b508e3-383x313.gif?bg=fff&amp;w=1.3333333333333333&amp;h=0&amp;q=90&amp;fit=min&amp;auto=format"/>
-          <p:cNvSpPr>
-            <a:spLocks noChangeAspect="1" noChangeArrowheads="1"/>
-          </p:cNvSpPr>
-          <p:nvPr/>
-        </p:nvSpPr>
-        <p:spPr bwMode="auto">
-          <a:xfrm>
-            <a:off x="155575" y="-144463"/>
-            <a:ext cx="304800" cy="304801"/>
+      <p:grpSp>
+        <p:nvGrpSpPr>
+          <p:cNvPr id="18" name="Group 17"/>
+          <p:cNvGrpSpPr/>
+          <p:nvPr/>
+        </p:nvGrpSpPr>
+        <p:grpSpPr>
+          <a:xfrm>
+            <a:off x="602695" y="1811873"/>
+            <a:ext cx="7735273" cy="3158626"/>
+            <a:chOff x="602695" y="1703921"/>
+            <a:chExt cx="7735273" cy="3158626"/>
+          </a:xfrm>
+        </p:grpSpPr>
+        <p:grpSp>
+          <p:nvGrpSpPr>
+            <p:cNvPr id="9" name="Group 8"/>
+            <p:cNvGrpSpPr/>
+            <p:nvPr/>
+          </p:nvGrpSpPr>
+          <p:grpSpPr>
+            <a:xfrm>
+              <a:off x="602695" y="1703921"/>
+              <a:ext cx="7735273" cy="3158626"/>
+              <a:chOff x="602695" y="2213755"/>
+              <a:chExt cx="7735273" cy="3158626"/>
+            </a:xfrm>
+          </p:grpSpPr>
+          <p:pic>
+            <p:nvPicPr>
+              <p:cNvPr id="3" name="Picture 2"/>
+              <p:cNvPicPr>
+                <a:picLocks noChangeAspect="1"/>
+              </p:cNvPicPr>
+              <p:nvPr/>
+            </p:nvPicPr>
+            <p:blipFill>
+              <a:blip r:embed="rId2"/>
+              <a:stretch>
+                <a:fillRect/>
+              </a:stretch>
+            </p:blipFill>
+            <p:spPr>
+              <a:xfrm>
+                <a:off x="602695" y="2213755"/>
+                <a:ext cx="7735273" cy="3158626"/>
+              </a:xfrm>
+              <a:prstGeom prst="rect">
+                <a:avLst/>
+              </a:prstGeom>
+            </p:spPr>
+          </p:pic>
+          <p:sp>
+            <p:nvSpPr>
+              <p:cNvPr id="6" name="Rectangle 5"/>
+              <p:cNvSpPr/>
+              <p:nvPr/>
+            </p:nvSpPr>
+            <p:spPr>
+              <a:xfrm>
+                <a:off x="2146852" y="2213755"/>
+                <a:ext cx="4412974" cy="529445"/>
+              </a:xfrm>
+              <a:prstGeom prst="rect">
+                <a:avLst/>
+              </a:prstGeom>
+              <a:solidFill>
+                <a:srgbClr val="FFF7F2"/>
+              </a:solidFill>
+              <a:ln>
+                <a:noFill/>
+              </a:ln>
+            </p:spPr>
+            <p:style>
+              <a:lnRef idx="2">
+                <a:schemeClr val="accent1">
+                  <a:shade val="50000"/>
+                </a:schemeClr>
+              </a:lnRef>
+              <a:fillRef idx="1">
+                <a:schemeClr val="accent1"/>
+              </a:fillRef>
+              <a:effectRef idx="0">
+                <a:schemeClr val="accent1"/>
+              </a:effectRef>
+              <a:fontRef idx="minor">
+                <a:schemeClr val="lt1"/>
+              </a:fontRef>
+            </p:style>
+            <p:txBody>
+              <a:bodyPr rtlCol="0" anchor="ctr"/>
+              <a:lstStyle/>
+              <a:p>
+                <a:pPr algn="ctr"/>
+                <a:endParaRPr lang="en-US"/>
+              </a:p>
+            </p:txBody>
+          </p:sp>
+          <p:sp>
+            <p:nvSpPr>
+              <p:cNvPr id="7" name="Rectangle 6"/>
+              <p:cNvSpPr/>
+              <p:nvPr/>
+            </p:nvSpPr>
+            <p:spPr>
+              <a:xfrm>
+                <a:off x="602695" y="3793068"/>
+                <a:ext cx="1345375" cy="1579313"/>
+              </a:xfrm>
+              <a:prstGeom prst="rect">
+                <a:avLst/>
+              </a:prstGeom>
+              <a:solidFill>
+                <a:srgbClr val="FFF7F2"/>
+              </a:solidFill>
+              <a:ln>
+                <a:noFill/>
+              </a:ln>
+            </p:spPr>
+            <p:style>
+              <a:lnRef idx="2">
+                <a:schemeClr val="accent1">
+                  <a:shade val="50000"/>
+                </a:schemeClr>
+              </a:lnRef>
+              <a:fillRef idx="1">
+                <a:schemeClr val="accent1"/>
+              </a:fillRef>
+              <a:effectRef idx="0">
+                <a:schemeClr val="accent1"/>
+              </a:effectRef>
+              <a:fontRef idx="minor">
+                <a:schemeClr val="lt1"/>
+              </a:fontRef>
+            </p:style>
+            <p:txBody>
+              <a:bodyPr rtlCol="0" anchor="ctr"/>
+              <a:lstStyle/>
+              <a:p>
+                <a:pPr algn="ctr"/>
+                <a:endParaRPr lang="en-US"/>
+              </a:p>
+            </p:txBody>
+          </p:sp>
+          <p:sp>
+            <p:nvSpPr>
+              <p:cNvPr id="8" name="Rectangle 7"/>
+              <p:cNvSpPr/>
+              <p:nvPr/>
+            </p:nvSpPr>
+            <p:spPr>
+              <a:xfrm>
+                <a:off x="7586591" y="2825659"/>
+                <a:ext cx="751377" cy="1579313"/>
+              </a:xfrm>
+              <a:prstGeom prst="rect">
+                <a:avLst/>
+              </a:prstGeom>
+              <a:solidFill>
+                <a:srgbClr val="FFF7F2"/>
+              </a:solidFill>
+              <a:ln>
+                <a:noFill/>
+              </a:ln>
+            </p:spPr>
+            <p:style>
+              <a:lnRef idx="2">
+                <a:schemeClr val="accent1">
+                  <a:shade val="50000"/>
+                </a:schemeClr>
+              </a:lnRef>
+              <a:fillRef idx="1">
+                <a:schemeClr val="accent1"/>
+              </a:fillRef>
+              <a:effectRef idx="0">
+                <a:schemeClr val="accent1"/>
+              </a:effectRef>
+              <a:fontRef idx="minor">
+                <a:schemeClr val="lt1"/>
+              </a:fontRef>
+            </p:style>
+            <p:txBody>
+              <a:bodyPr rtlCol="0" anchor="ctr"/>
+              <a:lstStyle/>
+              <a:p>
+                <a:pPr algn="ctr"/>
+                <a:endParaRPr lang="en-US"/>
+              </a:p>
+            </p:txBody>
+          </p:sp>
+        </p:grpSp>
+        <p:sp>
+          <p:nvSpPr>
+            <p:cNvPr id="10" name="Oval 9"/>
+            <p:cNvSpPr/>
+            <p:nvPr/>
+          </p:nvSpPr>
+          <p:spPr>
+            <a:xfrm>
+              <a:off x="7619401" y="2512807"/>
+              <a:ext cx="599294" cy="599294"/>
+            </a:xfrm>
+            <a:prstGeom prst="ellipse">
+              <a:avLst/>
+            </a:prstGeom>
+            <a:solidFill>
+              <a:srgbClr val="7030A0"/>
+            </a:solidFill>
+            <a:ln>
+              <a:noFill/>
+            </a:ln>
+          </p:spPr>
+          <p:style>
+            <a:lnRef idx="2">
+              <a:schemeClr val="accent1">
+                <a:shade val="50000"/>
+              </a:schemeClr>
+            </a:lnRef>
+            <a:fillRef idx="1">
+              <a:schemeClr val="accent1"/>
+            </a:fillRef>
+            <a:effectRef idx="0">
+              <a:schemeClr val="accent1"/>
+            </a:effectRef>
+            <a:fontRef idx="minor">
+              <a:schemeClr val="lt1"/>
+            </a:fontRef>
+          </p:style>
+          <p:txBody>
+            <a:bodyPr rtlCol="0" anchor="ctr"/>
+            <a:lstStyle/>
+            <a:p>
+              <a:pPr algn="ctr"/>
+              <a:r>
+                <a:rPr lang="en-US" dirty="0" smtClean="0"/>
+                <a:t>1</a:t>
+              </a:r>
+              <a:endParaRPr lang="en-US" dirty="0"/>
+            </a:p>
+          </p:txBody>
+        </p:sp>
+        <p:sp>
+          <p:nvSpPr>
+            <p:cNvPr id="11" name="Oval 10"/>
+            <p:cNvSpPr/>
+            <p:nvPr/>
+          </p:nvSpPr>
+          <p:spPr>
+            <a:xfrm>
+              <a:off x="1046323" y="2592320"/>
+              <a:ext cx="599294" cy="599294"/>
+            </a:xfrm>
+            <a:prstGeom prst="ellipse">
+              <a:avLst/>
+            </a:prstGeom>
+            <a:solidFill>
+              <a:srgbClr val="7030A0"/>
+            </a:solidFill>
+            <a:ln>
+              <a:noFill/>
+            </a:ln>
+          </p:spPr>
+          <p:style>
+            <a:lnRef idx="2">
+              <a:schemeClr val="accent1">
+                <a:shade val="50000"/>
+              </a:schemeClr>
+            </a:lnRef>
+            <a:fillRef idx="1">
+              <a:schemeClr val="accent1"/>
+            </a:fillRef>
+            <a:effectRef idx="0">
+              <a:schemeClr val="accent1"/>
+            </a:effectRef>
+            <a:fontRef idx="minor">
+              <a:schemeClr val="lt1"/>
+            </a:fontRef>
+          </p:style>
+          <p:txBody>
+            <a:bodyPr rtlCol="0" anchor="ctr"/>
+            <a:lstStyle/>
+            <a:p>
+              <a:pPr algn="ctr"/>
+              <a:r>
+                <a:rPr lang="en-US" dirty="0" smtClean="0"/>
+                <a:t>2</a:t>
+              </a:r>
+              <a:endParaRPr lang="en-US" dirty="0"/>
+            </a:p>
+          </p:txBody>
+        </p:sp>
+        <p:sp>
+          <p:nvSpPr>
+            <p:cNvPr id="12" name="TextBox 11"/>
+            <p:cNvSpPr txBox="1"/>
+            <p:nvPr/>
+          </p:nvSpPr>
+          <p:spPr>
+            <a:xfrm>
+              <a:off x="2396365" y="1780865"/>
+              <a:ext cx="4439478" cy="646331"/>
+            </a:xfrm>
+            <a:prstGeom prst="rect">
+              <a:avLst/>
+            </a:prstGeom>
+            <a:noFill/>
+          </p:spPr>
+          <p:txBody>
+            <a:bodyPr wrap="square" rtlCol="0">
+              <a:spAutoFit/>
+            </a:bodyPr>
+            <a:lstStyle/>
+            <a:p>
+              <a:pPr algn="ctr"/>
+              <a:r>
+                <a:rPr lang="vi-VN" dirty="0"/>
+                <a:t>5 cảm biến IR, nó có thể dò đường có chiều rộng từ 13mm đến 30mm</a:t>
+              </a:r>
+              <a:endParaRPr lang="en-US" b="1" dirty="0"/>
+            </a:p>
+          </p:txBody>
+        </p:sp>
+      </p:grpSp>
+      <p:sp>
+        <p:nvSpPr>
+          <p:cNvPr id="13" name="TextBox 12"/>
+          <p:cNvSpPr txBox="1"/>
+          <p:nvPr/>
+        </p:nvSpPr>
+        <p:spPr>
+          <a:xfrm>
+            <a:off x="538451" y="1223107"/>
+            <a:ext cx="7629775" cy="400110"/>
           </a:xfrm>
           <a:prstGeom prst="rect">
             <a:avLst/>
           </a:prstGeom>
           <a:noFill/>
-          <a:extLst>
-            <a:ext uri="{909E8E84-426E-40DD-AFC4-6F175D3DCCD1}">
-              <a14:hiddenFill xmlns:a14="http://schemas.microsoft.com/office/drawing/2010/main">
-                <a:solidFill>
-                  <a:srgbClr val="FFFFFF"/>
-                </a:solidFill>
-              </a14:hiddenFill>
-            </a:ext>
-          </a:extLst>
-        </p:spPr>
-        <p:txBody>
-          <a:bodyPr vert="horz" wrap="square" lIns="91440" tIns="45720" rIns="91440" bIns="45720" numCol="1" anchor="t" anchorCtr="0" compatLnSpc="1">
-            <a:prstTxWarp prst="textNoShape">
-              <a:avLst/>
-            </a:prstTxWarp>
+        </p:spPr>
+        <p:txBody>
+          <a:bodyPr wrap="square" rtlCol="0">
+            <a:spAutoFit/>
           </a:bodyPr>
           <a:lstStyle/>
           <a:p>
-            <a:endParaRPr lang="en-US"/>
-          </a:p>
-        </p:txBody>
-      </p:sp>
-      <p:sp>
-        <p:nvSpPr>
-          <p:cNvPr id="13" name="Rectangle 12"/>
+            <a:r>
+              <a:rPr lang="en-US" sz="2000" dirty="0" smtClean="0">
+                <a:cs typeface="Arial" panose="020B0604020202020204" pitchFamily="34" charset="0"/>
+              </a:rPr>
+              <a:t>Thông tin chi tiết về cấu trúc của bo mạch MakeLine</a:t>
+            </a:r>
+            <a:endParaRPr lang="en-US" sz="2000" dirty="0">
+              <a:latin typeface="Arial" panose="020B0604020202020204" pitchFamily="34" charset="0"/>
+              <a:cs typeface="Arial" panose="020B0604020202020204" pitchFamily="34" charset="0"/>
+            </a:endParaRPr>
+          </a:p>
+        </p:txBody>
+      </p:sp>
+      <p:sp>
+        <p:nvSpPr>
+          <p:cNvPr id="14" name="Oval 13"/>
           <p:cNvSpPr/>
           <p:nvPr/>
         </p:nvSpPr>
         <p:spPr>
           <a:xfrm>
-            <a:off x="755297" y="1567099"/>
-            <a:ext cx="171494" cy="171494"/>
-          </a:xfrm>
-          <a:prstGeom prst="rect">
+            <a:off x="567966" y="5101590"/>
+            <a:ext cx="411416" cy="411416"/>
+          </a:xfrm>
+          <a:prstGeom prst="ellipse">
             <a:avLst/>
           </a:prstGeom>
           <a:solidFill>
-            <a:srgbClr val="64C7E9"/>
+            <a:srgbClr val="7030A0"/>
           </a:solidFill>
           <a:ln>
             <a:noFill/>
@@ -6186,20 +6921,74 @@
           <a:lstStyle/>
           <a:p>
             <a:pPr algn="ctr"/>
-            <a:endParaRPr lang="en-US"/>
-          </a:p>
-        </p:txBody>
-      </p:sp>
-      <p:sp>
-        <p:nvSpPr>
-          <p:cNvPr id="14" name="TextBox 13"/>
+            <a:r>
+              <a:rPr lang="en-US" dirty="0" smtClean="0"/>
+              <a:t>1</a:t>
+            </a:r>
+            <a:endParaRPr lang="en-US" dirty="0"/>
+          </a:p>
+        </p:txBody>
+      </p:sp>
+      <p:sp>
+        <p:nvSpPr>
+          <p:cNvPr id="15" name="Oval 14"/>
+          <p:cNvSpPr/>
+          <p:nvPr/>
+        </p:nvSpPr>
+        <p:spPr>
+          <a:xfrm>
+            <a:off x="567966" y="5750946"/>
+            <a:ext cx="411416" cy="411416"/>
+          </a:xfrm>
+          <a:prstGeom prst="ellipse">
+            <a:avLst/>
+          </a:prstGeom>
+          <a:solidFill>
+            <a:srgbClr val="7030A0"/>
+          </a:solidFill>
+          <a:ln>
+            <a:noFill/>
+          </a:ln>
+        </p:spPr>
+        <p:style>
+          <a:lnRef idx="2">
+            <a:schemeClr val="accent1">
+              <a:shade val="50000"/>
+            </a:schemeClr>
+          </a:lnRef>
+          <a:fillRef idx="1">
+            <a:schemeClr val="accent1"/>
+          </a:fillRef>
+          <a:effectRef idx="0">
+            <a:schemeClr val="accent1"/>
+          </a:effectRef>
+          <a:fontRef idx="minor">
+            <a:schemeClr val="lt1"/>
+          </a:fontRef>
+        </p:style>
+        <p:txBody>
+          <a:bodyPr rtlCol="0" anchor="ctr"/>
+          <a:lstStyle/>
+          <a:p>
+            <a:pPr algn="ctr"/>
+            <a:r>
+              <a:rPr lang="en-US" dirty="0"/>
+              <a:t>2</a:t>
+            </a:r>
+            <a:endParaRPr lang="en-US" dirty="0"/>
+          </a:p>
+        </p:txBody>
+      </p:sp>
+      <p:sp>
+        <p:nvSpPr>
+          <p:cNvPr id="16" name="TextBox 15"/>
           <p:cNvSpPr txBox="1"/>
           <p:nvPr/>
         </p:nvSpPr>
         <p:spPr>
           <a:xfrm>
-            <a:off x="994594" y="1448872"/>
-            <a:ext cx="7762295" cy="707886"/>
+            <a:off x="1046323" y="5107185"/>
+            <a:ext cx="7448320" cy="400110"/>
           </a:xfrm>
           <a:prstGeom prst="rect">
             <a:avLst/>
@@ -6213,64 +7002,10 @@
           <a:lstStyle/>
           <a:p>
             <a:r>
-              <a:rPr lang="vi-VN" sz="2000" dirty="0">
-                <a:cs typeface="Arial" panose="020B0604020202020204" pitchFamily="34" charset="0"/>
-              </a:rPr>
-              <a:t>Trong MakeCode --&gt; Chọn </a:t>
-            </a:r>
-            <a:r>
               <a:rPr lang="en-US" sz="2000" dirty="0" smtClean="0">
                 <a:cs typeface="Arial" panose="020B0604020202020204" pitchFamily="34" charset="0"/>
               </a:rPr>
-              <a:t>khối</a:t>
-            </a:r>
-            <a:r>
-              <a:rPr lang="vi-VN" sz="2000" dirty="0" smtClean="0">
-                <a:cs typeface="Arial" panose="020B0604020202020204" pitchFamily="34" charset="0"/>
-              </a:rPr>
-              <a:t> </a:t>
-            </a:r>
-            <a:r>
-              <a:rPr lang="vi-VN" sz="2000" dirty="0">
-                <a:cs typeface="Arial" panose="020B0604020202020204" pitchFamily="34" charset="0"/>
-              </a:rPr>
-              <a:t>Extentions -&gt; Sau đó </a:t>
-            </a:r>
-            <a:r>
-              <a:rPr lang="vi-VN" sz="2000" dirty="0" smtClean="0">
-                <a:cs typeface="Arial" panose="020B0604020202020204" pitchFamily="34" charset="0"/>
-              </a:rPr>
-              <a:t>tìm</a:t>
-            </a:r>
-            <a:r>
-              <a:rPr lang="en-US" sz="2000" dirty="0" smtClean="0">
-                <a:cs typeface="Arial" panose="020B0604020202020204" pitchFamily="34" charset="0"/>
-              </a:rPr>
-              <a:t> kiếm</a:t>
-            </a:r>
-            <a:r>
-              <a:rPr lang="vi-VN" sz="2000" dirty="0" smtClean="0">
-                <a:cs typeface="Arial" panose="020B0604020202020204" pitchFamily="34" charset="0"/>
-              </a:rPr>
-              <a:t> </a:t>
-            </a:r>
-            <a:r>
-              <a:rPr lang="vi-VN" sz="2000" dirty="0">
-                <a:cs typeface="Arial" panose="020B0604020202020204" pitchFamily="34" charset="0"/>
-              </a:rPr>
-              <a:t>với từ khóa </a:t>
-            </a:r>
-            <a:r>
-              <a:rPr lang="vi-VN" sz="2000" dirty="0" smtClean="0">
-                <a:cs typeface="Arial" panose="020B0604020202020204" pitchFamily="34" charset="0"/>
-              </a:rPr>
-              <a:t>zoom:bit</a:t>
-            </a:r>
-            <a:r>
-              <a:rPr lang="en-US" sz="2000" dirty="0" smtClean="0">
-                <a:cs typeface="Arial" panose="020B0604020202020204" pitchFamily="34" charset="0"/>
-              </a:rPr>
-              <a:t>. Bạn sẽ thấy kết quả như hình dưới đây</a:t>
+              <a:t>Nút nhấn CALIBRATE để kích hoạt chế độ nhận diện đường đi</a:t>
             </a:r>
             <a:endParaRPr lang="en-US" sz="2000" dirty="0">
               <a:latin typeface="Arial" panose="020B0604020202020204" pitchFamily="34" charset="0"/>
@@ -6279,34 +7014,45 @@
           </a:p>
         </p:txBody>
       </p:sp>
-      <p:pic>
-        <p:nvPicPr>
-          <p:cNvPr id="5" name="Picture 4"/>
-          <p:cNvPicPr>
-            <a:picLocks noChangeAspect="1"/>
-          </p:cNvPicPr>
-          <p:nvPr/>
-        </p:nvPicPr>
-        <p:blipFill>
-          <a:blip r:embed="rId2"/>
-          <a:stretch>
-            <a:fillRect/>
-          </a:stretch>
-        </p:blipFill>
-        <p:spPr>
-          <a:xfrm>
-            <a:off x="1437551" y="2279602"/>
-            <a:ext cx="6876379" cy="3840437"/>
-          </a:xfrm>
-          <a:prstGeom prst="rect">
-            <a:avLst/>
-          </a:prstGeom>
-        </p:spPr>
-      </p:pic>
+      <p:sp>
+        <p:nvSpPr>
+          <p:cNvPr id="17" name="TextBox 16"/>
+          <p:cNvSpPr txBox="1"/>
+          <p:nvPr/>
+        </p:nvSpPr>
+        <p:spPr>
+          <a:xfrm>
+            <a:off x="1046323" y="5743289"/>
+            <a:ext cx="7448320" cy="707886"/>
+          </a:xfrm>
+          <a:prstGeom prst="rect">
+            <a:avLst/>
+          </a:prstGeom>
+          <a:noFill/>
+        </p:spPr>
+        <p:txBody>
+          <a:bodyPr wrap="square" rtlCol="0">
+            <a:spAutoFit/>
+          </a:bodyPr>
+          <a:lstStyle/>
+          <a:p>
+            <a:r>
+              <a:rPr lang="en-US" sz="2000" dirty="0" smtClean="0">
+                <a:cs typeface="Arial" panose="020B0604020202020204" pitchFamily="34" charset="0"/>
+              </a:rPr>
+              <a:t>Công tắc chuyển chế độ nhận diện đường đi là màu ĐEN hay TRẮNG</a:t>
+            </a:r>
+            <a:endParaRPr lang="en-US" sz="2000" dirty="0">
+              <a:latin typeface="Arial" panose="020B0604020202020204" pitchFamily="34" charset="0"/>
+              <a:cs typeface="Arial" panose="020B0604020202020204" pitchFamily="34" charset="0"/>
+            </a:endParaRPr>
+          </a:p>
+        </p:txBody>
+      </p:sp>
     </p:spTree>
     <p:extLst>
       <p:ext uri="{BB962C8B-B14F-4D97-AF65-F5344CB8AC3E}">
-        <p14:creationId xmlns:p14="http://schemas.microsoft.com/office/powerpoint/2010/main" val="1318983044"/>
+        <p14:creationId xmlns:p14="http://schemas.microsoft.com/office/powerpoint/2010/main" val="3962175843"/>
       </p:ext>
     </p:extLst>
   </p:cSld>
@@ -6442,7 +7188,7 @@
                 <a:latin typeface="UTM Helve" panose="02040603050506020204" pitchFamily="18" charset="0"/>
                 <a:ea typeface="Roboto" pitchFamily="2" charset="0"/>
               </a:rPr>
-              <a:t>12.1 Cài đặt Extentions</a:t>
+              <a:t>16.2 Cách sử dụng Cảm biến MakeLine</a:t>
             </a:r>
             <a:endParaRPr lang="en-US" sz="2400" b="1" dirty="0">
               <a:solidFill>
@@ -6495,13 +7241,48 @@
       </p:sp>
       <p:sp>
         <p:nvSpPr>
-          <p:cNvPr id="13" name="Rectangle 12"/>
+          <p:cNvPr id="12" name="TextBox 11"/>
+          <p:cNvSpPr txBox="1"/>
+          <p:nvPr/>
+        </p:nvSpPr>
+        <p:spPr>
+          <a:xfrm>
+            <a:off x="847277" y="1390078"/>
+            <a:ext cx="7629775" cy="1015663"/>
+          </a:xfrm>
+          <a:prstGeom prst="rect">
+            <a:avLst/>
+          </a:prstGeom>
+          <a:noFill/>
+        </p:spPr>
+        <p:txBody>
+          <a:bodyPr wrap="square" rtlCol="0">
+            <a:spAutoFit/>
+          </a:bodyPr>
+          <a:lstStyle/>
+          <a:p>
+            <a:r>
+              <a:rPr lang="en-US" sz="2000" dirty="0" smtClean="0">
+                <a:cs typeface="Arial" panose="020B0604020202020204" pitchFamily="34" charset="0"/>
+              </a:rPr>
+              <a:t>Cũng giống như các thành phần khác, bo mạch chứa cảm biến Makeline được kết nối với bo mạch reka:bit để truyền tín hiệu giá trị cảm biến đo được lên cho micro:bit xử lý</a:t>
+            </a:r>
+            <a:endParaRPr lang="en-US" sz="2000" dirty="0">
+              <a:latin typeface="Arial" panose="020B0604020202020204" pitchFamily="34" charset="0"/>
+              <a:cs typeface="Arial" panose="020B0604020202020204" pitchFamily="34" charset="0"/>
+            </a:endParaRPr>
+          </a:p>
+        </p:txBody>
+      </p:sp>
+      <p:sp>
+        <p:nvSpPr>
+          <p:cNvPr id="10" name="Rectangle 9"/>
           <p:cNvSpPr/>
           <p:nvPr/>
         </p:nvSpPr>
         <p:spPr>
           <a:xfrm>
-            <a:off x="755297" y="1567099"/>
+            <a:off x="609523" y="1508789"/>
             <a:ext cx="171494" cy="171494"/>
           </a:xfrm>
           <a:prstGeom prst="rect">
@@ -6541,14 +7322,14 @@
       </p:sp>
       <p:sp>
         <p:nvSpPr>
-          <p:cNvPr id="14" name="TextBox 13"/>
+          <p:cNvPr id="11" name="TextBox 10"/>
           <p:cNvSpPr txBox="1"/>
           <p:nvPr/>
         </p:nvSpPr>
         <p:spPr>
           <a:xfrm>
-            <a:off x="994594" y="1448872"/>
-            <a:ext cx="7762295" cy="400110"/>
+            <a:off x="847277" y="5569048"/>
+            <a:ext cx="7629775" cy="707886"/>
           </a:xfrm>
           <a:prstGeom prst="rect">
             <a:avLst/>
@@ -6565,7 +7346,7 @@
               <a:rPr lang="en-US" sz="2000" dirty="0" smtClean="0">
                 <a:cs typeface="Arial" panose="020B0604020202020204" pitchFamily="34" charset="0"/>
               </a:rPr>
-              <a:t>Click chọn extention zoombit, đợi một lúc chương trình cài đặt</a:t>
+              <a:t>Dựa vào kết quả cảm biến thu được chúng ta có thể cho xe chạy theo một đường màu đen như hình trên</a:t>
             </a:r>
             <a:endParaRPr lang="en-US" sz="2000" dirty="0">
               <a:latin typeface="Arial" panose="020B0604020202020204" pitchFamily="34" charset="0"/>
@@ -6574,109 +7355,15 @@
           </a:p>
         </p:txBody>
       </p:sp>
-      <p:pic>
-        <p:nvPicPr>
-          <p:cNvPr id="7" name="Picture 6"/>
-          <p:cNvPicPr>
-            <a:picLocks noChangeAspect="1"/>
-          </p:cNvPicPr>
-          <p:nvPr/>
-        </p:nvPicPr>
-        <p:blipFill>
-          <a:blip r:embed="rId2"/>
-          <a:stretch>
-            <a:fillRect/>
-          </a:stretch>
-        </p:blipFill>
-        <p:spPr>
-          <a:xfrm>
-            <a:off x="755297" y="2219043"/>
-            <a:ext cx="1667108" cy="885949"/>
-          </a:xfrm>
-          <a:prstGeom prst="rect">
-            <a:avLst/>
-          </a:prstGeom>
-        </p:spPr>
-      </p:pic>
-      <p:sp>
-        <p:nvSpPr>
-          <p:cNvPr id="10" name="TextBox 9"/>
-          <p:cNvSpPr txBox="1"/>
-          <p:nvPr/>
-        </p:nvSpPr>
-        <p:spPr>
-          <a:xfrm>
-            <a:off x="2681430" y="2024189"/>
-            <a:ext cx="4942380" cy="707886"/>
-          </a:xfrm>
-          <a:prstGeom prst="rect">
-            <a:avLst/>
-          </a:prstGeom>
-          <a:noFill/>
-        </p:spPr>
-        <p:txBody>
-          <a:bodyPr wrap="square" rtlCol="0">
-            <a:spAutoFit/>
-          </a:bodyPr>
-          <a:lstStyle/>
-          <a:p>
-            <a:r>
-              <a:rPr lang="en-US" sz="2000" dirty="0" smtClean="0">
-                <a:cs typeface="Arial" panose="020B0604020202020204" pitchFamily="34" charset="0"/>
-              </a:rPr>
-              <a:t>Cài xong bạn sẽ thấy nó có thêm 2 khối như hình bên.</a:t>
-            </a:r>
-            <a:endParaRPr lang="en-US" sz="2000" dirty="0">
-              <a:latin typeface="Arial" panose="020B0604020202020204" pitchFamily="34" charset="0"/>
-              <a:cs typeface="Arial" panose="020B0604020202020204" pitchFamily="34" charset="0"/>
-            </a:endParaRPr>
-          </a:p>
-        </p:txBody>
-      </p:sp>
-      <p:sp>
-        <p:nvSpPr>
-          <p:cNvPr id="11" name="TextBox 10"/>
-          <p:cNvSpPr txBox="1"/>
-          <p:nvPr/>
-        </p:nvSpPr>
-        <p:spPr>
-          <a:xfrm>
-            <a:off x="2681430" y="2781826"/>
-            <a:ext cx="6184274" cy="369332"/>
-          </a:xfrm>
-          <a:prstGeom prst="rect">
-            <a:avLst/>
-          </a:prstGeom>
-          <a:noFill/>
-        </p:spPr>
-        <p:txBody>
-          <a:bodyPr wrap="square" rtlCol="0">
-            <a:spAutoFit/>
-          </a:bodyPr>
-          <a:lstStyle/>
-          <a:p>
-            <a:r>
-              <a:rPr lang="en-US" i="1" dirty="0" smtClean="0">
-                <a:cs typeface="Arial" panose="020B0604020202020204" pitchFamily="34" charset="0"/>
-              </a:rPr>
-              <a:t>Lưu ý: cài đặt này chỉ có hiệu lực trong phạm vi một project</a:t>
-            </a:r>
-            <a:endParaRPr lang="en-US" i="1" dirty="0">
-              <a:latin typeface="Arial" panose="020B0604020202020204" pitchFamily="34" charset="0"/>
-              <a:cs typeface="Arial" panose="020B0604020202020204" pitchFamily="34" charset="0"/>
-            </a:endParaRPr>
-          </a:p>
-        </p:txBody>
-      </p:sp>
-      <p:sp>
-        <p:nvSpPr>
-          <p:cNvPr id="12" name="Rectangle 11"/>
+      <p:sp>
+        <p:nvSpPr>
+          <p:cNvPr id="13" name="Rectangle 12"/>
           <p:cNvSpPr/>
           <p:nvPr/>
         </p:nvSpPr>
         <p:spPr>
           <a:xfrm>
-            <a:off x="755297" y="3674195"/>
+            <a:off x="609523" y="5687759"/>
             <a:ext cx="171494" cy="171494"/>
           </a:xfrm>
           <a:prstGeom prst="rect">
@@ -6714,45 +7401,34 @@
           </a:p>
         </p:txBody>
       </p:sp>
-      <p:sp>
-        <p:nvSpPr>
-          <p:cNvPr id="15" name="TextBox 14"/>
-          <p:cNvSpPr txBox="1"/>
-          <p:nvPr/>
-        </p:nvSpPr>
-        <p:spPr>
-          <a:xfrm>
-            <a:off x="994594" y="3555968"/>
-            <a:ext cx="7762295" cy="707886"/>
-          </a:xfrm>
-          <a:prstGeom prst="rect">
-            <a:avLst/>
-          </a:prstGeom>
-          <a:noFill/>
-        </p:spPr>
-        <p:txBody>
-          <a:bodyPr wrap="square" rtlCol="0">
-            <a:spAutoFit/>
-          </a:bodyPr>
-          <a:lstStyle/>
-          <a:p>
-            <a:r>
-              <a:rPr lang="en-US" sz="2000" dirty="0" smtClean="0">
-                <a:cs typeface="Arial" panose="020B0604020202020204" pitchFamily="34" charset="0"/>
-              </a:rPr>
-              <a:t>2 khối này sẽ chứa các block để giúp cho chúng ta tương tác đến tất cả thành phần có trên zoom:bit và reka:bit</a:t>
-            </a:r>
-            <a:endParaRPr lang="en-US" sz="2000" dirty="0">
-              <a:latin typeface="Arial" panose="020B0604020202020204" pitchFamily="34" charset="0"/>
-              <a:cs typeface="Arial" panose="020B0604020202020204" pitchFamily="34" charset="0"/>
-            </a:endParaRPr>
-          </a:p>
-        </p:txBody>
-      </p:sp>
+      <p:pic>
+        <p:nvPicPr>
+          <p:cNvPr id="5" name="Picture 4"/>
+          <p:cNvPicPr>
+            <a:picLocks noChangeAspect="1"/>
+          </p:cNvPicPr>
+          <p:nvPr/>
+        </p:nvPicPr>
+        <p:blipFill>
+          <a:blip r:embed="rId2"/>
+          <a:stretch>
+            <a:fillRect/>
+          </a:stretch>
+        </p:blipFill>
+        <p:spPr>
+          <a:xfrm>
+            <a:off x="913449" y="2600615"/>
+            <a:ext cx="7005599" cy="2526029"/>
+          </a:xfrm>
+          <a:prstGeom prst="rect">
+            <a:avLst/>
+          </a:prstGeom>
+        </p:spPr>
+      </p:pic>
     </p:spTree>
     <p:extLst>
       <p:ext uri="{BB962C8B-B14F-4D97-AF65-F5344CB8AC3E}">
-        <p14:creationId xmlns:p14="http://schemas.microsoft.com/office/powerpoint/2010/main" val="2366677180"/>
+        <p14:creationId xmlns:p14="http://schemas.microsoft.com/office/powerpoint/2010/main" val="2198906289"/>
       </p:ext>
     </p:extLst>
   </p:cSld>
@@ -6805,7 +7481,7 @@
       </p:sp>
       <p:sp>
         <p:nvSpPr>
-          <p:cNvPr id="3" name="Rectangle 2"/>
+          <p:cNvPr id="4" name="Rectangle 3"/>
           <p:cNvSpPr/>
           <p:nvPr/>
         </p:nvSpPr>
@@ -6860,7 +7536,7 @@
       </p:sp>
       <p:sp>
         <p:nvSpPr>
-          <p:cNvPr id="4" name="TextBox 3"/>
+          <p:cNvPr id="5" name="TextBox 4"/>
           <p:cNvSpPr txBox="1"/>
           <p:nvPr/>
         </p:nvSpPr>
@@ -6881,28 +7557,442 @@
           <a:lstStyle/>
           <a:p>
             <a:r>
-              <a:rPr lang="en-US" sz="2400" b="1" dirty="0">
+              <a:rPr lang="en-US" sz="2400" b="1" dirty="0" smtClean="0">
                 <a:solidFill>
                   <a:srgbClr val="64C7E9"/>
                 </a:solidFill>
                 <a:latin typeface="UTM Helve" panose="02040603050506020204" pitchFamily="18" charset="0"/>
                 <a:ea typeface="Roboto" pitchFamily="2" charset="0"/>
               </a:rPr>
-              <a:t>12.3 RGB LED</a:t>
-            </a:r>
-          </a:p>
-        </p:txBody>
-      </p:sp>
-      <p:sp>
-        <p:nvSpPr>
-          <p:cNvPr id="5" name="TextBox 4"/>
+              <a:t>16.2 Cách sử dụng Cảm biến MakeLine</a:t>
+            </a:r>
+            <a:endParaRPr lang="en-US" sz="2400" b="1" dirty="0">
+              <a:solidFill>
+                <a:srgbClr val="64C7E9"/>
+              </a:solidFill>
+              <a:latin typeface="UTM Helve" panose="02040603050506020204" pitchFamily="18" charset="0"/>
+              <a:ea typeface="Roboto" pitchFamily="2" charset="0"/>
+            </a:endParaRPr>
+          </a:p>
+        </p:txBody>
+      </p:sp>
+      <p:grpSp>
+        <p:nvGrpSpPr>
+          <p:cNvPr id="14" name="Group 13"/>
+          <p:cNvGrpSpPr/>
+          <p:nvPr/>
+        </p:nvGrpSpPr>
+        <p:grpSpPr>
+          <a:xfrm>
+            <a:off x="943237" y="1185637"/>
+            <a:ext cx="7206850" cy="5392250"/>
+            <a:chOff x="943237" y="1185637"/>
+            <a:chExt cx="7206850" cy="5392250"/>
+          </a:xfrm>
+        </p:grpSpPr>
+        <p:pic>
+          <p:nvPicPr>
+            <p:cNvPr id="3" name="Picture 2"/>
+            <p:cNvPicPr>
+              <a:picLocks noChangeAspect="1"/>
+            </p:cNvPicPr>
+            <p:nvPr/>
+          </p:nvPicPr>
+          <p:blipFill>
+            <a:blip r:embed="rId2"/>
+            <a:stretch>
+              <a:fillRect/>
+            </a:stretch>
+          </p:blipFill>
+          <p:spPr>
+            <a:xfrm>
+              <a:off x="943237" y="1185637"/>
+              <a:ext cx="7206850" cy="5392250"/>
+            </a:xfrm>
+            <a:prstGeom prst="rect">
+              <a:avLst/>
+            </a:prstGeom>
+          </p:spPr>
+        </p:pic>
+        <p:sp>
+          <p:nvSpPr>
+            <p:cNvPr id="6" name="Rectangle 5"/>
+            <p:cNvSpPr/>
+            <p:nvPr/>
+          </p:nvSpPr>
+          <p:spPr>
+            <a:xfrm>
+              <a:off x="1749287" y="1497496"/>
+              <a:ext cx="1179443" cy="410817"/>
+            </a:xfrm>
+            <a:prstGeom prst="rect">
+              <a:avLst/>
+            </a:prstGeom>
+            <a:solidFill>
+              <a:srgbClr val="0C779D"/>
+            </a:solidFill>
+            <a:ln>
+              <a:noFill/>
+            </a:ln>
+          </p:spPr>
+          <p:style>
+            <a:lnRef idx="2">
+              <a:schemeClr val="accent1">
+                <a:shade val="50000"/>
+              </a:schemeClr>
+            </a:lnRef>
+            <a:fillRef idx="1">
+              <a:schemeClr val="accent1"/>
+            </a:fillRef>
+            <a:effectRef idx="0">
+              <a:schemeClr val="accent1"/>
+            </a:effectRef>
+            <a:fontRef idx="minor">
+              <a:schemeClr val="lt1"/>
+            </a:fontRef>
+          </p:style>
+          <p:txBody>
+            <a:bodyPr rtlCol="0" anchor="ctr"/>
+            <a:lstStyle/>
+            <a:p>
+              <a:pPr algn="ctr"/>
+              <a:endParaRPr lang="en-US"/>
+            </a:p>
+          </p:txBody>
+        </p:sp>
+        <p:sp>
+          <p:nvSpPr>
+            <p:cNvPr id="7" name="Rectangle 6"/>
+            <p:cNvSpPr/>
+            <p:nvPr/>
+          </p:nvSpPr>
+          <p:spPr>
+            <a:xfrm>
+              <a:off x="3873424" y="1358347"/>
+              <a:ext cx="1311965" cy="689113"/>
+            </a:xfrm>
+            <a:prstGeom prst="rect">
+              <a:avLst/>
+            </a:prstGeom>
+            <a:solidFill>
+              <a:srgbClr val="0C779D"/>
+            </a:solidFill>
+            <a:ln>
+              <a:noFill/>
+            </a:ln>
+          </p:spPr>
+          <p:style>
+            <a:lnRef idx="2">
+              <a:schemeClr val="accent1">
+                <a:shade val="50000"/>
+              </a:schemeClr>
+            </a:lnRef>
+            <a:fillRef idx="1">
+              <a:schemeClr val="accent1"/>
+            </a:fillRef>
+            <a:effectRef idx="0">
+              <a:schemeClr val="accent1"/>
+            </a:effectRef>
+            <a:fontRef idx="minor">
+              <a:schemeClr val="lt1"/>
+            </a:fontRef>
+          </p:style>
+          <p:txBody>
+            <a:bodyPr rtlCol="0" anchor="ctr"/>
+            <a:lstStyle/>
+            <a:p>
+              <a:pPr algn="ctr"/>
+              <a:endParaRPr lang="en-US"/>
+            </a:p>
+          </p:txBody>
+        </p:sp>
+        <p:sp>
+          <p:nvSpPr>
+            <p:cNvPr id="8" name="Rectangle 7"/>
+            <p:cNvSpPr/>
+            <p:nvPr/>
+          </p:nvSpPr>
+          <p:spPr>
+            <a:xfrm>
+              <a:off x="5556450" y="1358347"/>
+              <a:ext cx="2362598" cy="788505"/>
+            </a:xfrm>
+            <a:prstGeom prst="rect">
+              <a:avLst/>
+            </a:prstGeom>
+            <a:solidFill>
+              <a:srgbClr val="0C779D"/>
+            </a:solidFill>
+            <a:ln>
+              <a:noFill/>
+            </a:ln>
+          </p:spPr>
+          <p:style>
+            <a:lnRef idx="2">
+              <a:schemeClr val="accent1">
+                <a:shade val="50000"/>
+              </a:schemeClr>
+            </a:lnRef>
+            <a:fillRef idx="1">
+              <a:schemeClr val="accent1"/>
+            </a:fillRef>
+            <a:effectRef idx="0">
+              <a:schemeClr val="accent1"/>
+            </a:effectRef>
+            <a:fontRef idx="minor">
+              <a:schemeClr val="lt1"/>
+            </a:fontRef>
+          </p:style>
+          <p:txBody>
+            <a:bodyPr rtlCol="0" anchor="ctr"/>
+            <a:lstStyle/>
+            <a:p>
+              <a:pPr algn="ctr"/>
+              <a:endParaRPr lang="en-US"/>
+            </a:p>
+          </p:txBody>
+        </p:sp>
+        <p:sp>
+          <p:nvSpPr>
+            <p:cNvPr id="9" name="Rectangle 8"/>
+            <p:cNvSpPr/>
+            <p:nvPr/>
+          </p:nvSpPr>
+          <p:spPr>
+            <a:xfrm>
+              <a:off x="5516693" y="2312503"/>
+              <a:ext cx="2362598" cy="563219"/>
+            </a:xfrm>
+            <a:prstGeom prst="rect">
+              <a:avLst/>
+            </a:prstGeom>
+            <a:solidFill>
+              <a:srgbClr val="EAF6FD"/>
+            </a:solidFill>
+            <a:ln>
+              <a:noFill/>
+            </a:ln>
+          </p:spPr>
+          <p:style>
+            <a:lnRef idx="2">
+              <a:schemeClr val="accent1">
+                <a:shade val="50000"/>
+              </a:schemeClr>
+            </a:lnRef>
+            <a:fillRef idx="1">
+              <a:schemeClr val="accent1"/>
+            </a:fillRef>
+            <a:effectRef idx="0">
+              <a:schemeClr val="accent1"/>
+            </a:effectRef>
+            <a:fontRef idx="minor">
+              <a:schemeClr val="lt1"/>
+            </a:fontRef>
+          </p:style>
+          <p:txBody>
+            <a:bodyPr rtlCol="0" anchor="ctr"/>
+            <a:lstStyle/>
+            <a:p>
+              <a:pPr algn="ctr"/>
+              <a:endParaRPr lang="en-US"/>
+            </a:p>
+          </p:txBody>
+        </p:sp>
+        <p:sp>
+          <p:nvSpPr>
+            <p:cNvPr id="10" name="Rectangle 9"/>
+            <p:cNvSpPr/>
+            <p:nvPr/>
+          </p:nvSpPr>
+          <p:spPr>
+            <a:xfrm>
+              <a:off x="5516693" y="4088295"/>
+              <a:ext cx="2362598" cy="563219"/>
+            </a:xfrm>
+            <a:prstGeom prst="rect">
+              <a:avLst/>
+            </a:prstGeom>
+            <a:solidFill>
+              <a:srgbClr val="EAF6FD"/>
+            </a:solidFill>
+            <a:ln>
+              <a:noFill/>
+            </a:ln>
+          </p:spPr>
+          <p:style>
+            <a:lnRef idx="2">
+              <a:schemeClr val="accent1">
+                <a:shade val="50000"/>
+              </a:schemeClr>
+            </a:lnRef>
+            <a:fillRef idx="1">
+              <a:schemeClr val="accent1"/>
+            </a:fillRef>
+            <a:effectRef idx="0">
+              <a:schemeClr val="accent1"/>
+            </a:effectRef>
+            <a:fontRef idx="minor">
+              <a:schemeClr val="lt1"/>
+            </a:fontRef>
+          </p:style>
+          <p:txBody>
+            <a:bodyPr rtlCol="0" anchor="ctr"/>
+            <a:lstStyle/>
+            <a:p>
+              <a:pPr algn="ctr"/>
+              <a:endParaRPr lang="en-US"/>
+            </a:p>
+          </p:txBody>
+        </p:sp>
+        <p:sp>
+          <p:nvSpPr>
+            <p:cNvPr id="11" name="Rectangle 10"/>
+            <p:cNvSpPr/>
+            <p:nvPr/>
+          </p:nvSpPr>
+          <p:spPr>
+            <a:xfrm>
+              <a:off x="5516693" y="5811078"/>
+              <a:ext cx="2362598" cy="563219"/>
+            </a:xfrm>
+            <a:prstGeom prst="rect">
+              <a:avLst/>
+            </a:prstGeom>
+            <a:solidFill>
+              <a:srgbClr val="EAF6FD"/>
+            </a:solidFill>
+            <a:ln>
+              <a:noFill/>
+            </a:ln>
+          </p:spPr>
+          <p:style>
+            <a:lnRef idx="2">
+              <a:schemeClr val="accent1">
+                <a:shade val="50000"/>
+              </a:schemeClr>
+            </a:lnRef>
+            <a:fillRef idx="1">
+              <a:schemeClr val="accent1"/>
+            </a:fillRef>
+            <a:effectRef idx="0">
+              <a:schemeClr val="accent1"/>
+            </a:effectRef>
+            <a:fontRef idx="minor">
+              <a:schemeClr val="lt1"/>
+            </a:fontRef>
+          </p:style>
+          <p:txBody>
+            <a:bodyPr rtlCol="0" anchor="ctr"/>
+            <a:lstStyle/>
+            <a:p>
+              <a:pPr algn="ctr"/>
+              <a:endParaRPr lang="en-US"/>
+            </a:p>
+          </p:txBody>
+        </p:sp>
+        <p:sp>
+          <p:nvSpPr>
+            <p:cNvPr id="12" name="Rectangle 11"/>
+            <p:cNvSpPr/>
+            <p:nvPr/>
+          </p:nvSpPr>
+          <p:spPr>
+            <a:xfrm>
+              <a:off x="5516693" y="4883426"/>
+              <a:ext cx="2362598" cy="563219"/>
+            </a:xfrm>
+            <a:prstGeom prst="rect">
+              <a:avLst/>
+            </a:prstGeom>
+            <a:solidFill>
+              <a:srgbClr val="D2ECFA"/>
+            </a:solidFill>
+            <a:ln>
+              <a:noFill/>
+            </a:ln>
+          </p:spPr>
+          <p:style>
+            <a:lnRef idx="2">
+              <a:schemeClr val="accent1">
+                <a:shade val="50000"/>
+              </a:schemeClr>
+            </a:lnRef>
+            <a:fillRef idx="1">
+              <a:schemeClr val="accent1"/>
+            </a:fillRef>
+            <a:effectRef idx="0">
+              <a:schemeClr val="accent1"/>
+            </a:effectRef>
+            <a:fontRef idx="minor">
+              <a:schemeClr val="lt1"/>
+            </a:fontRef>
+          </p:style>
+          <p:txBody>
+            <a:bodyPr rtlCol="0" anchor="ctr"/>
+            <a:lstStyle/>
+            <a:p>
+              <a:pPr algn="ctr"/>
+              <a:endParaRPr lang="en-US"/>
+            </a:p>
+          </p:txBody>
+        </p:sp>
+        <p:sp>
+          <p:nvSpPr>
+            <p:cNvPr id="13" name="Rectangle 12"/>
+            <p:cNvSpPr/>
+            <p:nvPr/>
+          </p:nvSpPr>
+          <p:spPr>
+            <a:xfrm>
+              <a:off x="5516693" y="3067878"/>
+              <a:ext cx="2362598" cy="563219"/>
+            </a:xfrm>
+            <a:prstGeom prst="rect">
+              <a:avLst/>
+            </a:prstGeom>
+            <a:solidFill>
+              <a:srgbClr val="D2ECFA"/>
+            </a:solidFill>
+            <a:ln>
+              <a:noFill/>
+            </a:ln>
+          </p:spPr>
+          <p:style>
+            <a:lnRef idx="2">
+              <a:schemeClr val="accent1">
+                <a:shade val="50000"/>
+              </a:schemeClr>
+            </a:lnRef>
+            <a:fillRef idx="1">
+              <a:schemeClr val="accent1"/>
+            </a:fillRef>
+            <a:effectRef idx="0">
+              <a:schemeClr val="accent1"/>
+            </a:effectRef>
+            <a:fontRef idx="minor">
+              <a:schemeClr val="lt1"/>
+            </a:fontRef>
+          </p:style>
+          <p:txBody>
+            <a:bodyPr rtlCol="0" anchor="ctr"/>
+            <a:lstStyle/>
+            <a:p>
+              <a:pPr algn="ctr"/>
+              <a:endParaRPr lang="en-US"/>
+            </a:p>
+          </p:txBody>
+        </p:sp>
+      </p:grpSp>
+      <p:sp>
+        <p:nvSpPr>
+          <p:cNvPr id="15" name="TextBox 14"/>
           <p:cNvSpPr txBox="1"/>
           <p:nvPr/>
         </p:nvSpPr>
         <p:spPr>
           <a:xfrm>
-            <a:off x="473627" y="1280136"/>
-            <a:ext cx="8074025" cy="400110"/>
+            <a:off x="1267477" y="1497496"/>
+            <a:ext cx="2133600" cy="369332"/>
           </a:xfrm>
           <a:prstGeom prst="rect">
             <a:avLst/>
@@ -6916,74 +8006,31 @@
           <a:lstStyle/>
           <a:p>
             <a:r>
-              <a:rPr lang="en-US" sz="2000" dirty="0" smtClean="0">
-                <a:cs typeface="Arial" panose="020B0604020202020204" pitchFamily="34" charset="0"/>
-              </a:rPr>
-              <a:t>Trong bài học này chúng ta tìm hiểu cách điều khiển RGB LED</a:t>
-            </a:r>
-            <a:endParaRPr lang="en-US" sz="2000" dirty="0">
-              <a:latin typeface="Arial" panose="020B0604020202020204" pitchFamily="34" charset="0"/>
-              <a:cs typeface="Arial" panose="020B0604020202020204" pitchFamily="34" charset="0"/>
+              <a:rPr lang="en-US" b="1" dirty="0" smtClean="0">
+                <a:solidFill>
+                  <a:schemeClr val="bg1"/>
+                </a:solidFill>
+              </a:rPr>
+              <a:t>Tín hiệu cảm biến</a:t>
+            </a:r>
+            <a:endParaRPr lang="en-US" b="1" dirty="0">
+              <a:solidFill>
+                <a:schemeClr val="bg1"/>
+              </a:solidFill>
             </a:endParaRPr>
           </a:p>
         </p:txBody>
       </p:sp>
       <p:sp>
         <p:nvSpPr>
-          <p:cNvPr id="6" name="Rectangle 5"/>
-          <p:cNvSpPr/>
-          <p:nvPr/>
-        </p:nvSpPr>
-        <p:spPr>
-          <a:xfrm>
-            <a:off x="644352" y="2068339"/>
-            <a:ext cx="171494" cy="171494"/>
-          </a:xfrm>
-          <a:prstGeom prst="rect">
-            <a:avLst/>
-          </a:prstGeom>
-          <a:solidFill>
-            <a:srgbClr val="64C7E9"/>
-          </a:solidFill>
-          <a:ln>
-            <a:noFill/>
-          </a:ln>
-        </p:spPr>
-        <p:style>
-          <a:lnRef idx="2">
-            <a:schemeClr val="accent1">
-              <a:shade val="50000"/>
-            </a:schemeClr>
-          </a:lnRef>
-          <a:fillRef idx="1">
-            <a:schemeClr val="accent1"/>
-          </a:fillRef>
-          <a:effectRef idx="0">
-            <a:schemeClr val="accent1"/>
-          </a:effectRef>
-          <a:fontRef idx="minor">
-            <a:schemeClr val="lt1"/>
-          </a:fontRef>
-        </p:style>
-        <p:txBody>
-          <a:bodyPr rtlCol="0" anchor="ctr"/>
-          <a:lstStyle/>
-          <a:p>
-            <a:pPr algn="ctr"/>
-            <a:endParaRPr lang="en-US"/>
-          </a:p>
-        </p:txBody>
-      </p:sp>
-      <p:sp>
-        <p:nvSpPr>
-          <p:cNvPr id="7" name="TextBox 6"/>
+          <p:cNvPr id="16" name="TextBox 15"/>
           <p:cNvSpPr txBox="1"/>
           <p:nvPr/>
         </p:nvSpPr>
         <p:spPr>
           <a:xfrm>
-            <a:off x="924201" y="1968856"/>
-            <a:ext cx="3436673" cy="707886"/>
+            <a:off x="3809782" y="1379737"/>
+            <a:ext cx="1473760" cy="646331"/>
           </a:xfrm>
           <a:prstGeom prst="rect">
             <a:avLst/>
@@ -6997,86 +8044,41 @@
           <a:lstStyle/>
           <a:p>
             <a:r>
-              <a:rPr lang="en-US" sz="2000" b="1" dirty="0">
-                <a:cs typeface="Arial" panose="020B0604020202020204" pitchFamily="34" charset="0"/>
-              </a:rPr>
-              <a:t>Clear all RGB pixel: </a:t>
-            </a:r>
-            <a:r>
-              <a:rPr lang="en-US" sz="2000" dirty="0">
-                <a:cs typeface="Arial" panose="020B0604020202020204" pitchFamily="34" charset="0"/>
-              </a:rPr>
-              <a:t>tắt tất cả các </a:t>
-            </a:r>
-            <a:r>
-              <a:rPr lang="en-US" sz="2000" dirty="0" smtClean="0">
-                <a:cs typeface="Arial" panose="020B0604020202020204" pitchFamily="34" charset="0"/>
-              </a:rPr>
-              <a:t>đèn</a:t>
-            </a:r>
-            <a:endParaRPr lang="en-US" dirty="0">
-              <a:latin typeface="Arial" panose="020B0604020202020204" pitchFamily="34" charset="0"/>
-              <a:cs typeface="Arial" panose="020B0604020202020204" pitchFamily="34" charset="0"/>
+              <a:rPr lang="en-US" b="1" dirty="0" smtClean="0">
+                <a:solidFill>
+                  <a:schemeClr val="bg1"/>
+                </a:solidFill>
+              </a:rPr>
+              <a:t>Giá trị </a:t>
+            </a:r>
+          </a:p>
+          <a:p>
+            <a:r>
+              <a:rPr lang="en-US" b="1" dirty="0" smtClean="0">
+                <a:solidFill>
+                  <a:schemeClr val="bg1"/>
+                </a:solidFill>
+              </a:rPr>
+              <a:t>nhận được</a:t>
+            </a:r>
+            <a:endParaRPr lang="en-US" b="1" dirty="0">
+              <a:solidFill>
+                <a:schemeClr val="bg1"/>
+              </a:solidFill>
             </a:endParaRPr>
           </a:p>
         </p:txBody>
       </p:sp>
       <p:sp>
         <p:nvSpPr>
-          <p:cNvPr id="8" name="Rectangle 7"/>
-          <p:cNvSpPr/>
-          <p:nvPr/>
-        </p:nvSpPr>
-        <p:spPr>
-          <a:xfrm>
-            <a:off x="644352" y="2876887"/>
-            <a:ext cx="171494" cy="171494"/>
-          </a:xfrm>
-          <a:prstGeom prst="rect">
-            <a:avLst/>
-          </a:prstGeom>
-          <a:solidFill>
-            <a:srgbClr val="64C7E9"/>
-          </a:solidFill>
-          <a:ln>
-            <a:noFill/>
-          </a:ln>
-        </p:spPr>
-        <p:style>
-          <a:lnRef idx="2">
-            <a:schemeClr val="accent1">
-              <a:shade val="50000"/>
-            </a:schemeClr>
-          </a:lnRef>
-          <a:fillRef idx="1">
-            <a:schemeClr val="accent1"/>
-          </a:fillRef>
-          <a:effectRef idx="0">
-            <a:schemeClr val="accent1"/>
-          </a:effectRef>
-          <a:fontRef idx="minor">
-            <a:schemeClr val="lt1"/>
-          </a:fontRef>
-        </p:style>
-        <p:txBody>
-          <a:bodyPr rtlCol="0" anchor="ctr"/>
-          <a:lstStyle/>
-          <a:p>
-            <a:pPr algn="ctr"/>
-            <a:endParaRPr lang="en-US"/>
-          </a:p>
-        </p:txBody>
-      </p:sp>
-      <p:sp>
-        <p:nvSpPr>
-          <p:cNvPr id="9" name="TextBox 8"/>
+          <p:cNvPr id="17" name="TextBox 16"/>
           <p:cNvSpPr txBox="1"/>
           <p:nvPr/>
         </p:nvSpPr>
         <p:spPr>
           <a:xfrm>
-            <a:off x="924201" y="2711144"/>
-            <a:ext cx="3436673" cy="1015663"/>
+            <a:off x="5556450" y="1386362"/>
+            <a:ext cx="1491087" cy="646331"/>
           </a:xfrm>
           <a:prstGeom prst="rect">
             <a:avLst/>
@@ -7090,80 +8092,31 @@
           <a:lstStyle/>
           <a:p>
             <a:r>
-              <a:rPr lang="en-US" sz="2000" b="1" dirty="0">
-                <a:cs typeface="Arial" panose="020B0604020202020204" pitchFamily="34" charset="0"/>
-              </a:rPr>
-              <a:t>Set GRB pixels brightness to: </a:t>
-            </a:r>
-            <a:r>
-              <a:rPr lang="en-US" sz="2000" dirty="0">
-                <a:cs typeface="Arial" panose="020B0604020202020204" pitchFamily="34" charset="0"/>
-              </a:rPr>
-              <a:t>thay đổi độ sáng các đèn (nằm trong khoảng 0 -255)</a:t>
-            </a:r>
-            <a:endParaRPr lang="en-US" dirty="0">
-              <a:latin typeface="Arial" panose="020B0604020202020204" pitchFamily="34" charset="0"/>
-              <a:cs typeface="Arial" panose="020B0604020202020204" pitchFamily="34" charset="0"/>
+              <a:rPr lang="en-US" b="1" dirty="0" smtClean="0">
+                <a:solidFill>
+                  <a:schemeClr val="bg1"/>
+                </a:solidFill>
+              </a:rPr>
+              <a:t>Hành động tương ứng</a:t>
+            </a:r>
+            <a:endParaRPr lang="en-US" b="1" dirty="0">
+              <a:solidFill>
+                <a:schemeClr val="bg1"/>
+              </a:solidFill>
             </a:endParaRPr>
           </a:p>
         </p:txBody>
       </p:sp>
       <p:sp>
         <p:nvSpPr>
-          <p:cNvPr id="10" name="Rectangle 9"/>
-          <p:cNvSpPr/>
-          <p:nvPr/>
-        </p:nvSpPr>
-        <p:spPr>
-          <a:xfrm>
-            <a:off x="644352" y="3976817"/>
-            <a:ext cx="171494" cy="171494"/>
-          </a:xfrm>
-          <a:prstGeom prst="rect">
-            <a:avLst/>
-          </a:prstGeom>
-          <a:solidFill>
-            <a:srgbClr val="64C7E9"/>
-          </a:solidFill>
-          <a:ln>
-            <a:noFill/>
-          </a:ln>
-        </p:spPr>
-        <p:style>
-          <a:lnRef idx="2">
-            <a:schemeClr val="accent1">
-              <a:shade val="50000"/>
-            </a:schemeClr>
-          </a:lnRef>
-          <a:fillRef idx="1">
-            <a:schemeClr val="accent1"/>
-          </a:fillRef>
-          <a:effectRef idx="0">
-            <a:schemeClr val="accent1"/>
-          </a:effectRef>
-          <a:fontRef idx="minor">
-            <a:schemeClr val="lt1"/>
-          </a:fontRef>
-        </p:style>
-        <p:txBody>
-          <a:bodyPr rtlCol="0" anchor="ctr"/>
-          <a:lstStyle/>
-          <a:p>
-            <a:pPr algn="ctr"/>
-            <a:endParaRPr lang="en-US"/>
-          </a:p>
-        </p:txBody>
-      </p:sp>
-      <p:sp>
-        <p:nvSpPr>
-          <p:cNvPr id="11" name="TextBox 10"/>
+          <p:cNvPr id="18" name="TextBox 17"/>
           <p:cNvSpPr txBox="1"/>
           <p:nvPr/>
         </p:nvSpPr>
         <p:spPr>
           <a:xfrm>
-            <a:off x="924201" y="3811074"/>
-            <a:ext cx="3436673" cy="707886"/>
+            <a:off x="5393636" y="2298980"/>
+            <a:ext cx="2322841" cy="646331"/>
           </a:xfrm>
           <a:prstGeom prst="rect">
             <a:avLst/>
@@ -7177,80 +8130,23 @@
           <a:lstStyle/>
           <a:p>
             <a:r>
-              <a:rPr lang="en-US" sz="2000" b="1" dirty="0">
-                <a:cs typeface="Arial" panose="020B0604020202020204" pitchFamily="34" charset="0"/>
-              </a:rPr>
-              <a:t>Set all RGB pixel to: </a:t>
-            </a:r>
-            <a:r>
-              <a:rPr lang="en-US" sz="2000" dirty="0">
-                <a:cs typeface="Arial" panose="020B0604020202020204" pitchFamily="34" charset="0"/>
-              </a:rPr>
-              <a:t>đặt các đèn sang màu đã chọn</a:t>
-            </a:r>
-            <a:endParaRPr lang="en-US" dirty="0">
-              <a:latin typeface="Arial" panose="020B0604020202020204" pitchFamily="34" charset="0"/>
-              <a:cs typeface="Arial" panose="020B0604020202020204" pitchFamily="34" charset="0"/>
-            </a:endParaRPr>
-          </a:p>
-        </p:txBody>
-      </p:sp>
-      <p:sp>
-        <p:nvSpPr>
-          <p:cNvPr id="12" name="Rectangle 11"/>
-          <p:cNvSpPr/>
-          <p:nvPr/>
-        </p:nvSpPr>
-        <p:spPr>
-          <a:xfrm>
-            <a:off x="644352" y="4768970"/>
-            <a:ext cx="171494" cy="171494"/>
-          </a:xfrm>
-          <a:prstGeom prst="rect">
-            <a:avLst/>
-          </a:prstGeom>
-          <a:solidFill>
-            <a:srgbClr val="64C7E9"/>
-          </a:solidFill>
-          <a:ln>
-            <a:noFill/>
-          </a:ln>
-        </p:spPr>
-        <p:style>
-          <a:lnRef idx="2">
-            <a:schemeClr val="accent1">
-              <a:shade val="50000"/>
-            </a:schemeClr>
-          </a:lnRef>
-          <a:fillRef idx="1">
-            <a:schemeClr val="accent1"/>
-          </a:fillRef>
-          <a:effectRef idx="0">
-            <a:schemeClr val="accent1"/>
-          </a:effectRef>
-          <a:fontRef idx="minor">
-            <a:schemeClr val="lt1"/>
-          </a:fontRef>
-        </p:style>
-        <p:txBody>
-          <a:bodyPr rtlCol="0" anchor="ctr"/>
-          <a:lstStyle/>
-          <a:p>
-            <a:pPr algn="ctr"/>
-            <a:endParaRPr lang="en-US"/>
-          </a:p>
-        </p:txBody>
-      </p:sp>
-      <p:sp>
-        <p:nvSpPr>
-          <p:cNvPr id="13" name="TextBox 12"/>
+              <a:rPr lang="en-US" dirty="0" smtClean="0"/>
+              <a:t>Xe đi thẳng theo vạch Đen</a:t>
+            </a:r>
+            <a:endParaRPr lang="en-US" dirty="0"/>
+          </a:p>
+        </p:txBody>
+      </p:sp>
+      <p:sp>
+        <p:nvSpPr>
+          <p:cNvPr id="19" name="TextBox 18"/>
           <p:cNvSpPr txBox="1"/>
           <p:nvPr/>
         </p:nvSpPr>
         <p:spPr>
           <a:xfrm>
-            <a:off x="924201" y="4669487"/>
-            <a:ext cx="3436673" cy="707886"/>
+            <a:off x="5393636" y="3173924"/>
+            <a:ext cx="2485656" cy="646331"/>
           </a:xfrm>
           <a:prstGeom prst="rect">
             <a:avLst/>
@@ -7264,104 +8160,23 @@
           <a:lstStyle/>
           <a:p>
             <a:r>
-              <a:rPr lang="en-US" sz="2000" b="1" dirty="0">
-                <a:cs typeface="Arial" panose="020B0604020202020204" pitchFamily="34" charset="0"/>
-              </a:rPr>
-              <a:t>Set RGB pixel to: </a:t>
-            </a:r>
-            <a:r>
-              <a:rPr lang="en-US" sz="2000" dirty="0">
-                <a:cs typeface="Arial" panose="020B0604020202020204" pitchFamily="34" charset="0"/>
-              </a:rPr>
-              <a:t>đặt đèn vị trí 0 hoặc 1 với màu chọn</a:t>
-            </a:r>
-            <a:endParaRPr lang="en-US" dirty="0">
-              <a:latin typeface="Arial" panose="020B0604020202020204" pitchFamily="34" charset="0"/>
-              <a:cs typeface="Arial" panose="020B0604020202020204" pitchFamily="34" charset="0"/>
-            </a:endParaRPr>
-          </a:p>
-        </p:txBody>
-      </p:sp>
-      <p:pic>
-        <p:nvPicPr>
-          <p:cNvPr id="14" name="Picture 13"/>
-          <p:cNvPicPr>
-            <a:picLocks noChangeAspect="1"/>
-          </p:cNvPicPr>
-          <p:nvPr/>
-        </p:nvPicPr>
-        <p:blipFill>
-          <a:blip r:embed="rId2"/>
-          <a:stretch>
-            <a:fillRect/>
-          </a:stretch>
-        </p:blipFill>
-        <p:spPr>
-          <a:xfrm>
-            <a:off x="5184992" y="5766873"/>
-            <a:ext cx="2695951" cy="419158"/>
-          </a:xfrm>
-          <a:prstGeom prst="rect">
-            <a:avLst/>
-          </a:prstGeom>
-        </p:spPr>
-      </p:pic>
-      <p:sp>
-        <p:nvSpPr>
-          <p:cNvPr id="15" name="Rectangle 14"/>
-          <p:cNvSpPr/>
-          <p:nvPr/>
-        </p:nvSpPr>
-        <p:spPr>
-          <a:xfrm>
-            <a:off x="644352" y="5656866"/>
-            <a:ext cx="171494" cy="171494"/>
-          </a:xfrm>
-          <a:prstGeom prst="rect">
-            <a:avLst/>
-          </a:prstGeom>
-          <a:solidFill>
-            <a:srgbClr val="64C7E9"/>
-          </a:solidFill>
-          <a:ln>
-            <a:noFill/>
-          </a:ln>
-        </p:spPr>
-        <p:style>
-          <a:lnRef idx="2">
-            <a:schemeClr val="accent1">
-              <a:shade val="50000"/>
-            </a:schemeClr>
-          </a:lnRef>
-          <a:fillRef idx="1">
-            <a:schemeClr val="accent1"/>
-          </a:fillRef>
-          <a:effectRef idx="0">
-            <a:schemeClr val="accent1"/>
-          </a:effectRef>
-          <a:fontRef idx="minor">
-            <a:schemeClr val="lt1"/>
-          </a:fontRef>
-        </p:style>
-        <p:txBody>
-          <a:bodyPr rtlCol="0" anchor="ctr"/>
-          <a:lstStyle/>
-          <a:p>
-            <a:pPr algn="ctr"/>
-            <a:endParaRPr lang="en-US"/>
-          </a:p>
-        </p:txBody>
-      </p:sp>
-      <p:sp>
-        <p:nvSpPr>
-          <p:cNvPr id="16" name="TextBox 15"/>
+              <a:rPr lang="en-US" dirty="0" smtClean="0"/>
+              <a:t>Xe đi rẻ trái một chút để bám theo vạch Đen</a:t>
+            </a:r>
+            <a:endParaRPr lang="en-US" dirty="0"/>
+          </a:p>
+        </p:txBody>
+      </p:sp>
+      <p:sp>
+        <p:nvSpPr>
+          <p:cNvPr id="20" name="TextBox 19"/>
           <p:cNvSpPr txBox="1"/>
           <p:nvPr/>
         </p:nvSpPr>
         <p:spPr>
           <a:xfrm>
-            <a:off x="924201" y="5557383"/>
-            <a:ext cx="3436673" cy="707886"/>
+            <a:off x="5393636" y="3955802"/>
+            <a:ext cx="2485656" cy="646331"/>
           </a:xfrm>
           <a:prstGeom prst="rect">
             <a:avLst/>
@@ -7375,173 +8190,77 @@
           <a:lstStyle/>
           <a:p>
             <a:r>
-              <a:rPr lang="en-US" sz="2000" b="1" dirty="0" smtClean="0">
-                <a:cs typeface="Arial" panose="020B0604020202020204" pitchFamily="34" charset="0"/>
-              </a:rPr>
-              <a:t>Red green blue:</a:t>
-            </a:r>
-            <a:r>
-              <a:rPr lang="en-US" sz="2000" dirty="0" smtClean="0">
-                <a:cs typeface="Arial" panose="020B0604020202020204" pitchFamily="34" charset="0"/>
-              </a:rPr>
-              <a:t> set màu theo mã màu rgb</a:t>
-            </a:r>
-            <a:endParaRPr lang="en-US" dirty="0">
-              <a:latin typeface="Arial" panose="020B0604020202020204" pitchFamily="34" charset="0"/>
-              <a:cs typeface="Arial" panose="020B0604020202020204" pitchFamily="34" charset="0"/>
-            </a:endParaRPr>
-          </a:p>
-        </p:txBody>
-      </p:sp>
-      <p:pic>
-        <p:nvPicPr>
-          <p:cNvPr id="17" name="Picture 16"/>
-          <p:cNvPicPr>
-            <a:picLocks noChangeAspect="1"/>
-          </p:cNvPicPr>
-          <p:nvPr/>
-        </p:nvPicPr>
-        <p:blipFill>
-          <a:blip r:embed="rId3"/>
-          <a:stretch>
-            <a:fillRect/>
-          </a:stretch>
-        </p:blipFill>
-        <p:spPr>
-          <a:xfrm>
-            <a:off x="5184992" y="4760453"/>
-            <a:ext cx="2229161" cy="581106"/>
-          </a:xfrm>
-          <a:prstGeom prst="rect">
-            <a:avLst/>
-          </a:prstGeom>
-        </p:spPr>
-      </p:pic>
-      <p:pic>
-        <p:nvPicPr>
-          <p:cNvPr id="18" name="Picture 17"/>
-          <p:cNvPicPr>
-            <a:picLocks noChangeAspect="1"/>
-          </p:cNvPicPr>
-          <p:nvPr/>
-        </p:nvPicPr>
-        <p:blipFill>
-          <a:blip r:embed="rId4"/>
-          <a:stretch>
-            <a:fillRect/>
-          </a:stretch>
-        </p:blipFill>
-        <p:spPr>
-          <a:xfrm>
-            <a:off x="5175466" y="3862521"/>
-            <a:ext cx="2238687" cy="571580"/>
-          </a:xfrm>
-          <a:prstGeom prst="rect">
-            <a:avLst/>
-          </a:prstGeom>
-        </p:spPr>
-      </p:pic>
-      <p:pic>
-        <p:nvPicPr>
-          <p:cNvPr id="19" name="Picture 18"/>
-          <p:cNvPicPr>
-            <a:picLocks noChangeAspect="1"/>
-          </p:cNvPicPr>
-          <p:nvPr/>
-        </p:nvPicPr>
-        <p:blipFill>
-          <a:blip r:embed="rId5"/>
-          <a:stretch>
-            <a:fillRect/>
-          </a:stretch>
-        </p:blipFill>
-        <p:spPr>
-          <a:xfrm>
-            <a:off x="5146886" y="2837048"/>
-            <a:ext cx="2772162" cy="600159"/>
-          </a:xfrm>
-          <a:prstGeom prst="rect">
-            <a:avLst/>
-          </a:prstGeom>
-        </p:spPr>
-      </p:pic>
-      <p:pic>
-        <p:nvPicPr>
-          <p:cNvPr id="20" name="Picture 19"/>
-          <p:cNvPicPr>
-            <a:picLocks noChangeAspect="1"/>
-          </p:cNvPicPr>
-          <p:nvPr/>
-        </p:nvPicPr>
-        <p:blipFill>
-          <a:blip r:embed="rId6"/>
-          <a:stretch>
-            <a:fillRect/>
-          </a:stretch>
-        </p:blipFill>
-        <p:spPr>
-          <a:xfrm>
-            <a:off x="5146886" y="1948258"/>
-            <a:ext cx="1714739" cy="600159"/>
-          </a:xfrm>
-          <a:prstGeom prst="rect">
-            <a:avLst/>
-          </a:prstGeom>
-        </p:spPr>
-      </p:pic>
-      <p:sp>
-        <p:nvSpPr>
-          <p:cNvPr id="21" name="Rounded Rectangle 20"/>
-          <p:cNvSpPr/>
-          <p:nvPr/>
-        </p:nvSpPr>
-        <p:spPr>
-          <a:xfrm>
-            <a:off x="473627" y="1881810"/>
-            <a:ext cx="4098373" cy="4452731"/>
-          </a:xfrm>
-          <a:prstGeom prst="roundRect">
-            <a:avLst>
-              <a:gd name="adj" fmla="val 3719"/>
-            </a:avLst>
+              <a:rPr lang="en-US" dirty="0" smtClean="0"/>
+              <a:t>Xe đi rẻ phải một chút để bám theo vạch Đen</a:t>
+            </a:r>
+            <a:endParaRPr lang="en-US" dirty="0"/>
+          </a:p>
+        </p:txBody>
+      </p:sp>
+      <p:sp>
+        <p:nvSpPr>
+          <p:cNvPr id="21" name="TextBox 20"/>
+          <p:cNvSpPr txBox="1"/>
+          <p:nvPr/>
+        </p:nvSpPr>
+        <p:spPr>
+          <a:xfrm>
+            <a:off x="5393636" y="4856950"/>
+            <a:ext cx="2485656" cy="646331"/>
+          </a:xfrm>
+          <a:prstGeom prst="rect">
+            <a:avLst/>
           </a:prstGeom>
           <a:noFill/>
-          <a:ln w="28575">
-            <a:solidFill>
-              <a:srgbClr val="64C7E9"/>
-            </a:solidFill>
-            <a:prstDash val="sysDash"/>
-          </a:ln>
-        </p:spPr>
-        <p:style>
-          <a:lnRef idx="2">
-            <a:schemeClr val="accent1">
-              <a:shade val="50000"/>
-            </a:schemeClr>
-          </a:lnRef>
-          <a:fillRef idx="1">
-            <a:schemeClr val="accent1"/>
-          </a:fillRef>
-          <a:effectRef idx="0">
-            <a:schemeClr val="accent1"/>
-          </a:effectRef>
-          <a:fontRef idx="minor">
-            <a:schemeClr val="lt1"/>
-          </a:fontRef>
-        </p:style>
-        <p:txBody>
-          <a:bodyPr rtlCol="0" anchor="ctr"/>
-          <a:lstStyle/>
-          <a:p>
-            <a:pPr algn="ctr"/>
-            <a:endParaRPr lang="en-US"/>
+        </p:spPr>
+        <p:txBody>
+          <a:bodyPr wrap="square" rtlCol="0">
+            <a:spAutoFit/>
+          </a:bodyPr>
+          <a:lstStyle/>
+          <a:p>
+            <a:r>
+              <a:rPr lang="en-US" dirty="0" smtClean="0"/>
+              <a:t>Xe đi rẻ trái góc rộng hơn để bám vạch Đen</a:t>
+            </a:r>
+            <a:endParaRPr lang="en-US" dirty="0"/>
+          </a:p>
+        </p:txBody>
+      </p:sp>
+      <p:sp>
+        <p:nvSpPr>
+          <p:cNvPr id="22" name="TextBox 21"/>
+          <p:cNvSpPr txBox="1"/>
+          <p:nvPr/>
+        </p:nvSpPr>
+        <p:spPr>
+          <a:xfrm>
+            <a:off x="5393636" y="5638828"/>
+            <a:ext cx="2485656" cy="646331"/>
+          </a:xfrm>
+          <a:prstGeom prst="rect">
+            <a:avLst/>
+          </a:prstGeom>
+          <a:noFill/>
+        </p:spPr>
+        <p:txBody>
+          <a:bodyPr wrap="square" rtlCol="0">
+            <a:spAutoFit/>
+          </a:bodyPr>
+          <a:lstStyle/>
+          <a:p>
+            <a:r>
+              <a:rPr lang="en-US" dirty="0" smtClean="0"/>
+              <a:t>Xe đi rẻ phải góc rộng hơn để bám vạch Đen</a:t>
+            </a:r>
+            <a:endParaRPr lang="en-US" dirty="0"/>
           </a:p>
         </p:txBody>
       </p:sp>
     </p:spTree>
     <p:extLst>
       <p:ext uri="{BB962C8B-B14F-4D97-AF65-F5344CB8AC3E}">
-        <p14:creationId xmlns:p14="http://schemas.microsoft.com/office/powerpoint/2010/main" val="805585192"/>
+        <p14:creationId xmlns:p14="http://schemas.microsoft.com/office/powerpoint/2010/main" val="4201034835"/>
       </p:ext>
     </p:extLst>
   </p:cSld>
@@ -7649,48 +8368,52 @@
       </p:sp>
       <p:sp>
         <p:nvSpPr>
-          <p:cNvPr id="4" name="TextBox 3"/>
-          <p:cNvSpPr txBox="1"/>
-          <p:nvPr/>
-        </p:nvSpPr>
-        <p:spPr>
-          <a:xfrm>
-            <a:off x="248815" y="546584"/>
-            <a:ext cx="7374995" cy="461665"/>
+          <p:cNvPr id="6" name="AutoShape 2" descr="https://cdn.sanity.io/images/ajwvhvgo/production/1d5802331620511efe3b5de846ac15de85b508e3-383x313.gif?bg=fff&amp;w=1.3333333333333333&amp;h=0&amp;q=90&amp;fit=min&amp;auto=format"/>
+          <p:cNvSpPr>
+            <a:spLocks noChangeAspect="1" noChangeArrowheads="1"/>
+          </p:cNvSpPr>
+          <p:nvPr/>
+        </p:nvSpPr>
+        <p:spPr bwMode="auto">
+          <a:xfrm>
+            <a:off x="155575" y="-144463"/>
+            <a:ext cx="304800" cy="304801"/>
           </a:xfrm>
           <a:prstGeom prst="rect">
             <a:avLst/>
           </a:prstGeom>
           <a:noFill/>
-        </p:spPr>
-        <p:txBody>
-          <a:bodyPr wrap="square" rtlCol="0">
-            <a:spAutoFit/>
+          <a:extLst>
+            <a:ext uri="{909E8E84-426E-40DD-AFC4-6F175D3DCCD1}">
+              <a14:hiddenFill xmlns:a14="http://schemas.microsoft.com/office/drawing/2010/main">
+                <a:solidFill>
+                  <a:srgbClr val="FFFFFF"/>
+                </a:solidFill>
+              </a14:hiddenFill>
+            </a:ext>
+          </a:extLst>
+        </p:spPr>
+        <p:txBody>
+          <a:bodyPr vert="horz" wrap="square" lIns="91440" tIns="45720" rIns="91440" bIns="45720" numCol="1" anchor="t" anchorCtr="0" compatLnSpc="1">
+            <a:prstTxWarp prst="textNoShape">
+              <a:avLst/>
+            </a:prstTxWarp>
           </a:bodyPr>
           <a:lstStyle/>
           <a:p>
-            <a:r>
-              <a:rPr lang="en-US" sz="2400" b="1" dirty="0">
-                <a:solidFill>
-                  <a:srgbClr val="64C7E9"/>
-                </a:solidFill>
-                <a:latin typeface="UTM Helve" panose="02040603050506020204" pitchFamily="18" charset="0"/>
-                <a:ea typeface="Roboto" pitchFamily="2" charset="0"/>
-              </a:rPr>
-              <a:t>12.3 RGB LED</a:t>
-            </a:r>
-          </a:p>
-        </p:txBody>
-      </p:sp>
-      <p:sp>
-        <p:nvSpPr>
-          <p:cNvPr id="6" name="Rectangle 5"/>
+            <a:endParaRPr lang="en-US"/>
+          </a:p>
+        </p:txBody>
+      </p:sp>
+      <p:sp>
+        <p:nvSpPr>
+          <p:cNvPr id="13" name="Rectangle 12"/>
           <p:cNvSpPr/>
           <p:nvPr/>
         </p:nvSpPr>
         <p:spPr>
           <a:xfrm>
-            <a:off x="644352" y="2889974"/>
+            <a:off x="755297" y="1866598"/>
             <a:ext cx="171494" cy="171494"/>
           </a:xfrm>
           <a:prstGeom prst="rect">
@@ -7730,14 +8453,14 @@
       </p:sp>
       <p:sp>
         <p:nvSpPr>
-          <p:cNvPr id="7" name="TextBox 6"/>
+          <p:cNvPr id="14" name="TextBox 13"/>
           <p:cNvSpPr txBox="1"/>
           <p:nvPr/>
         </p:nvSpPr>
         <p:spPr>
           <a:xfrm>
-            <a:off x="924201" y="2790491"/>
-            <a:ext cx="3436673" cy="707886"/>
+            <a:off x="994594" y="1748371"/>
+            <a:ext cx="7762295" cy="707886"/>
           </a:xfrm>
           <a:prstGeom prst="rect">
             <a:avLst/>
@@ -7751,119 +8474,147 @@
           <a:lstStyle/>
           <a:p>
             <a:r>
+              <a:rPr lang="vi-VN" sz="2000" dirty="0">
+                <a:cs typeface="Arial" panose="020B0604020202020204" pitchFamily="34" charset="0"/>
+              </a:rPr>
+              <a:t>Trong MakeCode --&gt; Chọn </a:t>
+            </a:r>
+            <a:r>
               <a:rPr lang="en-US" sz="2000" dirty="0" smtClean="0">
                 <a:cs typeface="Arial" panose="020B0604020202020204" pitchFamily="34" charset="0"/>
               </a:rPr>
-              <a:t>Nhấn nút A thì bật đèn RGB LED số 0 với màu Đỏ</a:t>
-            </a:r>
-            <a:endParaRPr lang="en-US" dirty="0">
+              <a:t>khối</a:t>
+            </a:r>
+            <a:r>
+              <a:rPr lang="vi-VN" sz="2000" dirty="0" smtClean="0">
+                <a:cs typeface="Arial" panose="020B0604020202020204" pitchFamily="34" charset="0"/>
+              </a:rPr>
+              <a:t> </a:t>
+            </a:r>
+            <a:r>
+              <a:rPr lang="vi-VN" sz="2000" dirty="0">
+                <a:cs typeface="Arial" panose="020B0604020202020204" pitchFamily="34" charset="0"/>
+              </a:rPr>
+              <a:t>Extentions -&gt; Sau đó </a:t>
+            </a:r>
+            <a:r>
+              <a:rPr lang="vi-VN" sz="2000" dirty="0" smtClean="0">
+                <a:cs typeface="Arial" panose="020B0604020202020204" pitchFamily="34" charset="0"/>
+              </a:rPr>
+              <a:t>tìm</a:t>
+            </a:r>
+            <a:r>
+              <a:rPr lang="en-US" sz="2000" dirty="0" smtClean="0">
+                <a:cs typeface="Arial" panose="020B0604020202020204" pitchFamily="34" charset="0"/>
+              </a:rPr>
+              <a:t> kiếm</a:t>
+            </a:r>
+            <a:r>
+              <a:rPr lang="vi-VN" sz="2000" dirty="0" smtClean="0">
+                <a:cs typeface="Arial" panose="020B0604020202020204" pitchFamily="34" charset="0"/>
+              </a:rPr>
+              <a:t> </a:t>
+            </a:r>
+            <a:r>
+              <a:rPr lang="vi-VN" sz="2000" dirty="0">
+                <a:cs typeface="Arial" panose="020B0604020202020204" pitchFamily="34" charset="0"/>
+              </a:rPr>
+              <a:t>với từ khóa </a:t>
+            </a:r>
+            <a:r>
+              <a:rPr lang="vi-VN" sz="2000" dirty="0" smtClean="0">
+                <a:cs typeface="Arial" panose="020B0604020202020204" pitchFamily="34" charset="0"/>
+              </a:rPr>
+              <a:t>zoom:bit</a:t>
+            </a:r>
+            <a:r>
+              <a:rPr lang="en-US" sz="2000" dirty="0" smtClean="0">
+                <a:cs typeface="Arial" panose="020B0604020202020204" pitchFamily="34" charset="0"/>
+              </a:rPr>
+              <a:t>. Bạn sẽ thấy kết quả như hình dưới đây</a:t>
+            </a:r>
+            <a:endParaRPr lang="en-US" sz="2000" dirty="0">
               <a:latin typeface="Arial" panose="020B0604020202020204" pitchFamily="34" charset="0"/>
               <a:cs typeface="Arial" panose="020B0604020202020204" pitchFamily="34" charset="0"/>
             </a:endParaRPr>
           </a:p>
         </p:txBody>
       </p:sp>
-      <p:sp>
-        <p:nvSpPr>
-          <p:cNvPr id="8" name="Rectangle 7"/>
-          <p:cNvSpPr/>
-          <p:nvPr/>
-        </p:nvSpPr>
-        <p:spPr>
-          <a:xfrm>
-            <a:off x="644352" y="4260543"/>
-            <a:ext cx="171494" cy="171494"/>
-          </a:xfrm>
-          <a:prstGeom prst="rect">
-            <a:avLst/>
-          </a:prstGeom>
-          <a:solidFill>
-            <a:srgbClr val="64C7E9"/>
-          </a:solidFill>
-          <a:ln>
-            <a:noFill/>
-          </a:ln>
-        </p:spPr>
-        <p:style>
-          <a:lnRef idx="2">
-            <a:schemeClr val="accent1">
-              <a:shade val="50000"/>
-            </a:schemeClr>
-          </a:lnRef>
-          <a:fillRef idx="1">
-            <a:schemeClr val="accent1"/>
-          </a:fillRef>
-          <a:effectRef idx="0">
-            <a:schemeClr val="accent1"/>
-          </a:effectRef>
-          <a:fontRef idx="minor">
-            <a:schemeClr val="lt1"/>
-          </a:fontRef>
-        </p:style>
-        <p:txBody>
-          <a:bodyPr rtlCol="0" anchor="ctr"/>
-          <a:lstStyle/>
-          <a:p>
-            <a:pPr algn="ctr"/>
-            <a:endParaRPr lang="en-US"/>
-          </a:p>
-        </p:txBody>
-      </p:sp>
-      <p:sp>
-        <p:nvSpPr>
-          <p:cNvPr id="10" name="Rectangle 9"/>
-          <p:cNvSpPr/>
-          <p:nvPr/>
-        </p:nvSpPr>
-        <p:spPr>
-          <a:xfrm>
-            <a:off x="644352" y="5591360"/>
-            <a:ext cx="171494" cy="171494"/>
-          </a:xfrm>
-          <a:prstGeom prst="rect">
-            <a:avLst/>
-          </a:prstGeom>
-          <a:solidFill>
-            <a:srgbClr val="64C7E9"/>
-          </a:solidFill>
-          <a:ln>
-            <a:noFill/>
-          </a:ln>
-        </p:spPr>
-        <p:style>
-          <a:lnRef idx="2">
-            <a:schemeClr val="accent1">
-              <a:shade val="50000"/>
-            </a:schemeClr>
-          </a:lnRef>
-          <a:fillRef idx="1">
-            <a:schemeClr val="accent1"/>
-          </a:fillRef>
-          <a:effectRef idx="0">
-            <a:schemeClr val="accent1"/>
-          </a:effectRef>
-          <a:fontRef idx="minor">
-            <a:schemeClr val="lt1"/>
-          </a:fontRef>
-        </p:style>
-        <p:txBody>
-          <a:bodyPr rtlCol="0" anchor="ctr"/>
-          <a:lstStyle/>
-          <a:p>
-            <a:pPr algn="ctr"/>
-            <a:endParaRPr lang="en-US"/>
-          </a:p>
-        </p:txBody>
-      </p:sp>
-      <p:sp>
-        <p:nvSpPr>
-          <p:cNvPr id="21" name="TextBox 20"/>
+      <p:pic>
+        <p:nvPicPr>
+          <p:cNvPr id="5" name="Picture 4"/>
+          <p:cNvPicPr>
+            <a:picLocks noChangeAspect="1"/>
+          </p:cNvPicPr>
+          <p:nvPr/>
+        </p:nvPicPr>
+        <p:blipFill>
+          <a:blip r:embed="rId2"/>
+          <a:stretch>
+            <a:fillRect/>
+          </a:stretch>
+        </p:blipFill>
+        <p:spPr>
+          <a:xfrm>
+            <a:off x="1437551" y="2632134"/>
+            <a:ext cx="6876379" cy="3840437"/>
+          </a:xfrm>
+          <a:prstGeom prst="rect">
+            <a:avLst/>
+          </a:prstGeom>
+        </p:spPr>
+      </p:pic>
+      <p:sp>
+        <p:nvSpPr>
+          <p:cNvPr id="9" name="TextBox 8"/>
           <p:cNvSpPr txBox="1"/>
           <p:nvPr/>
         </p:nvSpPr>
         <p:spPr>
           <a:xfrm>
-            <a:off x="1098981" y="1272143"/>
+            <a:off x="248815" y="546584"/>
+            <a:ext cx="7374995" cy="461665"/>
+          </a:xfrm>
+          <a:prstGeom prst="rect">
+            <a:avLst/>
+          </a:prstGeom>
+          <a:noFill/>
+        </p:spPr>
+        <p:txBody>
+          <a:bodyPr wrap="square" rtlCol="0">
+            <a:spAutoFit/>
+          </a:bodyPr>
+          <a:lstStyle/>
+          <a:p>
+            <a:r>
+              <a:rPr lang="en-US" sz="2400" b="1" dirty="0" smtClean="0">
+                <a:solidFill>
+                  <a:srgbClr val="64C7E9"/>
+                </a:solidFill>
+                <a:latin typeface="UTM Helve" panose="02040603050506020204" pitchFamily="18" charset="0"/>
+                <a:ea typeface="Roboto" pitchFamily="2" charset="0"/>
+              </a:rPr>
+              <a:t>16.2 Cách sử dụng Cảm biến MakeLine</a:t>
+            </a:r>
+            <a:endParaRPr lang="en-US" sz="2400" b="1" dirty="0">
+              <a:solidFill>
+                <a:srgbClr val="64C7E9"/>
+              </a:solidFill>
+              <a:latin typeface="UTM Helve" panose="02040603050506020204" pitchFamily="18" charset="0"/>
+              <a:ea typeface="Roboto" pitchFamily="2" charset="0"/>
+            </a:endParaRPr>
+          </a:p>
+        </p:txBody>
+      </p:sp>
+      <p:sp>
+        <p:nvSpPr>
+          <p:cNvPr id="10" name="TextBox 9"/>
+          <p:cNvSpPr txBox="1"/>
+          <p:nvPr/>
+        </p:nvSpPr>
+        <p:spPr>
+          <a:xfrm>
+            <a:off x="1098981" y="1232387"/>
             <a:ext cx="4122376" cy="461665"/>
           </a:xfrm>
           <a:prstGeom prst="rect">
@@ -7888,7 +8639,7 @@
                 <a:latin typeface="UTM Helve" panose="02040603050506020204" pitchFamily="18" charset="0"/>
                 <a:ea typeface="Roboto" pitchFamily="2" charset="0"/>
               </a:rPr>
-              <a:t>Thao tác với Makcode</a:t>
+              <a:t>Cài đặt Extentions</a:t>
             </a:r>
             <a:endParaRPr lang="en-US" sz="2400" b="1" dirty="0">
               <a:solidFill>
@@ -7905,14 +8656,14 @@
       </p:sp>
       <p:pic>
         <p:nvPicPr>
-          <p:cNvPr id="22" name="Picture 21"/>
+          <p:cNvPr id="11" name="Picture 10"/>
           <p:cNvPicPr>
             <a:picLocks noChangeAspect="1"/>
           </p:cNvPicPr>
           <p:nvPr/>
         </p:nvPicPr>
         <p:blipFill>
-          <a:blip r:embed="rId2">
+          <a:blip r:embed="rId3">
             <a:extLst>
               <a:ext uri="{28A0092B-C50C-407E-A947-70E740481C1C}">
                 <a14:useLocalDpi xmlns:a14="http://schemas.microsoft.com/office/drawing/2010/main" val="0"/>
@@ -7925,215 +8676,8 @@
         </p:blipFill>
         <p:spPr>
           <a:xfrm>
-            <a:off x="542728" y="1345100"/>
+            <a:off x="542728" y="1268234"/>
             <a:ext cx="466725" cy="409575"/>
-          </a:xfrm>
-          <a:prstGeom prst="rect">
-            <a:avLst/>
-          </a:prstGeom>
-        </p:spPr>
-      </p:pic>
-      <p:pic>
-        <p:nvPicPr>
-          <p:cNvPr id="23" name="Picture 22"/>
-          <p:cNvPicPr>
-            <a:picLocks noChangeAspect="1"/>
-          </p:cNvPicPr>
-          <p:nvPr/>
-        </p:nvPicPr>
-        <p:blipFill>
-          <a:blip r:embed="rId3"/>
-          <a:stretch>
-            <a:fillRect/>
-          </a:stretch>
-        </p:blipFill>
-        <p:spPr>
-          <a:xfrm>
-            <a:off x="4721207" y="2461309"/>
-            <a:ext cx="2429214" cy="1200318"/>
-          </a:xfrm>
-          <a:prstGeom prst="rect">
-            <a:avLst/>
-          </a:prstGeom>
-        </p:spPr>
-      </p:pic>
-      <p:pic>
-        <p:nvPicPr>
-          <p:cNvPr id="24" name="Picture 23"/>
-          <p:cNvPicPr>
-            <a:picLocks noChangeAspect="1"/>
-          </p:cNvPicPr>
-          <p:nvPr/>
-        </p:nvPicPr>
-        <p:blipFill>
-          <a:blip r:embed="rId4"/>
-          <a:stretch>
-            <a:fillRect/>
-          </a:stretch>
-        </p:blipFill>
-        <p:spPr>
-          <a:xfrm>
-            <a:off x="4695611" y="3834783"/>
-            <a:ext cx="2400635" cy="1143160"/>
-          </a:xfrm>
-          <a:prstGeom prst="rect">
-            <a:avLst/>
-          </a:prstGeom>
-        </p:spPr>
-      </p:pic>
-      <p:sp>
-        <p:nvSpPr>
-          <p:cNvPr id="25" name="TextBox 24"/>
-          <p:cNvSpPr txBox="1"/>
-          <p:nvPr/>
-        </p:nvSpPr>
-        <p:spPr>
-          <a:xfrm>
-            <a:off x="924201" y="4128960"/>
-            <a:ext cx="3436673" cy="707886"/>
-          </a:xfrm>
-          <a:prstGeom prst="rect">
-            <a:avLst/>
-          </a:prstGeom>
-          <a:noFill/>
-        </p:spPr>
-        <p:txBody>
-          <a:bodyPr wrap="square" rtlCol="0">
-            <a:spAutoFit/>
-          </a:bodyPr>
-          <a:lstStyle/>
-          <a:p>
-            <a:r>
-              <a:rPr lang="en-US" sz="2000" dirty="0" smtClean="0">
-                <a:cs typeface="Arial" panose="020B0604020202020204" pitchFamily="34" charset="0"/>
-              </a:rPr>
-              <a:t>Nhấn nút B thì bật đèn RGB LED số 1 với màu Blue</a:t>
-            </a:r>
-            <a:endParaRPr lang="en-US" dirty="0">
-              <a:latin typeface="Arial" panose="020B0604020202020204" pitchFamily="34" charset="0"/>
-              <a:cs typeface="Arial" panose="020B0604020202020204" pitchFamily="34" charset="0"/>
-            </a:endParaRPr>
-          </a:p>
-        </p:txBody>
-      </p:sp>
-      <p:sp>
-        <p:nvSpPr>
-          <p:cNvPr id="26" name="TextBox 25"/>
-          <p:cNvSpPr txBox="1"/>
-          <p:nvPr/>
-        </p:nvSpPr>
-        <p:spPr>
-          <a:xfrm>
-            <a:off x="924201" y="5467434"/>
-            <a:ext cx="3436673" cy="707886"/>
-          </a:xfrm>
-          <a:prstGeom prst="rect">
-            <a:avLst/>
-          </a:prstGeom>
-          <a:noFill/>
-        </p:spPr>
-        <p:txBody>
-          <a:bodyPr wrap="square" rtlCol="0">
-            <a:spAutoFit/>
-          </a:bodyPr>
-          <a:lstStyle/>
-          <a:p>
-            <a:r>
-              <a:rPr lang="en-US" sz="2000" dirty="0" smtClean="0">
-                <a:cs typeface="Arial" panose="020B0604020202020204" pitchFamily="34" charset="0"/>
-              </a:rPr>
-              <a:t>Nhấn nút A+B thì tắt tất cả đèn RGB LED</a:t>
-            </a:r>
-            <a:endParaRPr lang="en-US" dirty="0">
-              <a:latin typeface="Arial" panose="020B0604020202020204" pitchFamily="34" charset="0"/>
-              <a:cs typeface="Arial" panose="020B0604020202020204" pitchFamily="34" charset="0"/>
-            </a:endParaRPr>
-          </a:p>
-        </p:txBody>
-      </p:sp>
-      <p:pic>
-        <p:nvPicPr>
-          <p:cNvPr id="27" name="Picture 26"/>
-          <p:cNvPicPr>
-            <a:picLocks noChangeAspect="1"/>
-          </p:cNvPicPr>
-          <p:nvPr/>
-        </p:nvPicPr>
-        <p:blipFill>
-          <a:blip r:embed="rId5"/>
-          <a:stretch>
-            <a:fillRect/>
-          </a:stretch>
-        </p:blipFill>
-        <p:spPr>
-          <a:xfrm>
-            <a:off x="4721207" y="5162695"/>
-            <a:ext cx="2086266" cy="1200318"/>
-          </a:xfrm>
-          <a:prstGeom prst="rect">
-            <a:avLst/>
-          </a:prstGeom>
-        </p:spPr>
-      </p:pic>
-      <p:sp>
-        <p:nvSpPr>
-          <p:cNvPr id="29" name="TextBox 28"/>
-          <p:cNvSpPr txBox="1"/>
-          <p:nvPr/>
-        </p:nvSpPr>
-        <p:spPr>
-          <a:xfrm>
-            <a:off x="542728" y="1810720"/>
-            <a:ext cx="8113782" cy="400110"/>
-          </a:xfrm>
-          <a:prstGeom prst="rect">
-            <a:avLst/>
-          </a:prstGeom>
-          <a:noFill/>
-        </p:spPr>
-        <p:txBody>
-          <a:bodyPr wrap="square" rtlCol="0">
-            <a:spAutoFit/>
-          </a:bodyPr>
-          <a:lstStyle/>
-          <a:p>
-            <a:r>
-              <a:rPr lang="en-US" sz="2000" dirty="0" smtClean="0">
-                <a:cs typeface="Arial" panose="020B0604020202020204" pitchFamily="34" charset="0"/>
-              </a:rPr>
-              <a:t>Ví dụ tham khảo về cách bật và tắt, chọn màu cho các đèn RGB LED</a:t>
-            </a:r>
-            <a:endParaRPr lang="en-US" dirty="0">
-              <a:latin typeface="Arial" panose="020B0604020202020204" pitchFamily="34" charset="0"/>
-              <a:cs typeface="Arial" panose="020B0604020202020204" pitchFamily="34" charset="0"/>
-            </a:endParaRPr>
-          </a:p>
-        </p:txBody>
-      </p:sp>
-      <p:pic>
-        <p:nvPicPr>
-          <p:cNvPr id="30" name="Picture 29"/>
-          <p:cNvPicPr>
-            <a:picLocks noChangeAspect="1"/>
-          </p:cNvPicPr>
-          <p:nvPr/>
-        </p:nvPicPr>
-        <p:blipFill>
-          <a:blip r:embed="rId6" cstate="print">
-            <a:extLst>
-              <a:ext uri="{28A0092B-C50C-407E-A947-70E740481C1C}">
-                <a14:useLocalDpi xmlns:a14="http://schemas.microsoft.com/office/drawing/2010/main" val="0"/>
-              </a:ext>
-            </a:extLst>
-          </a:blip>
-          <a:stretch>
-            <a:fillRect/>
-          </a:stretch>
-        </p:blipFill>
-        <p:spPr>
-          <a:xfrm>
-            <a:off x="7150421" y="4818903"/>
-            <a:ext cx="1425474" cy="1544913"/>
           </a:xfrm>
           <a:prstGeom prst="rect">
             <a:avLst/>
@@ -8143,7 +8687,7 @@
     </p:spTree>
     <p:extLst>
       <p:ext uri="{BB962C8B-B14F-4D97-AF65-F5344CB8AC3E}">
-        <p14:creationId xmlns:p14="http://schemas.microsoft.com/office/powerpoint/2010/main" val="996229113"/>
+        <p14:creationId xmlns:p14="http://schemas.microsoft.com/office/powerpoint/2010/main" val="1318983044"/>
       </p:ext>
     </p:extLst>
   </p:cSld>
@@ -8251,83 +8795,52 @@
       </p:sp>
       <p:sp>
         <p:nvSpPr>
-          <p:cNvPr id="4" name="TextBox 3"/>
-          <p:cNvSpPr txBox="1"/>
-          <p:nvPr/>
-        </p:nvSpPr>
-        <p:spPr>
-          <a:xfrm>
-            <a:off x="248815" y="546584"/>
-            <a:ext cx="7374995" cy="461665"/>
+          <p:cNvPr id="6" name="AutoShape 2" descr="https://cdn.sanity.io/images/ajwvhvgo/production/1d5802331620511efe3b5de846ac15de85b508e3-383x313.gif?bg=fff&amp;w=1.3333333333333333&amp;h=0&amp;q=90&amp;fit=min&amp;auto=format"/>
+          <p:cNvSpPr>
+            <a:spLocks noChangeAspect="1" noChangeArrowheads="1"/>
+          </p:cNvSpPr>
+          <p:nvPr/>
+        </p:nvSpPr>
+        <p:spPr bwMode="auto">
+          <a:xfrm>
+            <a:off x="155575" y="-144463"/>
+            <a:ext cx="304800" cy="304801"/>
           </a:xfrm>
           <a:prstGeom prst="rect">
             <a:avLst/>
           </a:prstGeom>
           <a:noFill/>
-        </p:spPr>
-        <p:txBody>
-          <a:bodyPr wrap="square" rtlCol="0">
-            <a:spAutoFit/>
+          <a:extLst>
+            <a:ext uri="{909E8E84-426E-40DD-AFC4-6F175D3DCCD1}">
+              <a14:hiddenFill xmlns:a14="http://schemas.microsoft.com/office/drawing/2010/main">
+                <a:solidFill>
+                  <a:srgbClr val="FFFFFF"/>
+                </a:solidFill>
+              </a14:hiddenFill>
+            </a:ext>
+          </a:extLst>
+        </p:spPr>
+        <p:txBody>
+          <a:bodyPr vert="horz" wrap="square" lIns="91440" tIns="45720" rIns="91440" bIns="45720" numCol="1" anchor="t" anchorCtr="0" compatLnSpc="1">
+            <a:prstTxWarp prst="textNoShape">
+              <a:avLst/>
+            </a:prstTxWarp>
           </a:bodyPr>
           <a:lstStyle/>
           <a:p>
-            <a:r>
-              <a:rPr lang="en-US" sz="2400" b="1" dirty="0">
-                <a:solidFill>
-                  <a:srgbClr val="64C7E9"/>
-                </a:solidFill>
-                <a:latin typeface="UTM Helve" panose="02040603050506020204" pitchFamily="18" charset="0"/>
-                <a:ea typeface="Roboto" pitchFamily="2" charset="0"/>
-              </a:rPr>
-              <a:t>12.4 Head Light</a:t>
-            </a:r>
-          </a:p>
-        </p:txBody>
-      </p:sp>
-      <p:sp>
-        <p:nvSpPr>
-          <p:cNvPr id="5" name="TextBox 4"/>
-          <p:cNvSpPr txBox="1"/>
-          <p:nvPr/>
-        </p:nvSpPr>
-        <p:spPr>
-          <a:xfrm>
-            <a:off x="473627" y="1280136"/>
-            <a:ext cx="8074025" cy="400110"/>
-          </a:xfrm>
-          <a:prstGeom prst="rect">
-            <a:avLst/>
-          </a:prstGeom>
-          <a:noFill/>
-        </p:spPr>
-        <p:txBody>
-          <a:bodyPr wrap="square" rtlCol="0">
-            <a:spAutoFit/>
-          </a:bodyPr>
-          <a:lstStyle/>
-          <a:p>
-            <a:r>
-              <a:rPr lang="en-US" sz="2000" dirty="0" smtClean="0">
-                <a:cs typeface="Arial" panose="020B0604020202020204" pitchFamily="34" charset="0"/>
-              </a:rPr>
-              <a:t>Trong bài học này chúng ta tìm hiểu cách điều khiển đèn trước</a:t>
-            </a:r>
-            <a:endParaRPr lang="en-US" sz="2000" dirty="0">
-              <a:latin typeface="Arial" panose="020B0604020202020204" pitchFamily="34" charset="0"/>
-              <a:cs typeface="Arial" panose="020B0604020202020204" pitchFamily="34" charset="0"/>
-            </a:endParaRPr>
-          </a:p>
-        </p:txBody>
-      </p:sp>
-      <p:sp>
-        <p:nvSpPr>
-          <p:cNvPr id="6" name="Rectangle 5"/>
+            <a:endParaRPr lang="en-US"/>
+          </a:p>
+        </p:txBody>
+      </p:sp>
+      <p:sp>
+        <p:nvSpPr>
+          <p:cNvPr id="13" name="Rectangle 12"/>
           <p:cNvSpPr/>
           <p:nvPr/>
         </p:nvSpPr>
         <p:spPr>
           <a:xfrm>
-            <a:off x="644352" y="2068339"/>
+            <a:off x="755297" y="2744435"/>
             <a:ext cx="171494" cy="171494"/>
           </a:xfrm>
           <a:prstGeom prst="rect">
@@ -8367,14 +8880,14 @@
       </p:sp>
       <p:sp>
         <p:nvSpPr>
-          <p:cNvPr id="7" name="TextBox 6"/>
+          <p:cNvPr id="14" name="TextBox 13"/>
           <p:cNvSpPr txBox="1"/>
           <p:nvPr/>
         </p:nvSpPr>
         <p:spPr>
           <a:xfrm>
-            <a:off x="924201" y="1968856"/>
-            <a:ext cx="3436673" cy="1015663"/>
+            <a:off x="994594" y="2641568"/>
+            <a:ext cx="7762295" cy="400110"/>
           </a:xfrm>
           <a:prstGeom prst="rect">
             <a:avLst/>
@@ -8388,33 +8901,121 @@
           <a:lstStyle/>
           <a:p>
             <a:r>
-              <a:rPr lang="en-US" sz="2000" b="1" dirty="0" smtClean="0">
-                <a:cs typeface="Arial" panose="020B0604020202020204" pitchFamily="34" charset="0"/>
-              </a:rPr>
-              <a:t>Set left/right headlight to on/off</a:t>
-            </a:r>
-            <a:r>
               <a:rPr lang="en-US" sz="2000" dirty="0" smtClean="0">
                 <a:cs typeface="Arial" panose="020B0604020202020204" pitchFamily="34" charset="0"/>
               </a:rPr>
-              <a:t>: bật hoặc tắt đèn trái hoặc phải</a:t>
-            </a:r>
-            <a:endParaRPr lang="en-US" dirty="0">
+              <a:t>Click chọn extention zoombit, đợi một lúc chương trình cài đặt</a:t>
+            </a:r>
+            <a:endParaRPr lang="en-US" sz="2000" dirty="0">
               <a:latin typeface="Arial" panose="020B0604020202020204" pitchFamily="34" charset="0"/>
               <a:cs typeface="Arial" panose="020B0604020202020204" pitchFamily="34" charset="0"/>
             </a:endParaRPr>
           </a:p>
         </p:txBody>
       </p:sp>
-      <p:sp>
-        <p:nvSpPr>
-          <p:cNvPr id="10" name="Rectangle 9"/>
+      <p:pic>
+        <p:nvPicPr>
+          <p:cNvPr id="7" name="Picture 6"/>
+          <p:cNvPicPr>
+            <a:picLocks noChangeAspect="1"/>
+          </p:cNvPicPr>
+          <p:nvPr/>
+        </p:nvPicPr>
+        <p:blipFill>
+          <a:blip r:embed="rId2"/>
+          <a:stretch>
+            <a:fillRect/>
+          </a:stretch>
+        </p:blipFill>
+        <p:spPr>
+          <a:xfrm>
+            <a:off x="755297" y="3424991"/>
+            <a:ext cx="1667108" cy="885949"/>
+          </a:xfrm>
+          <a:prstGeom prst="rect">
+            <a:avLst/>
+          </a:prstGeom>
+        </p:spPr>
+      </p:pic>
+      <p:sp>
+        <p:nvSpPr>
+          <p:cNvPr id="10" name="TextBox 9"/>
+          <p:cNvSpPr txBox="1"/>
+          <p:nvPr/>
+        </p:nvSpPr>
+        <p:spPr>
+          <a:xfrm>
+            <a:off x="2681430" y="3230137"/>
+            <a:ext cx="4942380" cy="707886"/>
+          </a:xfrm>
+          <a:prstGeom prst="rect">
+            <a:avLst/>
+          </a:prstGeom>
+          <a:noFill/>
+        </p:spPr>
+        <p:txBody>
+          <a:bodyPr wrap="square" rtlCol="0">
+            <a:spAutoFit/>
+          </a:bodyPr>
+          <a:lstStyle/>
+          <a:p>
+            <a:r>
+              <a:rPr lang="en-US" sz="2000" dirty="0" smtClean="0">
+                <a:cs typeface="Arial" panose="020B0604020202020204" pitchFamily="34" charset="0"/>
+              </a:rPr>
+              <a:t>Cài xong bạn sẽ thấy nó có thêm 2 khối như hình bên.</a:t>
+            </a:r>
+            <a:endParaRPr lang="en-US" sz="2000" dirty="0">
+              <a:latin typeface="Arial" panose="020B0604020202020204" pitchFamily="34" charset="0"/>
+              <a:cs typeface="Arial" panose="020B0604020202020204" pitchFamily="34" charset="0"/>
+            </a:endParaRPr>
+          </a:p>
+        </p:txBody>
+      </p:sp>
+      <p:sp>
+        <p:nvSpPr>
+          <p:cNvPr id="11" name="TextBox 10"/>
+          <p:cNvSpPr txBox="1"/>
+          <p:nvPr/>
+        </p:nvSpPr>
+        <p:spPr>
+          <a:xfrm>
+            <a:off x="2681430" y="3987774"/>
+            <a:ext cx="6184274" cy="369332"/>
+          </a:xfrm>
+          <a:prstGeom prst="rect">
+            <a:avLst/>
+          </a:prstGeom>
+          <a:noFill/>
+        </p:spPr>
+        <p:txBody>
+          <a:bodyPr wrap="square" rtlCol="0">
+            <a:spAutoFit/>
+          </a:bodyPr>
+          <a:lstStyle/>
+          <a:p>
+            <a:r>
+              <a:rPr lang="en-US" i="1" dirty="0" smtClean="0">
+                <a:cs typeface="Arial" panose="020B0604020202020204" pitchFamily="34" charset="0"/>
+              </a:rPr>
+              <a:t>Lưu ý: cài đặt này chỉ có hiệu lực trong phạm vi một project</a:t>
+            </a:r>
+            <a:endParaRPr lang="en-US" i="1" dirty="0">
+              <a:latin typeface="Arial" panose="020B0604020202020204" pitchFamily="34" charset="0"/>
+              <a:cs typeface="Arial" panose="020B0604020202020204" pitchFamily="34" charset="0"/>
+            </a:endParaRPr>
+          </a:p>
+        </p:txBody>
+      </p:sp>
+      <p:sp>
+        <p:nvSpPr>
+          <p:cNvPr id="12" name="Rectangle 11"/>
           <p:cNvSpPr/>
           <p:nvPr/>
         </p:nvSpPr>
         <p:spPr>
           <a:xfrm>
-            <a:off x="644352" y="3410942"/>
+            <a:off x="755297" y="4880143"/>
             <a:ext cx="171494" cy="171494"/>
           </a:xfrm>
           <a:prstGeom prst="rect">
@@ -8454,14 +9055,14 @@
       </p:sp>
       <p:sp>
         <p:nvSpPr>
-          <p:cNvPr id="11" name="TextBox 10"/>
+          <p:cNvPr id="15" name="TextBox 14"/>
           <p:cNvSpPr txBox="1"/>
           <p:nvPr/>
         </p:nvSpPr>
         <p:spPr>
           <a:xfrm>
-            <a:off x="924201" y="3245199"/>
-            <a:ext cx="3436673" cy="1015663"/>
+            <a:off x="994594" y="4761916"/>
+            <a:ext cx="7762295" cy="707886"/>
           </a:xfrm>
           <a:prstGeom prst="rect">
             <a:avLst/>
@@ -8475,18 +9076,12 @@
           <a:lstStyle/>
           <a:p>
             <a:r>
-              <a:rPr lang="en-US" sz="2000" b="1" dirty="0" smtClean="0">
-                <a:cs typeface="Arial" panose="020B0604020202020204" pitchFamily="34" charset="0"/>
-              </a:rPr>
-              <a:t>Toggle left/right headlight</a:t>
-            </a:r>
-            <a:r>
               <a:rPr lang="en-US" sz="2000" dirty="0" smtClean="0">
                 <a:cs typeface="Arial" panose="020B0604020202020204" pitchFamily="34" charset="0"/>
               </a:rPr>
-              <a:t>: nếu đèn trái hoặc phải đang mở thì tắt và ngược lại.</a:t>
-            </a:r>
-            <a:endParaRPr lang="en-US" dirty="0">
+              <a:t>2 khối này sẽ chứa các block để giúp cho chúng ta tương tác đến tất cả thành phần có trên zoom:bit và reka:bit</a:t>
+            </a:r>
+            <a:endParaRPr lang="en-US" sz="2000" dirty="0">
               <a:latin typeface="Arial" panose="020B0604020202020204" pitchFamily="34" charset="0"/>
               <a:cs typeface="Arial" panose="020B0604020202020204" pitchFamily="34" charset="0"/>
             </a:endParaRPr>
@@ -8495,168 +9090,62 @@
       </p:sp>
       <p:sp>
         <p:nvSpPr>
-          <p:cNvPr id="21" name="Rounded Rectangle 20"/>
-          <p:cNvSpPr/>
-          <p:nvPr/>
-        </p:nvSpPr>
-        <p:spPr>
-          <a:xfrm>
-            <a:off x="473627" y="1881810"/>
-            <a:ext cx="4098373" cy="2597425"/>
-          </a:xfrm>
-          <a:prstGeom prst="roundRect">
-            <a:avLst>
-              <a:gd name="adj" fmla="val 3719"/>
-            </a:avLst>
+          <p:cNvPr id="16" name="TextBox 15"/>
+          <p:cNvSpPr txBox="1"/>
+          <p:nvPr/>
+        </p:nvSpPr>
+        <p:spPr>
+          <a:xfrm>
+            <a:off x="1098981" y="1272143"/>
+            <a:ext cx="4122376" cy="461665"/>
+          </a:xfrm>
+          <a:prstGeom prst="rect">
+            <a:avLst/>
           </a:prstGeom>
           <a:noFill/>
-          <a:ln w="28575">
-            <a:solidFill>
-              <a:srgbClr val="64C7E9"/>
-            </a:solidFill>
-            <a:prstDash val="sysDash"/>
-          </a:ln>
-        </p:spPr>
-        <p:style>
-          <a:lnRef idx="2">
-            <a:schemeClr val="accent1">
-              <a:shade val="50000"/>
-            </a:schemeClr>
-          </a:lnRef>
-          <a:fillRef idx="1">
-            <a:schemeClr val="accent1"/>
-          </a:fillRef>
-          <a:effectRef idx="0">
-            <a:schemeClr val="accent1"/>
-          </a:effectRef>
-          <a:fontRef idx="minor">
-            <a:schemeClr val="lt1"/>
-          </a:fontRef>
-        </p:style>
-        <p:txBody>
-          <a:bodyPr rtlCol="0" anchor="ctr"/>
-          <a:lstStyle/>
-          <a:p>
-            <a:pPr algn="ctr"/>
-            <a:endParaRPr lang="en-US"/>
+        </p:spPr>
+        <p:txBody>
+          <a:bodyPr wrap="square" rtlCol="0">
+            <a:spAutoFit/>
+          </a:bodyPr>
+          <a:lstStyle/>
+          <a:p>
+            <a:r>
+              <a:rPr lang="en-US" sz="2400" b="1" dirty="0" smtClean="0">
+                <a:solidFill>
+                  <a:schemeClr val="tx1">
+                    <a:lumMod val="85000"/>
+                    <a:lumOff val="15000"/>
+                  </a:schemeClr>
+                </a:solidFill>
+                <a:latin typeface="UTM Helve" panose="02040603050506020204" pitchFamily="18" charset="0"/>
+                <a:ea typeface="Roboto" pitchFamily="2" charset="0"/>
+              </a:rPr>
+              <a:t>Cài đặt Extentions</a:t>
+            </a:r>
+            <a:endParaRPr lang="en-US" sz="2400" b="1" dirty="0">
+              <a:solidFill>
+                <a:schemeClr val="tx1">
+                  <a:lumMod val="85000"/>
+                  <a:lumOff val="15000"/>
+                </a:schemeClr>
+              </a:solidFill>
+              <a:latin typeface="UTM Helve" panose="02040603050506020204" pitchFamily="18" charset="0"/>
+              <a:ea typeface="Roboto" pitchFamily="2" charset="0"/>
+            </a:endParaRPr>
           </a:p>
         </p:txBody>
       </p:sp>
       <p:pic>
         <p:nvPicPr>
-          <p:cNvPr id="22" name="Picture 21"/>
+          <p:cNvPr id="17" name="Picture 16"/>
           <p:cNvPicPr>
             <a:picLocks noChangeAspect="1"/>
           </p:cNvPicPr>
           <p:nvPr/>
         </p:nvPicPr>
         <p:blipFill>
-          <a:blip r:embed="rId2"/>
-          <a:stretch>
-            <a:fillRect/>
-          </a:stretch>
-        </p:blipFill>
-        <p:spPr>
-          <a:xfrm>
-            <a:off x="5022574" y="1968856"/>
-            <a:ext cx="2800741" cy="590632"/>
-          </a:xfrm>
-          <a:prstGeom prst="rect">
-            <a:avLst/>
-          </a:prstGeom>
-        </p:spPr>
-      </p:pic>
-      <p:pic>
-        <p:nvPicPr>
-          <p:cNvPr id="23" name="Picture 22"/>
-          <p:cNvPicPr>
-            <a:picLocks noChangeAspect="1"/>
-          </p:cNvPicPr>
-          <p:nvPr/>
-        </p:nvPicPr>
-        <p:blipFill>
-          <a:blip r:embed="rId3"/>
-          <a:stretch>
-            <a:fillRect/>
-          </a:stretch>
-        </p:blipFill>
-        <p:spPr>
-          <a:xfrm>
-            <a:off x="5022574" y="3232792"/>
-            <a:ext cx="2133898" cy="581106"/>
-          </a:xfrm>
-          <a:prstGeom prst="rect">
-            <a:avLst/>
-          </a:prstGeom>
-        </p:spPr>
-      </p:pic>
-      <p:sp>
-        <p:nvSpPr>
-          <p:cNvPr id="24" name="Rounded Rectangle 23"/>
-          <p:cNvSpPr/>
-          <p:nvPr/>
-        </p:nvSpPr>
-        <p:spPr>
-          <a:xfrm>
-            <a:off x="473627" y="4985008"/>
-            <a:ext cx="7928251" cy="1183688"/>
-          </a:xfrm>
-          <a:prstGeom prst="roundRect">
-            <a:avLst>
-              <a:gd name="adj" fmla="val 12992"/>
-            </a:avLst>
-          </a:prstGeom>
-          <a:gradFill flip="none" rotWithShape="1">
-            <a:gsLst>
-              <a:gs pos="15000">
-                <a:srgbClr val="67C7DF"/>
-              </a:gs>
-              <a:gs pos="100000">
-                <a:srgbClr val="5EB130"/>
-              </a:gs>
-            </a:gsLst>
-            <a:lin ang="0" scaled="1"/>
-            <a:tileRect/>
-          </a:gradFill>
-          <a:ln>
-            <a:noFill/>
-          </a:ln>
-        </p:spPr>
-        <p:style>
-          <a:lnRef idx="2">
-            <a:schemeClr val="accent1">
-              <a:shade val="50000"/>
-            </a:schemeClr>
-          </a:lnRef>
-          <a:fillRef idx="1">
-            <a:schemeClr val="accent1"/>
-          </a:fillRef>
-          <a:effectRef idx="0">
-            <a:schemeClr val="accent1"/>
-          </a:effectRef>
-          <a:fontRef idx="minor">
-            <a:schemeClr val="lt1"/>
-          </a:fontRef>
-        </p:style>
-        <p:txBody>
-          <a:bodyPr rtlCol="0" anchor="ctr"/>
-          <a:lstStyle/>
-          <a:p>
-            <a:pPr algn="ctr"/>
-            <a:endParaRPr lang="en-US"/>
-          </a:p>
-        </p:txBody>
-      </p:sp>
-      <p:pic>
-        <p:nvPicPr>
-          <p:cNvPr id="25" name="Picture 24"/>
-          <p:cNvPicPr>
-            <a:picLocks noChangeAspect="1"/>
-          </p:cNvPicPr>
-          <p:nvPr/>
-        </p:nvPicPr>
-        <p:blipFill>
-          <a:blip r:embed="rId4">
+          <a:blip r:embed="rId3">
             <a:extLst>
               <a:ext uri="{28A0092B-C50C-407E-A947-70E740481C1C}">
                 <a14:useLocalDpi xmlns:a14="http://schemas.microsoft.com/office/drawing/2010/main" val="0"/>
@@ -8669,8 +9158,8 @@
         </p:blipFill>
         <p:spPr>
           <a:xfrm>
-            <a:off x="6948487" y="4035043"/>
-            <a:ext cx="1749655" cy="1644413"/>
+            <a:off x="542728" y="1366558"/>
+            <a:ext cx="466725" cy="409575"/>
           </a:xfrm>
           <a:prstGeom prst="rect">
             <a:avLst/>
@@ -8679,14 +9168,14 @@
       </p:pic>
       <p:sp>
         <p:nvSpPr>
-          <p:cNvPr id="26" name="TextBox 25"/>
+          <p:cNvPr id="18" name="TextBox 17"/>
           <p:cNvSpPr txBox="1"/>
           <p:nvPr/>
         </p:nvSpPr>
         <p:spPr>
           <a:xfrm>
-            <a:off x="1590261" y="5229347"/>
-            <a:ext cx="5358226" cy="707886"/>
+            <a:off x="248815" y="546584"/>
+            <a:ext cx="7374995" cy="461665"/>
           </a:xfrm>
           <a:prstGeom prst="rect">
             <a:avLst/>
@@ -8700,55 +9189,29 @@
           <a:lstStyle/>
           <a:p>
             <a:r>
-              <a:rPr lang="en-US" sz="2000" dirty="0" smtClean="0">
+              <a:rPr lang="en-US" sz="2400" b="1" dirty="0" smtClean="0">
                 <a:solidFill>
-                  <a:schemeClr val="bg1"/>
+                  <a:srgbClr val="64C7E9"/>
                 </a:solidFill>
-              </a:rPr>
-              <a:t>Bạn có thể dùng kết hợp với cảm biến ánh sáng, khi trời tối thì tự động bật đèn trước lên</a:t>
-            </a:r>
-            <a:endParaRPr lang="en-US" sz="2000" dirty="0">
+                <a:latin typeface="UTM Helve" panose="02040603050506020204" pitchFamily="18" charset="0"/>
+                <a:ea typeface="Roboto" pitchFamily="2" charset="0"/>
+              </a:rPr>
+              <a:t>16.2 Cách sử dụng Cảm biến MakeLine</a:t>
+            </a:r>
+            <a:endParaRPr lang="en-US" sz="2400" b="1" dirty="0">
               <a:solidFill>
-                <a:schemeClr val="bg1"/>
+                <a:srgbClr val="64C7E9"/>
               </a:solidFill>
+              <a:latin typeface="UTM Helve" panose="02040603050506020204" pitchFamily="18" charset="0"/>
+              <a:ea typeface="Roboto" pitchFamily="2" charset="0"/>
             </a:endParaRPr>
           </a:p>
         </p:txBody>
       </p:sp>
-      <p:pic>
-        <p:nvPicPr>
-          <p:cNvPr id="28" name="Picture 27"/>
-          <p:cNvPicPr>
-            <a:picLocks noChangeAspect="1"/>
-          </p:cNvPicPr>
-          <p:nvPr/>
-        </p:nvPicPr>
-        <p:blipFill>
-          <a:blip r:embed="rId5" cstate="print">
-            <a:extLst>
-              <a:ext uri="{28A0092B-C50C-407E-A947-70E740481C1C}">
-                <a14:useLocalDpi xmlns:a14="http://schemas.microsoft.com/office/drawing/2010/main" val="0"/>
-              </a:ext>
-            </a:extLst>
-          </a:blip>
-          <a:stretch>
-            <a:fillRect/>
-          </a:stretch>
-        </p:blipFill>
-        <p:spPr>
-          <a:xfrm>
-            <a:off x="730099" y="5120764"/>
-            <a:ext cx="740892" cy="852026"/>
-          </a:xfrm>
-          <a:prstGeom prst="rect">
-            <a:avLst/>
-          </a:prstGeom>
-        </p:spPr>
-      </p:pic>
     </p:spTree>
     <p:extLst>
       <p:ext uri="{BB962C8B-B14F-4D97-AF65-F5344CB8AC3E}">
-        <p14:creationId xmlns:p14="http://schemas.microsoft.com/office/powerpoint/2010/main" val="4186408214"/>
+        <p14:creationId xmlns:p14="http://schemas.microsoft.com/office/powerpoint/2010/main" val="2366677180"/>
       </p:ext>
     </p:extLst>
   </p:cSld>
@@ -8856,48 +9319,13 @@
       </p:sp>
       <p:sp>
         <p:nvSpPr>
-          <p:cNvPr id="4" name="TextBox 3"/>
-          <p:cNvSpPr txBox="1"/>
-          <p:nvPr/>
-        </p:nvSpPr>
-        <p:spPr>
-          <a:xfrm>
-            <a:off x="248815" y="546584"/>
-            <a:ext cx="7374995" cy="461665"/>
-          </a:xfrm>
-          <a:prstGeom prst="rect">
-            <a:avLst/>
-          </a:prstGeom>
-          <a:noFill/>
-        </p:spPr>
-        <p:txBody>
-          <a:bodyPr wrap="square" rtlCol="0">
-            <a:spAutoFit/>
-          </a:bodyPr>
-          <a:lstStyle/>
-          <a:p>
-            <a:r>
-              <a:rPr lang="en-US" sz="2400" b="1" dirty="0">
-                <a:solidFill>
-                  <a:srgbClr val="64C7E9"/>
-                </a:solidFill>
-                <a:latin typeface="UTM Helve" panose="02040603050506020204" pitchFamily="18" charset="0"/>
-                <a:ea typeface="Roboto" pitchFamily="2" charset="0"/>
-              </a:rPr>
-              <a:t>12.3 RGB LED</a:t>
-            </a:r>
-          </a:p>
-        </p:txBody>
-      </p:sp>
-      <p:sp>
-        <p:nvSpPr>
           <p:cNvPr id="6" name="Rectangle 5"/>
           <p:cNvSpPr/>
           <p:nvPr/>
         </p:nvSpPr>
         <p:spPr>
           <a:xfrm>
-            <a:off x="644352" y="2899420"/>
+            <a:off x="644352" y="3484577"/>
             <a:ext cx="171494" cy="171494"/>
           </a:xfrm>
           <a:prstGeom prst="rect">
@@ -8943,8 +9371,8 @@
         </p:nvSpPr>
         <p:spPr>
           <a:xfrm>
-            <a:off x="924201" y="2799937"/>
-            <a:ext cx="3436673" cy="400110"/>
+            <a:off x="924201" y="3332086"/>
+            <a:ext cx="3436673" cy="707886"/>
           </a:xfrm>
           <a:prstGeom prst="rect">
             <a:avLst/>
@@ -8961,7 +9389,19 @@
               <a:rPr lang="en-US" sz="2000" dirty="0" smtClean="0">
                 <a:cs typeface="Arial" panose="020B0604020202020204" pitchFamily="34" charset="0"/>
               </a:rPr>
-              <a:t>Nhấn nút A thì bật đèn trái</a:t>
+              <a:t>Nếu là </a:t>
+            </a:r>
+            <a:r>
+              <a:rPr lang="en-US" sz="2000" b="1" dirty="0" smtClean="0">
+                <a:cs typeface="Arial" panose="020B0604020202020204" pitchFamily="34" charset="0"/>
+              </a:rPr>
+              <a:t>center</a:t>
+            </a:r>
+            <a:r>
+              <a:rPr lang="en-US" sz="2000" dirty="0" smtClean="0">
+                <a:cs typeface="Arial" panose="020B0604020202020204" pitchFamily="34" charset="0"/>
+              </a:rPr>
+              <a:t> thì cho xe chạy thẳng</a:t>
             </a:r>
             <a:endParaRPr lang="en-US" dirty="0">
               <a:latin typeface="Arial" panose="020B0604020202020204" pitchFamily="34" charset="0"/>
@@ -8978,7 +9418,7 @@
         </p:nvSpPr>
         <p:spPr>
           <a:xfrm>
-            <a:off x="644352" y="3502836"/>
+            <a:off x="644352" y="4260543"/>
             <a:ext cx="171494" cy="171494"/>
           </a:xfrm>
           <a:prstGeom prst="rect">
@@ -9024,8 +9464,8 @@
         </p:nvSpPr>
         <p:spPr>
           <a:xfrm>
-            <a:off x="644351" y="4124162"/>
-            <a:ext cx="185997" cy="171494"/>
+            <a:off x="644352" y="5922886"/>
+            <a:ext cx="171494" cy="171494"/>
           </a:xfrm>
           <a:prstGeom prst="rect">
             <a:avLst/>
@@ -9148,8 +9588,8 @@
         </p:nvSpPr>
         <p:spPr>
           <a:xfrm>
-            <a:off x="924201" y="3371253"/>
-            <a:ext cx="3436673" cy="400110"/>
+            <a:off x="924201" y="4128960"/>
+            <a:ext cx="3436673" cy="707886"/>
           </a:xfrm>
           <a:prstGeom prst="rect">
             <a:avLst/>
@@ -9166,7 +9606,19 @@
               <a:rPr lang="en-US" sz="2000" dirty="0" smtClean="0">
                 <a:cs typeface="Arial" panose="020B0604020202020204" pitchFamily="34" charset="0"/>
               </a:rPr>
-              <a:t>Nhấn nút B thì bật đèn phải</a:t>
+              <a:t>Nếu là </a:t>
+            </a:r>
+            <a:r>
+              <a:rPr lang="en-US" sz="2000" b="1" dirty="0" smtClean="0">
+                <a:cs typeface="Arial" panose="020B0604020202020204" pitchFamily="34" charset="0"/>
+              </a:rPr>
+              <a:t>left</a:t>
+            </a:r>
+            <a:r>
+              <a:rPr lang="en-US" sz="2000" dirty="0" smtClean="0">
+                <a:cs typeface="Arial" panose="020B0604020202020204" pitchFamily="34" charset="0"/>
+              </a:rPr>
+              <a:t> thì cho xe rẻ trái bằng block như hình bên</a:t>
             </a:r>
             <a:endParaRPr lang="en-US" dirty="0">
               <a:latin typeface="Arial" panose="020B0604020202020204" pitchFamily="34" charset="0"/>
@@ -9183,8 +9635,8 @@
         </p:nvSpPr>
         <p:spPr>
           <a:xfrm>
-            <a:off x="924201" y="4000236"/>
-            <a:ext cx="3727312" cy="400110"/>
+            <a:off x="924201" y="5798960"/>
+            <a:ext cx="3436673" cy="707886"/>
           </a:xfrm>
           <a:prstGeom prst="rect">
             <a:avLst/>
@@ -9201,7 +9653,7 @@
               <a:rPr lang="en-US" sz="2000" dirty="0" smtClean="0">
                 <a:cs typeface="Arial" panose="020B0604020202020204" pitchFamily="34" charset="0"/>
               </a:rPr>
-              <a:t>Nhấn nút A+B thì bật cả 2 đèn</a:t>
+              <a:t>Tương tự cho far left và far right </a:t>
             </a:r>
             <a:endParaRPr lang="en-US" dirty="0">
               <a:latin typeface="Arial" panose="020B0604020202020204" pitchFamily="34" charset="0"/>
@@ -9218,8 +9670,8 @@
         </p:nvSpPr>
         <p:spPr>
           <a:xfrm>
-            <a:off x="542728" y="1810720"/>
-            <a:ext cx="4546107" cy="707886"/>
+            <a:off x="542728" y="1894256"/>
+            <a:ext cx="3818146" cy="1323439"/>
           </a:xfrm>
           <a:prstGeom prst="rect">
             <a:avLst/>
@@ -9236,7 +9688,19 @@
               <a:rPr lang="en-US" sz="2000" dirty="0" smtClean="0">
                 <a:cs typeface="Arial" panose="020B0604020202020204" pitchFamily="34" charset="0"/>
               </a:rPr>
-              <a:t>Ví dụ tham khảo về cách bật và tắt 2 đèn trước</a:t>
+              <a:t>Block </a:t>
+            </a:r>
+            <a:r>
+              <a:rPr lang="en-US" sz="2000" b="1" dirty="0" smtClean="0">
+                <a:cs typeface="Arial" panose="020B0604020202020204" pitchFamily="34" charset="0"/>
+              </a:rPr>
+              <a:t>line detected on center </a:t>
+            </a:r>
+            <a:r>
+              <a:rPr lang="en-US" sz="2000" dirty="0" smtClean="0">
+                <a:cs typeface="Arial" panose="020B0604020202020204" pitchFamily="34" charset="0"/>
+              </a:rPr>
+              <a:t>nằm trong nhóm ZOOM:BIT. Các bạn dùng if else để kiểm tra giá trị mà cảm biến thu được</a:t>
             </a:r>
             <a:endParaRPr lang="en-US" dirty="0">
               <a:latin typeface="Arial" panose="020B0604020202020204" pitchFamily="34" charset="0"/>
@@ -9261,8 +9725,8 @@
         </p:blipFill>
         <p:spPr>
           <a:xfrm>
-            <a:off x="5310885" y="1462995"/>
-            <a:ext cx="2991267" cy="4801270"/>
+            <a:off x="4461944" y="1314996"/>
+            <a:ext cx="4248743" cy="5191850"/>
           </a:xfrm>
           <a:prstGeom prst="rect">
             <a:avLst/>
@@ -9277,8 +9741,8 @@
         </p:nvSpPr>
         <p:spPr>
           <a:xfrm>
-            <a:off x="644351" y="4760266"/>
-            <a:ext cx="185997" cy="171494"/>
+            <a:off x="644352" y="5095430"/>
+            <a:ext cx="171494" cy="171494"/>
           </a:xfrm>
           <a:prstGeom prst="rect">
             <a:avLst/>
@@ -9323,8 +9787,8 @@
         </p:nvSpPr>
         <p:spPr>
           <a:xfrm>
-            <a:off x="924201" y="4636340"/>
-            <a:ext cx="3727312" cy="400110"/>
+            <a:off x="924201" y="4963847"/>
+            <a:ext cx="3661051" cy="707886"/>
           </a:xfrm>
           <a:prstGeom prst="rect">
             <a:avLst/>
@@ -9341,7 +9805,19 @@
               <a:rPr lang="en-US" sz="2000" dirty="0" smtClean="0">
                 <a:cs typeface="Arial" panose="020B0604020202020204" pitchFamily="34" charset="0"/>
               </a:rPr>
-              <a:t>Chạm vào Logo thì tắt cả 2 đèn</a:t>
+              <a:t>Nếu là </a:t>
+            </a:r>
+            <a:r>
+              <a:rPr lang="en-US" sz="2000" b="1" dirty="0" smtClean="0">
+                <a:cs typeface="Arial" panose="020B0604020202020204" pitchFamily="34" charset="0"/>
+              </a:rPr>
+              <a:t>rigth</a:t>
+            </a:r>
+            <a:r>
+              <a:rPr lang="en-US" sz="2000" dirty="0" smtClean="0">
+                <a:cs typeface="Arial" panose="020B0604020202020204" pitchFamily="34" charset="0"/>
+              </a:rPr>
+              <a:t> thì cho xe rẻ phải bằng block như hình bên</a:t>
             </a:r>
             <a:endParaRPr lang="en-US" dirty="0">
               <a:latin typeface="Arial" panose="020B0604020202020204" pitchFamily="34" charset="0"/>
@@ -9350,58 +9826,52 @@
           </a:p>
         </p:txBody>
       </p:sp>
-      <p:pic>
-        <p:nvPicPr>
-          <p:cNvPr id="9" name="Picture 8"/>
-          <p:cNvPicPr>
-            <a:picLocks noChangeAspect="1"/>
-          </p:cNvPicPr>
-          <p:nvPr/>
-        </p:nvPicPr>
-        <p:blipFill>
-          <a:blip r:embed="rId4"/>
-          <a:stretch>
-            <a:fillRect/>
-          </a:stretch>
-        </p:blipFill>
-        <p:spPr>
-          <a:xfrm>
-            <a:off x="788393" y="5705377"/>
-            <a:ext cx="657317" cy="724001"/>
-          </a:xfrm>
-          <a:prstGeom prst="rect">
-            <a:avLst/>
-          </a:prstGeom>
-        </p:spPr>
-      </p:pic>
-      <p:pic>
-        <p:nvPicPr>
-          <p:cNvPr id="11" name="Picture 10"/>
-          <p:cNvPicPr>
-            <a:picLocks noChangeAspect="1"/>
-          </p:cNvPicPr>
-          <p:nvPr/>
-        </p:nvPicPr>
-        <p:blipFill>
-          <a:blip r:embed="rId5"/>
-          <a:stretch>
-            <a:fillRect/>
-          </a:stretch>
-        </p:blipFill>
-        <p:spPr>
-          <a:xfrm>
-            <a:off x="1681910" y="5643901"/>
-            <a:ext cx="590632" cy="743054"/>
-          </a:xfrm>
-          <a:prstGeom prst="rect">
-            <a:avLst/>
-          </a:prstGeom>
-        </p:spPr>
-      </p:pic>
+      <p:sp>
+        <p:nvSpPr>
+          <p:cNvPr id="28" name="TextBox 27"/>
+          <p:cNvSpPr txBox="1"/>
+          <p:nvPr/>
+        </p:nvSpPr>
+        <p:spPr>
+          <a:xfrm>
+            <a:off x="248815" y="546584"/>
+            <a:ext cx="7374995" cy="461665"/>
+          </a:xfrm>
+          <a:prstGeom prst="rect">
+            <a:avLst/>
+          </a:prstGeom>
+          <a:noFill/>
+        </p:spPr>
+        <p:txBody>
+          <a:bodyPr wrap="square" rtlCol="0">
+            <a:spAutoFit/>
+          </a:bodyPr>
+          <a:lstStyle/>
+          <a:p>
+            <a:r>
+              <a:rPr lang="en-US" sz="2400" b="1" dirty="0" smtClean="0">
+                <a:solidFill>
+                  <a:srgbClr val="64C7E9"/>
+                </a:solidFill>
+                <a:latin typeface="UTM Helve" panose="02040603050506020204" pitchFamily="18" charset="0"/>
+                <a:ea typeface="Roboto" pitchFamily="2" charset="0"/>
+              </a:rPr>
+              <a:t>16.2 Cách sử dụng Cảm biến MakeLine</a:t>
+            </a:r>
+            <a:endParaRPr lang="en-US" sz="2400" b="1" dirty="0">
+              <a:solidFill>
+                <a:srgbClr val="64C7E9"/>
+              </a:solidFill>
+              <a:latin typeface="UTM Helve" panose="02040603050506020204" pitchFamily="18" charset="0"/>
+              <a:ea typeface="Roboto" pitchFamily="2" charset="0"/>
+            </a:endParaRPr>
+          </a:p>
+        </p:txBody>
+      </p:sp>
     </p:spTree>
     <p:extLst>
       <p:ext uri="{BB962C8B-B14F-4D97-AF65-F5344CB8AC3E}">
-        <p14:creationId xmlns:p14="http://schemas.microsoft.com/office/powerpoint/2010/main" val="3920486458"/>
+        <p14:creationId xmlns:p14="http://schemas.microsoft.com/office/powerpoint/2010/main" val="996229113"/>
       </p:ext>
     </p:extLst>
   </p:cSld>

--- a/Lessions/Bai-16-Maker-Line-Sensor/Bai-16-Maker-Line-Sensor.pptx
+++ b/Lessions/Bai-16-Maker-Line-Sensor/Bai-16-Maker-Line-Sensor.pptx
@@ -5,7 +5,7 @@
     <p:sldMasterId id="2147483660" r:id="rId1"/>
   </p:sldMasterIdLst>
   <p:notesMasterIdLst>
-    <p:notesMasterId r:id="rId17"/>
+    <p:notesMasterId r:id="rId15"/>
   </p:notesMasterIdLst>
   <p:sldIdLst>
     <p:sldId id="256" r:id="rId2"/>
@@ -18,11 +18,9 @@
     <p:sldId id="284" r:id="rId9"/>
     <p:sldId id="288" r:id="rId10"/>
     <p:sldId id="289" r:id="rId11"/>
-    <p:sldId id="266" r:id="rId12"/>
-    <p:sldId id="268" r:id="rId13"/>
-    <p:sldId id="277" r:id="rId14"/>
-    <p:sldId id="296" r:id="rId15"/>
-    <p:sldId id="295" r:id="rId16"/>
+    <p:sldId id="277" r:id="rId12"/>
+    <p:sldId id="296" r:id="rId13"/>
+    <p:sldId id="295" r:id="rId14"/>
   </p:sldIdLst>
   <p:sldSz cx="9144000" cy="6858000" type="screen4x3"/>
   <p:notesSz cx="6858000" cy="9144000"/>
@@ -211,7 +209,7 @@
           <a:p>
             <a:fld id="{E1BDF935-9821-4834-9D99-7DEFA719F44D}" type="datetimeFigureOut">
               <a:rPr lang="en-US" smtClean="0"/>
-              <a:t>5/27/2023</a:t>
+              <a:t>6/13/2024</a:t>
             </a:fld>
             <a:endParaRPr lang="en-US"/>
           </a:p>
@@ -2520,16 +2518,7 @@
                 </a:solidFill>
                 <a:latin typeface="GT Walsheim Bold" panose="00000800000000000000" pitchFamily="2" charset="0"/>
               </a:rPr>
-              <a:t>BÀI </a:t>
-            </a:r>
-            <a:r>
-              <a:rPr lang="en-US" sz="3600" b="1" dirty="0" smtClean="0">
-                <a:solidFill>
-                  <a:schemeClr val="bg1"/>
-                </a:solidFill>
-                <a:latin typeface="GT Walsheim Bold" panose="00000800000000000000" pitchFamily="2" charset="0"/>
-              </a:rPr>
-              <a:t>16</a:t>
+              <a:t>BÀI 16</a:t>
             </a:r>
             <a:endParaRPr lang="en-US" sz="3600" b="1" dirty="0">
               <a:solidFill>
@@ -2593,6 +2582,13 @@
   <p:clrMapOvr>
     <a:masterClrMapping/>
   </p:clrMapOvr>
+  <p:timing>
+    <p:tnLst>
+      <p:par>
+        <p:cTn id="1" dur="indefinite" restart="never" nodeType="tmRoot"/>
+      </p:par>
+    </p:tnLst>
+  </p:timing>
 </p:sld>
 </file>
 
@@ -3201,7 +3197,182 @@
       </p:sp>
       <p:sp>
         <p:nvSpPr>
-          <p:cNvPr id="3" name="Title 1"/>
+          <p:cNvPr id="3" name="Rectangle 2"/>
+          <p:cNvSpPr/>
+          <p:nvPr/>
+        </p:nvSpPr>
+        <p:spPr>
+          <a:xfrm>
+            <a:off x="301925" y="1051379"/>
+            <a:ext cx="8454964" cy="27432"/>
+          </a:xfrm>
+          <a:prstGeom prst="rect">
+            <a:avLst/>
+          </a:prstGeom>
+          <a:gradFill flip="none" rotWithShape="1">
+            <a:gsLst>
+              <a:gs pos="15000">
+                <a:srgbClr val="67C7DF"/>
+              </a:gs>
+              <a:gs pos="100000">
+                <a:srgbClr val="5EB130"/>
+              </a:gs>
+            </a:gsLst>
+            <a:lin ang="0" scaled="1"/>
+            <a:tileRect/>
+          </a:gradFill>
+          <a:ln>
+            <a:noFill/>
+          </a:ln>
+        </p:spPr>
+        <p:style>
+          <a:lnRef idx="2">
+            <a:schemeClr val="accent1">
+              <a:shade val="50000"/>
+            </a:schemeClr>
+          </a:lnRef>
+          <a:fillRef idx="1">
+            <a:schemeClr val="accent1"/>
+          </a:fillRef>
+          <a:effectRef idx="0">
+            <a:schemeClr val="accent1"/>
+          </a:effectRef>
+          <a:fontRef idx="minor">
+            <a:schemeClr val="lt1"/>
+          </a:fontRef>
+        </p:style>
+        <p:txBody>
+          <a:bodyPr rtlCol="0" anchor="ctr"/>
+          <a:lstStyle/>
+          <a:p>
+            <a:pPr algn="ctr"/>
+            <a:endParaRPr lang="en-US"/>
+          </a:p>
+        </p:txBody>
+      </p:sp>
+      <p:sp>
+        <p:nvSpPr>
+          <p:cNvPr id="4" name="TextBox 3"/>
+          <p:cNvSpPr txBox="1"/>
+          <p:nvPr/>
+        </p:nvSpPr>
+        <p:spPr>
+          <a:xfrm>
+            <a:off x="248815" y="546584"/>
+            <a:ext cx="7374995" cy="461665"/>
+          </a:xfrm>
+          <a:prstGeom prst="rect">
+            <a:avLst/>
+          </a:prstGeom>
+          <a:noFill/>
+        </p:spPr>
+        <p:txBody>
+          <a:bodyPr wrap="square" rtlCol="0">
+            <a:spAutoFit/>
+          </a:bodyPr>
+          <a:lstStyle/>
+          <a:p>
+            <a:r>
+              <a:rPr lang="en-US" sz="2400" b="1" dirty="0" smtClean="0">
+                <a:solidFill>
+                  <a:srgbClr val="64C7E9"/>
+                </a:solidFill>
+                <a:latin typeface="UTM Helve" panose="02040603050506020204" pitchFamily="18" charset="0"/>
+                <a:ea typeface="Roboto" pitchFamily="2" charset="0"/>
+              </a:rPr>
+              <a:t>16.4 Hoạt động học viên</a:t>
+            </a:r>
+            <a:endParaRPr lang="en-US" sz="2400" b="1" dirty="0">
+              <a:solidFill>
+                <a:srgbClr val="64C7E9"/>
+              </a:solidFill>
+              <a:latin typeface="UTM Helve" panose="02040603050506020204" pitchFamily="18" charset="0"/>
+              <a:ea typeface="Roboto" pitchFamily="2" charset="0"/>
+            </a:endParaRPr>
+          </a:p>
+        </p:txBody>
+      </p:sp>
+      <p:sp>
+        <p:nvSpPr>
+          <p:cNvPr id="5" name="TextBox 4"/>
+          <p:cNvSpPr txBox="1"/>
+          <p:nvPr/>
+        </p:nvSpPr>
+        <p:spPr>
+          <a:xfrm>
+            <a:off x="1265306" y="1364739"/>
+            <a:ext cx="4313859" cy="461665"/>
+          </a:xfrm>
+          <a:prstGeom prst="rect">
+            <a:avLst/>
+          </a:prstGeom>
+          <a:noFill/>
+        </p:spPr>
+        <p:txBody>
+          <a:bodyPr wrap="square" rtlCol="0">
+            <a:spAutoFit/>
+          </a:bodyPr>
+          <a:lstStyle/>
+          <a:p>
+            <a:r>
+              <a:rPr lang="en-US" sz="2400" b="1" dirty="0" smtClean="0">
+                <a:solidFill>
+                  <a:schemeClr val="tx1">
+                    <a:lumMod val="85000"/>
+                    <a:lumOff val="15000"/>
+                  </a:schemeClr>
+                </a:solidFill>
+                <a:latin typeface="UTM Helve" panose="02040603050506020204" pitchFamily="18" charset="0"/>
+                <a:ea typeface="Roboto" pitchFamily="2" charset="0"/>
+              </a:rPr>
+              <a:t>Giải đua công xe thức 1</a:t>
+            </a:r>
+            <a:endParaRPr lang="en-US" sz="2400" b="1" dirty="0">
+              <a:solidFill>
+                <a:schemeClr val="tx1">
+                  <a:lumMod val="85000"/>
+                  <a:lumOff val="15000"/>
+                </a:schemeClr>
+              </a:solidFill>
+              <a:latin typeface="UTM Helve" panose="02040603050506020204" pitchFamily="18" charset="0"/>
+              <a:ea typeface="Roboto" pitchFamily="2" charset="0"/>
+            </a:endParaRPr>
+          </a:p>
+        </p:txBody>
+      </p:sp>
+      <p:pic>
+        <p:nvPicPr>
+          <p:cNvPr id="6" name="Picture 5"/>
+          <p:cNvPicPr>
+            <a:picLocks noChangeAspect="1"/>
+          </p:cNvPicPr>
+          <p:nvPr/>
+        </p:nvPicPr>
+        <p:blipFill>
+          <a:blip r:embed="rId2">
+            <a:extLst>
+              <a:ext uri="{28A0092B-C50C-407E-A947-70E740481C1C}">
+                <a14:useLocalDpi xmlns:a14="http://schemas.microsoft.com/office/drawing/2010/main" val="0"/>
+              </a:ext>
+            </a:extLst>
+          </a:blip>
+          <a:stretch>
+            <a:fillRect/>
+          </a:stretch>
+        </p:blipFill>
+        <p:spPr>
+          <a:xfrm>
+            <a:off x="709053" y="1437696"/>
+            <a:ext cx="466725" cy="409575"/>
+          </a:xfrm>
+          <a:prstGeom prst="rect">
+            <a:avLst/>
+          </a:prstGeom>
+        </p:spPr>
+      </p:pic>
+      <p:sp>
+        <p:nvSpPr>
+          <p:cNvPr id="21" name="Title 1"/>
           <p:cNvSpPr txBox="1">
             <a:spLocks/>
           </p:cNvSpPr>
@@ -3209,8 +3380,8 @@
         </p:nvSpPr>
         <p:spPr>
           <a:xfrm>
-            <a:off x="709053" y="4862785"/>
-            <a:ext cx="5644503" cy="508846"/>
+            <a:off x="709053" y="2028427"/>
+            <a:ext cx="7118507" cy="429492"/>
           </a:xfrm>
           <a:prstGeom prst="rect">
             <a:avLst/>
@@ -3253,38 +3424,69 @@
                 </a:solidFill>
                 <a:ea typeface="Roboto Condensed" pitchFamily="2" charset="0"/>
               </a:rPr>
-              <a:t>Bước 1: Click Download tải file về máy tính</a:t>
-            </a:r>
-          </a:p>
-        </p:txBody>
-      </p:sp>
-      <p:pic>
-        <p:nvPicPr>
-          <p:cNvPr id="4" name="Picture 3"/>
-          <p:cNvPicPr>
-            <a:picLocks noChangeAspect="1"/>
-          </p:cNvPicPr>
-          <p:nvPr/>
-        </p:nvPicPr>
-        <p:blipFill>
-          <a:blip r:embed="rId2"/>
-          <a:stretch>
-            <a:fillRect/>
-          </a:stretch>
-        </p:blipFill>
-        <p:spPr>
-          <a:xfrm>
-            <a:off x="5743928" y="4822111"/>
-            <a:ext cx="2909512" cy="456394"/>
-          </a:xfrm>
-          <a:prstGeom prst="rect">
-            <a:avLst/>
-          </a:prstGeom>
-        </p:spPr>
-      </p:pic>
-      <p:sp>
-        <p:nvSpPr>
-          <p:cNvPr id="5" name="Title 1"/>
+              <a:t>Các bạn sẽ chia đội ra đi thi đấu với thể lệ giải đua như sau:</a:t>
+            </a:r>
+            <a:endParaRPr lang="en-US" sz="2000" dirty="0" smtClean="0">
+              <a:solidFill>
+                <a:schemeClr val="tx1">
+                  <a:lumMod val="95000"/>
+                  <a:lumOff val="5000"/>
+                </a:schemeClr>
+              </a:solidFill>
+              <a:ea typeface="Roboto Condensed" pitchFamily="2" charset="0"/>
+            </a:endParaRPr>
+          </a:p>
+        </p:txBody>
+      </p:sp>
+      <p:sp>
+        <p:nvSpPr>
+          <p:cNvPr id="11" name="Rectangle 10"/>
+          <p:cNvSpPr/>
+          <p:nvPr/>
+        </p:nvSpPr>
+        <p:spPr>
+          <a:xfrm>
+            <a:off x="709053" y="2893329"/>
+            <a:ext cx="208189" cy="171494"/>
+          </a:xfrm>
+          <a:prstGeom prst="rect">
+            <a:avLst/>
+          </a:prstGeom>
+          <a:solidFill>
+            <a:srgbClr val="64C7E9"/>
+          </a:solidFill>
+          <a:ln>
+            <a:noFill/>
+          </a:ln>
+        </p:spPr>
+        <p:style>
+          <a:lnRef idx="2">
+            <a:schemeClr val="accent1">
+              <a:shade val="50000"/>
+            </a:schemeClr>
+          </a:lnRef>
+          <a:fillRef idx="1">
+            <a:schemeClr val="accent1"/>
+          </a:fillRef>
+          <a:effectRef idx="0">
+            <a:schemeClr val="accent1"/>
+          </a:effectRef>
+          <a:fontRef idx="minor">
+            <a:schemeClr val="lt1"/>
+          </a:fontRef>
+        </p:style>
+        <p:txBody>
+          <a:bodyPr rtlCol="0" anchor="ctr"/>
+          <a:lstStyle/>
+          <a:p>
+            <a:pPr algn="ctr"/>
+            <a:endParaRPr lang="en-US"/>
+          </a:p>
+        </p:txBody>
+      </p:sp>
+      <p:sp>
+        <p:nvSpPr>
+          <p:cNvPr id="12" name="Title 1"/>
           <p:cNvSpPr txBox="1">
             <a:spLocks/>
           </p:cNvSpPr>
@@ -3292,8 +3494,8 @@
         </p:nvSpPr>
         <p:spPr>
           <a:xfrm>
-            <a:off x="709053" y="5412305"/>
-            <a:ext cx="8047836" cy="496573"/>
+            <a:off x="946807" y="3583957"/>
+            <a:ext cx="3979607" cy="1016883"/>
           </a:xfrm>
           <a:prstGeom prst="rect">
             <a:avLst/>
@@ -3327,7 +3529,7 @@
               </a:lnSpc>
             </a:pPr>
             <a:r>
-              <a:rPr lang="en-US" sz="2000" b="0" dirty="0" smtClean="0">
+              <a:rPr lang="vi-VN" sz="2000" b="0" dirty="0">
                 <a:solidFill>
                   <a:schemeClr val="tx1">
                     <a:lumMod val="95000"/>
@@ -3336,115 +3538,69 @@
                 </a:solidFill>
                 <a:ea typeface="Roboto Condensed" pitchFamily="2" charset="0"/>
               </a:rPr>
-              <a:t>Bước 2: Gắn đầu USB vào máy tính, đầu micro USB vào micro:bit </a:t>
-            </a:r>
-          </a:p>
-        </p:txBody>
-      </p:sp>
-      <p:sp>
-        <p:nvSpPr>
-          <p:cNvPr id="8" name="TextBox 7"/>
-          <p:cNvSpPr txBox="1"/>
-          <p:nvPr/>
-        </p:nvSpPr>
-        <p:spPr>
-          <a:xfrm>
-            <a:off x="1265305" y="1364739"/>
-            <a:ext cx="5649845" cy="461665"/>
-          </a:xfrm>
-          <a:prstGeom prst="rect">
-            <a:avLst/>
-          </a:prstGeom>
-          <a:noFill/>
-        </p:spPr>
-        <p:txBody>
-          <a:bodyPr wrap="square" rtlCol="0">
-            <a:spAutoFit/>
-          </a:bodyPr>
-          <a:lstStyle/>
-          <a:p>
-            <a:r>
-              <a:rPr lang="en-US" sz="2400" b="1" dirty="0" smtClean="0">
-                <a:solidFill>
-                  <a:schemeClr val="tx1">
-                    <a:lumMod val="85000"/>
-                    <a:lumOff val="15000"/>
-                  </a:schemeClr>
-                </a:solidFill>
-                <a:latin typeface="UTM Helve" panose="02040603050506020204" pitchFamily="18" charset="0"/>
-                <a:ea typeface="Roboto" pitchFamily="2" charset="0"/>
-              </a:rPr>
-              <a:t>Đưa chương trình vào micro:bit</a:t>
-            </a:r>
-            <a:endParaRPr lang="en-US" sz="2400" b="1" dirty="0">
+              <a:t>Sau 20 phút đội nào chưa lập trình xong thì LOẠI, cá đội còn lại thi đấu</a:t>
+            </a:r>
+            <a:endParaRPr lang="en-US" sz="2000" dirty="0" smtClean="0">
               <a:solidFill>
                 <a:schemeClr val="tx1">
-                  <a:lumMod val="85000"/>
-                  <a:lumOff val="15000"/>
+                  <a:lumMod val="95000"/>
+                  <a:lumOff val="5000"/>
                 </a:schemeClr>
               </a:solidFill>
-              <a:latin typeface="UTM Helve" panose="02040603050506020204" pitchFamily="18" charset="0"/>
-              <a:ea typeface="Roboto" pitchFamily="2" charset="0"/>
+              <a:ea typeface="Roboto Condensed" pitchFamily="2" charset="0"/>
             </a:endParaRPr>
           </a:p>
         </p:txBody>
       </p:sp>
-      <p:pic>
-        <p:nvPicPr>
-          <p:cNvPr id="9" name="Picture 8"/>
-          <p:cNvPicPr>
-            <a:picLocks noChangeAspect="1"/>
-          </p:cNvPicPr>
-          <p:nvPr/>
-        </p:nvPicPr>
-        <p:blipFill>
-          <a:blip r:embed="rId3">
-            <a:extLst>
-              <a:ext uri="{28A0092B-C50C-407E-A947-70E740481C1C}">
-                <a14:useLocalDpi xmlns:a14="http://schemas.microsoft.com/office/drawing/2010/main" val="0"/>
-              </a:ext>
-            </a:extLst>
-          </a:blip>
-          <a:stretch>
-            <a:fillRect/>
-          </a:stretch>
-        </p:blipFill>
-        <p:spPr>
-          <a:xfrm>
-            <a:off x="709053" y="1437696"/>
-            <a:ext cx="466725" cy="409575"/>
-          </a:xfrm>
-          <a:prstGeom prst="rect">
-            <a:avLst/>
-          </a:prstGeom>
-        </p:spPr>
-      </p:pic>
-      <p:pic>
-        <p:nvPicPr>
-          <p:cNvPr id="11" name="Picture 10"/>
-          <p:cNvPicPr>
-            <a:picLocks noChangeAspect="1"/>
-          </p:cNvPicPr>
-          <p:nvPr/>
-        </p:nvPicPr>
-        <p:blipFill rotWithShape="1">
-          <a:blip r:embed="rId4"/>
-          <a:srcRect t="9567"/>
-          <a:stretch/>
-        </p:blipFill>
-        <p:spPr>
-          <a:xfrm>
-            <a:off x="1477989" y="1992477"/>
-            <a:ext cx="6441059" cy="2452204"/>
-          </a:xfrm>
-          <a:prstGeom prst="rect">
-            <a:avLst/>
-          </a:prstGeom>
-        </p:spPr>
-      </p:pic>
-      <p:sp>
-        <p:nvSpPr>
-          <p:cNvPr id="12" name="Title 1"/>
+      <p:sp>
+        <p:nvSpPr>
+          <p:cNvPr id="13" name="Rectangle 12"/>
+          <p:cNvSpPr/>
+          <p:nvPr/>
+        </p:nvSpPr>
+        <p:spPr>
+          <a:xfrm>
+            <a:off x="709053" y="3727414"/>
+            <a:ext cx="171494" cy="171494"/>
+          </a:xfrm>
+          <a:prstGeom prst="rect">
+            <a:avLst/>
+          </a:prstGeom>
+          <a:solidFill>
+            <a:srgbClr val="64C7E9"/>
+          </a:solidFill>
+          <a:ln>
+            <a:noFill/>
+          </a:ln>
+        </p:spPr>
+        <p:style>
+          <a:lnRef idx="2">
+            <a:schemeClr val="accent1">
+              <a:shade val="50000"/>
+            </a:schemeClr>
+          </a:lnRef>
+          <a:fillRef idx="1">
+            <a:schemeClr val="accent1"/>
+          </a:fillRef>
+          <a:effectRef idx="0">
+            <a:schemeClr val="accent1"/>
+          </a:effectRef>
+          <a:fontRef idx="minor">
+            <a:schemeClr val="lt1"/>
+          </a:fontRef>
+        </p:style>
+        <p:txBody>
+          <a:bodyPr rtlCol="0" anchor="ctr"/>
+          <a:lstStyle/>
+          <a:p>
+            <a:pPr algn="ctr"/>
+            <a:endParaRPr lang="en-US"/>
+          </a:p>
+        </p:txBody>
+      </p:sp>
+      <p:sp>
+        <p:nvSpPr>
+          <p:cNvPr id="15" name="Title 1"/>
           <p:cNvSpPr txBox="1">
             <a:spLocks/>
           </p:cNvSpPr>
@@ -3452,8 +3608,8 @@
         </p:nvSpPr>
         <p:spPr>
           <a:xfrm>
-            <a:off x="709053" y="5983805"/>
-            <a:ext cx="8047836" cy="496573"/>
+            <a:off x="946806" y="2767313"/>
+            <a:ext cx="4831141" cy="816644"/>
           </a:xfrm>
           <a:prstGeom prst="rect">
             <a:avLst/>
@@ -3487,7 +3643,7 @@
               </a:lnSpc>
             </a:pPr>
             <a:r>
-              <a:rPr lang="en-US" sz="2000" b="0" dirty="0" smtClean="0">
+              <a:rPr lang="vi-VN" sz="2000" b="0" dirty="0">
                 <a:solidFill>
                   <a:schemeClr val="tx1">
                     <a:lumMod val="95000"/>
@@ -3496,37 +3652,105 @@
                 </a:solidFill>
                 <a:ea typeface="Roboto Condensed" pitchFamily="2" charset="0"/>
               </a:rPr>
-              <a:t>Bước 3: Copy file .hex vào micro:bit </a:t>
-            </a:r>
-          </a:p>
-        </p:txBody>
-      </p:sp>
-      <p:sp>
-        <p:nvSpPr>
-          <p:cNvPr id="13" name="Rectangle 12"/>
+              <a:t>Các đội có 20 phút để lập trình và Chạy thử nghiệm bám đường vạch ĐEN</a:t>
+            </a:r>
+            <a:endParaRPr lang="en-US" sz="2000" dirty="0" smtClean="0">
+              <a:solidFill>
+                <a:schemeClr val="tx1">
+                  <a:lumMod val="95000"/>
+                  <a:lumOff val="5000"/>
+                </a:schemeClr>
+              </a:solidFill>
+              <a:ea typeface="Roboto Condensed" pitchFamily="2" charset="0"/>
+            </a:endParaRPr>
+          </a:p>
+        </p:txBody>
+      </p:sp>
+      <p:sp>
+        <p:nvSpPr>
+          <p:cNvPr id="18" name="Title 1"/>
+          <p:cNvSpPr txBox="1">
+            <a:spLocks/>
+          </p:cNvSpPr>
+          <p:nvPr/>
+        </p:nvSpPr>
+        <p:spPr>
+          <a:xfrm>
+            <a:off x="946807" y="4842914"/>
+            <a:ext cx="3979607" cy="1016883"/>
+          </a:xfrm>
+          <a:prstGeom prst="rect">
+            <a:avLst/>
+          </a:prstGeom>
+        </p:spPr>
+        <p:txBody>
+          <a:bodyPr/>
+          <a:lstStyle>
+            <a:lvl1pPr algn="l" defTabSz="914400" rtl="0" eaLnBrk="1" latinLnBrk="0" hangingPunct="1">
+              <a:lnSpc>
+                <a:spcPct val="90000"/>
+              </a:lnSpc>
+              <a:spcBef>
+                <a:spcPct val="0"/>
+              </a:spcBef>
+              <a:buNone/>
+              <a:defRPr sz="3200" b="1" kern="1200">
+                <a:solidFill>
+                  <a:srgbClr val="019DD0"/>
+                </a:solidFill>
+                <a:latin typeface="Arial" panose="020B0604020202020204" pitchFamily="34" charset="0"/>
+                <a:ea typeface="+mj-ea"/>
+                <a:cs typeface="Arial" panose="020B0604020202020204" pitchFamily="34" charset="0"/>
+              </a:defRPr>
+            </a:lvl1pPr>
+          </a:lstStyle>
+          <a:p>
+            <a:pPr>
+              <a:lnSpc>
+                <a:spcPct val="100000"/>
+              </a:lnSpc>
+            </a:pPr>
+            <a:r>
+              <a:rPr lang="vi-VN" sz="2000" b="0" dirty="0">
+                <a:solidFill>
+                  <a:schemeClr val="tx1">
+                    <a:lumMod val="95000"/>
+                    <a:lumOff val="5000"/>
+                  </a:schemeClr>
+                </a:solidFill>
+                <a:ea typeface="Roboto Condensed" pitchFamily="2" charset="0"/>
+              </a:rPr>
+              <a:t>Mỗi Đội chạy 2 vòng, đội nào về đích với thời gian nhanh hơn thì đội đó THẮNG</a:t>
+            </a:r>
+            <a:endParaRPr lang="en-US" sz="2000" dirty="0" smtClean="0">
+              <a:solidFill>
+                <a:schemeClr val="tx1">
+                  <a:lumMod val="95000"/>
+                  <a:lumOff val="5000"/>
+                </a:schemeClr>
+              </a:solidFill>
+              <a:ea typeface="Roboto Condensed" pitchFamily="2" charset="0"/>
+            </a:endParaRPr>
+          </a:p>
+        </p:txBody>
+      </p:sp>
+      <p:sp>
+        <p:nvSpPr>
+          <p:cNvPr id="19" name="Rectangle 18"/>
           <p:cNvSpPr/>
           <p:nvPr/>
         </p:nvSpPr>
         <p:spPr>
           <a:xfrm>
-            <a:off x="301925" y="1051379"/>
-            <a:ext cx="8454964" cy="27432"/>
-          </a:xfrm>
-          <a:prstGeom prst="rect">
-            <a:avLst/>
-          </a:prstGeom>
-          <a:gradFill flip="none" rotWithShape="1">
-            <a:gsLst>
-              <a:gs pos="15000">
-                <a:srgbClr val="67C7DF"/>
-              </a:gs>
-              <a:gs pos="100000">
-                <a:srgbClr val="5EB130"/>
-              </a:gs>
-            </a:gsLst>
-            <a:lin ang="0" scaled="1"/>
-            <a:tileRect/>
-          </a:gradFill>
+            <a:off x="709053" y="4986371"/>
+            <a:ext cx="171494" cy="171494"/>
+          </a:xfrm>
+          <a:prstGeom prst="rect">
+            <a:avLst/>
+          </a:prstGeom>
+          <a:solidFill>
+            <a:srgbClr val="64C7E9"/>
+          </a:solidFill>
           <a:ln>
             <a:noFill/>
           </a:ln>
@@ -3556,61 +3780,23 @@
           </a:p>
         </p:txBody>
       </p:sp>
-      <p:sp>
-        <p:nvSpPr>
-          <p:cNvPr id="14" name="TextBox 13"/>
-          <p:cNvSpPr txBox="1"/>
-          <p:nvPr/>
-        </p:nvSpPr>
-        <p:spPr>
-          <a:xfrm>
-            <a:off x="248815" y="546584"/>
-            <a:ext cx="7374995" cy="461665"/>
-          </a:xfrm>
-          <a:prstGeom prst="rect">
-            <a:avLst/>
-          </a:prstGeom>
-          <a:noFill/>
-        </p:spPr>
-        <p:txBody>
-          <a:bodyPr wrap="square" rtlCol="0">
-            <a:spAutoFit/>
-          </a:bodyPr>
-          <a:lstStyle/>
-          <a:p>
-            <a:r>
-              <a:rPr lang="en-US" sz="2400" b="1" dirty="0" smtClean="0">
-                <a:solidFill>
-                  <a:srgbClr val="64C7E9"/>
-                </a:solidFill>
-                <a:latin typeface="UTM Helve" panose="02040603050506020204" pitchFamily="18" charset="0"/>
-                <a:ea typeface="Roboto" pitchFamily="2" charset="0"/>
-              </a:rPr>
-              <a:t>Head </a:t>
-            </a:r>
-            <a:r>
-              <a:rPr lang="en-US" sz="2400" b="1" dirty="0">
-                <a:solidFill>
-                  <a:srgbClr val="64C7E9"/>
-                </a:solidFill>
-                <a:latin typeface="UTM Helve" panose="02040603050506020204" pitchFamily="18" charset="0"/>
-                <a:ea typeface="Roboto" pitchFamily="2" charset="0"/>
-              </a:rPr>
-              <a:t>Light và RGB LED trên reka:bit</a:t>
-            </a:r>
-          </a:p>
-        </p:txBody>
-      </p:sp>
     </p:spTree>
     <p:extLst>
       <p:ext uri="{BB962C8B-B14F-4D97-AF65-F5344CB8AC3E}">
-        <p14:creationId xmlns:p14="http://schemas.microsoft.com/office/powerpoint/2010/main" val="3773185111"/>
+        <p14:creationId xmlns:p14="http://schemas.microsoft.com/office/powerpoint/2010/main" val="785694606"/>
       </p:ext>
     </p:extLst>
   </p:cSld>
   <p:clrMapOvr>
     <a:masterClrMapping/>
   </p:clrMapOvr>
+  <p:timing>
+    <p:tnLst>
+      <p:par>
+        <p:cTn id="1" dur="indefinite" restart="never" nodeType="tmRoot"/>
+      </p:par>
+    </p:tnLst>
+  </p:timing>
 </p:sld>
 </file>
 
@@ -3657,267 +3843,7 @@
       </p:sp>
       <p:sp>
         <p:nvSpPr>
-          <p:cNvPr id="5" name="TextBox 4"/>
-          <p:cNvSpPr txBox="1"/>
-          <p:nvPr/>
-        </p:nvSpPr>
-        <p:spPr>
-          <a:xfrm>
-            <a:off x="1265305" y="1364739"/>
-            <a:ext cx="5649845" cy="461665"/>
-          </a:xfrm>
-          <a:prstGeom prst="rect">
-            <a:avLst/>
-          </a:prstGeom>
-          <a:noFill/>
-        </p:spPr>
-        <p:txBody>
-          <a:bodyPr wrap="square" rtlCol="0">
-            <a:spAutoFit/>
-          </a:bodyPr>
-          <a:lstStyle/>
-          <a:p>
-            <a:r>
-              <a:rPr lang="en-US" sz="2400" b="1" dirty="0" smtClean="0">
-                <a:solidFill>
-                  <a:schemeClr val="tx1">
-                    <a:lumMod val="85000"/>
-                    <a:lumOff val="15000"/>
-                  </a:schemeClr>
-                </a:solidFill>
-                <a:latin typeface="UTM Helve" panose="02040603050506020204" pitchFamily="18" charset="0"/>
-                <a:ea typeface="Roboto" pitchFamily="2" charset="0"/>
-              </a:rPr>
-              <a:t>Giữ an toàn cho micro:bit</a:t>
-            </a:r>
-            <a:endParaRPr lang="en-US" sz="2400" b="1" dirty="0">
-              <a:solidFill>
-                <a:schemeClr val="tx1">
-                  <a:lumMod val="85000"/>
-                  <a:lumOff val="15000"/>
-                </a:schemeClr>
-              </a:solidFill>
-              <a:latin typeface="UTM Helve" panose="02040603050506020204" pitchFamily="18" charset="0"/>
-              <a:ea typeface="Roboto" pitchFamily="2" charset="0"/>
-            </a:endParaRPr>
-          </a:p>
-        </p:txBody>
-      </p:sp>
-      <p:pic>
-        <p:nvPicPr>
-          <p:cNvPr id="6" name="Picture 5"/>
-          <p:cNvPicPr>
-            <a:picLocks noChangeAspect="1"/>
-          </p:cNvPicPr>
-          <p:nvPr/>
-        </p:nvPicPr>
-        <p:blipFill>
-          <a:blip r:embed="rId2">
-            <a:extLst>
-              <a:ext uri="{28A0092B-C50C-407E-A947-70E740481C1C}">
-                <a14:useLocalDpi xmlns:a14="http://schemas.microsoft.com/office/drawing/2010/main" val="0"/>
-              </a:ext>
-            </a:extLst>
-          </a:blip>
-          <a:stretch>
-            <a:fillRect/>
-          </a:stretch>
-        </p:blipFill>
-        <p:spPr>
-          <a:xfrm>
-            <a:off x="709053" y="1437696"/>
-            <a:ext cx="466725" cy="409575"/>
-          </a:xfrm>
-          <a:prstGeom prst="rect">
-            <a:avLst/>
-          </a:prstGeom>
-        </p:spPr>
-      </p:pic>
-      <p:pic>
-        <p:nvPicPr>
-          <p:cNvPr id="7" name="Google Shape;149;p5"/>
-          <p:cNvPicPr preferRelativeResize="0"/>
-          <p:nvPr/>
-        </p:nvPicPr>
-        <p:blipFill rotWithShape="1">
-          <a:blip r:embed="rId3">
-            <a:alphaModFix/>
-          </a:blip>
-          <a:srcRect/>
-          <a:stretch/>
-        </p:blipFill>
-        <p:spPr>
-          <a:xfrm>
-            <a:off x="804690" y="2535250"/>
-            <a:ext cx="3206517" cy="3182856"/>
-          </a:xfrm>
-          <a:prstGeom prst="rect">
-            <a:avLst/>
-          </a:prstGeom>
-          <a:noFill/>
-          <a:ln>
-            <a:noFill/>
-          </a:ln>
-        </p:spPr>
-      </p:pic>
-      <p:sp>
-        <p:nvSpPr>
-          <p:cNvPr id="8" name="Title 1"/>
-          <p:cNvSpPr txBox="1">
-            <a:spLocks/>
-          </p:cNvSpPr>
-          <p:nvPr/>
-        </p:nvSpPr>
-        <p:spPr>
-          <a:xfrm>
-            <a:off x="4261791" y="2490360"/>
-            <a:ext cx="4253559" cy="3227746"/>
-          </a:xfrm>
-          <a:prstGeom prst="rect">
-            <a:avLst/>
-          </a:prstGeom>
-        </p:spPr>
-        <p:txBody>
-          <a:bodyPr/>
-          <a:lstStyle>
-            <a:lvl1pPr algn="l" defTabSz="914400" rtl="0" eaLnBrk="1" latinLnBrk="0" hangingPunct="1">
-              <a:lnSpc>
-                <a:spcPct val="90000"/>
-              </a:lnSpc>
-              <a:spcBef>
-                <a:spcPct val="0"/>
-              </a:spcBef>
-              <a:buNone/>
-              <a:defRPr sz="3200" b="1" kern="1200">
-                <a:solidFill>
-                  <a:srgbClr val="019DD0"/>
-                </a:solidFill>
-                <a:latin typeface="Arial" panose="020B0604020202020204" pitchFamily="34" charset="0"/>
-                <a:ea typeface="+mj-ea"/>
-                <a:cs typeface="Arial" panose="020B0604020202020204" pitchFamily="34" charset="0"/>
-              </a:defRPr>
-            </a:lvl1pPr>
-          </a:lstStyle>
-          <a:p>
-            <a:pPr marL="342900" indent="-342900">
-              <a:lnSpc>
-                <a:spcPct val="100000"/>
-              </a:lnSpc>
-              <a:buFont typeface="Arial" panose="020B0604020202020204" pitchFamily="34" charset="0"/>
-              <a:buChar char="•"/>
-            </a:pPr>
-            <a:r>
-              <a:rPr lang="en-US" sz="2400" b="0" dirty="0">
-                <a:solidFill>
-                  <a:schemeClr val="tx1">
-                    <a:lumMod val="95000"/>
-                    <a:lumOff val="5000"/>
-                  </a:schemeClr>
-                </a:solidFill>
-                <a:ea typeface="Roboto Condensed" pitchFamily="2" charset="0"/>
-              </a:rPr>
-              <a:t>Cầm micro:bit cẩn thận ở các </a:t>
-            </a:r>
-            <a:r>
-              <a:rPr lang="en-US" sz="2400" b="0" dirty="0" smtClean="0">
-                <a:solidFill>
-                  <a:schemeClr val="tx1">
-                    <a:lumMod val="95000"/>
-                    <a:lumOff val="5000"/>
-                  </a:schemeClr>
-                </a:solidFill>
-                <a:ea typeface="Roboto Condensed" pitchFamily="2" charset="0"/>
-              </a:rPr>
-              <a:t>cạnh</a:t>
-            </a:r>
-            <a:br>
-              <a:rPr lang="en-US" sz="2400" b="0" dirty="0" smtClean="0">
-                <a:solidFill>
-                  <a:schemeClr val="tx1">
-                    <a:lumMod val="95000"/>
-                    <a:lumOff val="5000"/>
-                  </a:schemeClr>
-                </a:solidFill>
-                <a:ea typeface="Roboto Condensed" pitchFamily="2" charset="0"/>
-              </a:rPr>
-            </a:br>
-            <a:endParaRPr lang="en-US" sz="2400" b="0" dirty="0" smtClean="0">
-              <a:solidFill>
-                <a:schemeClr val="tx1">
-                  <a:lumMod val="95000"/>
-                  <a:lumOff val="5000"/>
-                </a:schemeClr>
-              </a:solidFill>
-              <a:ea typeface="Roboto Condensed" pitchFamily="2" charset="0"/>
-            </a:endParaRPr>
-          </a:p>
-          <a:p>
-            <a:pPr marL="342900" indent="-342900">
-              <a:lnSpc>
-                <a:spcPct val="100000"/>
-              </a:lnSpc>
-              <a:buFont typeface="Arial" panose="020B0604020202020204" pitchFamily="34" charset="0"/>
-              <a:buChar char="•"/>
-            </a:pPr>
-            <a:r>
-              <a:rPr lang="en-US" sz="2400" b="0" dirty="0" smtClean="0">
-                <a:solidFill>
-                  <a:schemeClr val="tx1">
-                    <a:lumMod val="95000"/>
-                    <a:lumOff val="5000"/>
-                  </a:schemeClr>
-                </a:solidFill>
-                <a:ea typeface="Roboto Condensed" pitchFamily="2" charset="0"/>
-              </a:rPr>
-              <a:t>Tránh chạm vào các bộ phận</a:t>
-            </a:r>
-            <a:br>
-              <a:rPr lang="en-US" sz="2400" b="0" dirty="0" smtClean="0">
-                <a:solidFill>
-                  <a:schemeClr val="tx1">
-                    <a:lumMod val="95000"/>
-                    <a:lumOff val="5000"/>
-                  </a:schemeClr>
-                </a:solidFill>
-                <a:ea typeface="Roboto Condensed" pitchFamily="2" charset="0"/>
-              </a:rPr>
-            </a:br>
-            <a:endParaRPr lang="en-US" sz="2400" b="0" dirty="0" smtClean="0">
-              <a:solidFill>
-                <a:schemeClr val="tx1">
-                  <a:lumMod val="95000"/>
-                  <a:lumOff val="5000"/>
-                </a:schemeClr>
-              </a:solidFill>
-              <a:ea typeface="Roboto Condensed" pitchFamily="2" charset="0"/>
-            </a:endParaRPr>
-          </a:p>
-          <a:p>
-            <a:pPr marL="342900" indent="-342900">
-              <a:lnSpc>
-                <a:spcPct val="100000"/>
-              </a:lnSpc>
-              <a:buFont typeface="Arial" panose="020B0604020202020204" pitchFamily="34" charset="0"/>
-              <a:buChar char="•"/>
-            </a:pPr>
-            <a:r>
-              <a:rPr lang="en-US" sz="2400" b="0" dirty="0" smtClean="0">
-                <a:solidFill>
-                  <a:schemeClr val="tx1">
-                    <a:lumMod val="95000"/>
-                    <a:lumOff val="5000"/>
-                  </a:schemeClr>
-                </a:solidFill>
-                <a:ea typeface="Roboto Condensed" pitchFamily="2" charset="0"/>
-              </a:rPr>
-              <a:t>Tránh xa micro:bit khỏi nước</a:t>
-            </a:r>
-          </a:p>
-        </p:txBody>
-      </p:sp>
-      <p:sp>
-        <p:nvSpPr>
-          <p:cNvPr id="9" name="Rectangle 8"/>
+          <p:cNvPr id="4" name="Rectangle 3"/>
           <p:cNvSpPr/>
           <p:nvPr/>
         </p:nvSpPr>
@@ -3972,7 +3898,7 @@
       </p:sp>
       <p:sp>
         <p:nvSpPr>
-          <p:cNvPr id="11" name="TextBox 10"/>
+          <p:cNvPr id="5" name="TextBox 4"/>
           <p:cNvSpPr txBox="1"/>
           <p:nvPr/>
         </p:nvSpPr>
@@ -4000,820 +3926,7 @@
                 <a:latin typeface="UTM Helve" panose="02040603050506020204" pitchFamily="18" charset="0"/>
                 <a:ea typeface="Roboto" pitchFamily="2" charset="0"/>
               </a:rPr>
-              <a:t>Head </a:t>
-            </a:r>
-            <a:r>
-              <a:rPr lang="en-US" sz="2400" b="1" dirty="0">
-                <a:solidFill>
-                  <a:srgbClr val="64C7E9"/>
-                </a:solidFill>
-                <a:latin typeface="UTM Helve" panose="02040603050506020204" pitchFamily="18" charset="0"/>
-                <a:ea typeface="Roboto" pitchFamily="2" charset="0"/>
-              </a:rPr>
-              <a:t>Light và RGB LED trên reka:bit</a:t>
-            </a:r>
-          </a:p>
-        </p:txBody>
-      </p:sp>
-    </p:spTree>
-    <p:extLst>
-      <p:ext uri="{BB962C8B-B14F-4D97-AF65-F5344CB8AC3E}">
-        <p14:creationId xmlns:p14="http://schemas.microsoft.com/office/powerpoint/2010/main" val="2800974292"/>
-      </p:ext>
-    </p:extLst>
-  </p:cSld>
-  <p:clrMapOvr>
-    <a:masterClrMapping/>
-  </p:clrMapOvr>
-</p:sld>
-</file>
-
-<file path=ppt/slides/slide13.xml><?xml version="1.0" encoding="utf-8"?>
-<p:sld xmlns:a="http://schemas.openxmlformats.org/drawingml/2006/main" xmlns:r="http://schemas.openxmlformats.org/officeDocument/2006/relationships" xmlns:p="http://schemas.openxmlformats.org/presentationml/2006/main">
-  <p:cSld>
-    <p:spTree>
-      <p:nvGrpSpPr>
-        <p:cNvPr id="1" name=""/>
-        <p:cNvGrpSpPr/>
-        <p:nvPr/>
-      </p:nvGrpSpPr>
-      <p:grpSpPr>
-        <a:xfrm>
-          <a:off x="0" y="0"/>
-          <a:ext cx="0" cy="0"/>
-          <a:chOff x="0" y="0"/>
-          <a:chExt cx="0" cy="0"/>
-        </a:xfrm>
-      </p:grpSpPr>
-      <p:sp>
-        <p:nvSpPr>
-          <p:cNvPr id="2" name="Slide Number Placeholder 1"/>
-          <p:cNvSpPr>
-            <a:spLocks noGrp="1"/>
-          </p:cNvSpPr>
-          <p:nvPr>
-            <p:ph type="sldNum" sz="quarter" idx="12"/>
-          </p:nvPr>
-        </p:nvSpPr>
-        <p:spPr/>
-        <p:txBody>
-          <a:bodyPr/>
-          <a:lstStyle/>
-          <a:p>
-            <a:fld id="{7D9EC917-02A2-4152-9EE3-DFE2775A77C7}" type="slidenum">
-              <a:rPr lang="en-US" smtClean="0"/>
-              <a:pPr/>
-              <a:t>13</a:t>
-            </a:fld>
-            <a:endParaRPr lang="en-US"/>
-          </a:p>
-        </p:txBody>
-      </p:sp>
-      <p:sp>
-        <p:nvSpPr>
-          <p:cNvPr id="3" name="Rectangle 2"/>
-          <p:cNvSpPr/>
-          <p:nvPr/>
-        </p:nvSpPr>
-        <p:spPr>
-          <a:xfrm>
-            <a:off x="301925" y="1051379"/>
-            <a:ext cx="8454964" cy="27432"/>
-          </a:xfrm>
-          <a:prstGeom prst="rect">
-            <a:avLst/>
-          </a:prstGeom>
-          <a:gradFill flip="none" rotWithShape="1">
-            <a:gsLst>
-              <a:gs pos="15000">
-                <a:srgbClr val="67C7DF"/>
-              </a:gs>
-              <a:gs pos="100000">
-                <a:srgbClr val="5EB130"/>
-              </a:gs>
-            </a:gsLst>
-            <a:lin ang="0" scaled="1"/>
-            <a:tileRect/>
-          </a:gradFill>
-          <a:ln>
-            <a:noFill/>
-          </a:ln>
-        </p:spPr>
-        <p:style>
-          <a:lnRef idx="2">
-            <a:schemeClr val="accent1">
-              <a:shade val="50000"/>
-            </a:schemeClr>
-          </a:lnRef>
-          <a:fillRef idx="1">
-            <a:schemeClr val="accent1"/>
-          </a:fillRef>
-          <a:effectRef idx="0">
-            <a:schemeClr val="accent1"/>
-          </a:effectRef>
-          <a:fontRef idx="minor">
-            <a:schemeClr val="lt1"/>
-          </a:fontRef>
-        </p:style>
-        <p:txBody>
-          <a:bodyPr rtlCol="0" anchor="ctr"/>
-          <a:lstStyle/>
-          <a:p>
-            <a:pPr algn="ctr"/>
-            <a:endParaRPr lang="en-US"/>
-          </a:p>
-        </p:txBody>
-      </p:sp>
-      <p:sp>
-        <p:nvSpPr>
-          <p:cNvPr id="4" name="TextBox 3"/>
-          <p:cNvSpPr txBox="1"/>
-          <p:nvPr/>
-        </p:nvSpPr>
-        <p:spPr>
-          <a:xfrm>
-            <a:off x="248815" y="546584"/>
-            <a:ext cx="7374995" cy="461665"/>
-          </a:xfrm>
-          <a:prstGeom prst="rect">
-            <a:avLst/>
-          </a:prstGeom>
-          <a:noFill/>
-        </p:spPr>
-        <p:txBody>
-          <a:bodyPr wrap="square" rtlCol="0">
-            <a:spAutoFit/>
-          </a:bodyPr>
-          <a:lstStyle/>
-          <a:p>
-            <a:r>
-              <a:rPr lang="en-US" sz="2400" b="1" dirty="0" smtClean="0">
-                <a:solidFill>
-                  <a:srgbClr val="64C7E9"/>
-                </a:solidFill>
-                <a:latin typeface="UTM Helve" panose="02040603050506020204" pitchFamily="18" charset="0"/>
-                <a:ea typeface="Roboto" pitchFamily="2" charset="0"/>
-              </a:rPr>
-              <a:t>16.4 </a:t>
-            </a:r>
-            <a:r>
-              <a:rPr lang="en-US" sz="2400" b="1" dirty="0" smtClean="0">
-                <a:solidFill>
-                  <a:srgbClr val="64C7E9"/>
-                </a:solidFill>
-                <a:latin typeface="UTM Helve" panose="02040603050506020204" pitchFamily="18" charset="0"/>
-                <a:ea typeface="Roboto" pitchFamily="2" charset="0"/>
-              </a:rPr>
-              <a:t>Hoạt động học viên</a:t>
-            </a:r>
-            <a:endParaRPr lang="en-US" sz="2400" b="1" dirty="0">
-              <a:solidFill>
-                <a:srgbClr val="64C7E9"/>
-              </a:solidFill>
-              <a:latin typeface="UTM Helve" panose="02040603050506020204" pitchFamily="18" charset="0"/>
-              <a:ea typeface="Roboto" pitchFamily="2" charset="0"/>
-            </a:endParaRPr>
-          </a:p>
-        </p:txBody>
-      </p:sp>
-      <p:sp>
-        <p:nvSpPr>
-          <p:cNvPr id="5" name="TextBox 4"/>
-          <p:cNvSpPr txBox="1"/>
-          <p:nvPr/>
-        </p:nvSpPr>
-        <p:spPr>
-          <a:xfrm>
-            <a:off x="1265306" y="1364739"/>
-            <a:ext cx="4313859" cy="461665"/>
-          </a:xfrm>
-          <a:prstGeom prst="rect">
-            <a:avLst/>
-          </a:prstGeom>
-          <a:noFill/>
-        </p:spPr>
-        <p:txBody>
-          <a:bodyPr wrap="square" rtlCol="0">
-            <a:spAutoFit/>
-          </a:bodyPr>
-          <a:lstStyle/>
-          <a:p>
-            <a:r>
-              <a:rPr lang="en-US" sz="2400" b="1" dirty="0" smtClean="0">
-                <a:solidFill>
-                  <a:schemeClr val="tx1">
-                    <a:lumMod val="85000"/>
-                    <a:lumOff val="15000"/>
-                  </a:schemeClr>
-                </a:solidFill>
-                <a:latin typeface="UTM Helve" panose="02040603050506020204" pitchFamily="18" charset="0"/>
-                <a:ea typeface="Roboto" pitchFamily="2" charset="0"/>
-              </a:rPr>
-              <a:t>Giải đua công xe thức 1</a:t>
-            </a:r>
-            <a:endParaRPr lang="en-US" sz="2400" b="1" dirty="0">
-              <a:solidFill>
-                <a:schemeClr val="tx1">
-                  <a:lumMod val="85000"/>
-                  <a:lumOff val="15000"/>
-                </a:schemeClr>
-              </a:solidFill>
-              <a:latin typeface="UTM Helve" panose="02040603050506020204" pitchFamily="18" charset="0"/>
-              <a:ea typeface="Roboto" pitchFamily="2" charset="0"/>
-            </a:endParaRPr>
-          </a:p>
-        </p:txBody>
-      </p:sp>
-      <p:pic>
-        <p:nvPicPr>
-          <p:cNvPr id="6" name="Picture 5"/>
-          <p:cNvPicPr>
-            <a:picLocks noChangeAspect="1"/>
-          </p:cNvPicPr>
-          <p:nvPr/>
-        </p:nvPicPr>
-        <p:blipFill>
-          <a:blip r:embed="rId2">
-            <a:extLst>
-              <a:ext uri="{28A0092B-C50C-407E-A947-70E740481C1C}">
-                <a14:useLocalDpi xmlns:a14="http://schemas.microsoft.com/office/drawing/2010/main" val="0"/>
-              </a:ext>
-            </a:extLst>
-          </a:blip>
-          <a:stretch>
-            <a:fillRect/>
-          </a:stretch>
-        </p:blipFill>
-        <p:spPr>
-          <a:xfrm>
-            <a:off x="709053" y="1437696"/>
-            <a:ext cx="466725" cy="409575"/>
-          </a:xfrm>
-          <a:prstGeom prst="rect">
-            <a:avLst/>
-          </a:prstGeom>
-        </p:spPr>
-      </p:pic>
-      <p:sp>
-        <p:nvSpPr>
-          <p:cNvPr id="21" name="Title 1"/>
-          <p:cNvSpPr txBox="1">
-            <a:spLocks/>
-          </p:cNvSpPr>
-          <p:nvPr/>
-        </p:nvSpPr>
-        <p:spPr>
-          <a:xfrm>
-            <a:off x="709053" y="2028427"/>
-            <a:ext cx="7118507" cy="429492"/>
-          </a:xfrm>
-          <a:prstGeom prst="rect">
-            <a:avLst/>
-          </a:prstGeom>
-        </p:spPr>
-        <p:txBody>
-          <a:bodyPr/>
-          <a:lstStyle>
-            <a:lvl1pPr algn="l" defTabSz="914400" rtl="0" eaLnBrk="1" latinLnBrk="0" hangingPunct="1">
-              <a:lnSpc>
-                <a:spcPct val="90000"/>
-              </a:lnSpc>
-              <a:spcBef>
-                <a:spcPct val="0"/>
-              </a:spcBef>
-              <a:buNone/>
-              <a:defRPr sz="3200" b="1" kern="1200">
-                <a:solidFill>
-                  <a:srgbClr val="019DD0"/>
-                </a:solidFill>
-                <a:latin typeface="Arial" panose="020B0604020202020204" pitchFamily="34" charset="0"/>
-                <a:ea typeface="+mj-ea"/>
-                <a:cs typeface="Arial" panose="020B0604020202020204" pitchFamily="34" charset="0"/>
-              </a:defRPr>
-            </a:lvl1pPr>
-          </a:lstStyle>
-          <a:p>
-            <a:pPr>
-              <a:lnSpc>
-                <a:spcPct val="100000"/>
-              </a:lnSpc>
-            </a:pPr>
-            <a:r>
-              <a:rPr lang="en-US" sz="2000" b="0" dirty="0" smtClean="0">
-                <a:solidFill>
-                  <a:schemeClr val="tx1">
-                    <a:lumMod val="95000"/>
-                    <a:lumOff val="5000"/>
-                  </a:schemeClr>
-                </a:solidFill>
-                <a:ea typeface="Roboto Condensed" pitchFamily="2" charset="0"/>
-              </a:rPr>
-              <a:t>Các bạn sẽ chia đội ra đi thi đấu với thể lệ giải đua như sau:</a:t>
-            </a:r>
-            <a:endParaRPr lang="en-US" sz="2000" dirty="0" smtClean="0">
-              <a:solidFill>
-                <a:schemeClr val="tx1">
-                  <a:lumMod val="95000"/>
-                  <a:lumOff val="5000"/>
-                </a:schemeClr>
-              </a:solidFill>
-              <a:ea typeface="Roboto Condensed" pitchFamily="2" charset="0"/>
-            </a:endParaRPr>
-          </a:p>
-        </p:txBody>
-      </p:sp>
-      <p:sp>
-        <p:nvSpPr>
-          <p:cNvPr id="11" name="Rectangle 10"/>
-          <p:cNvSpPr/>
-          <p:nvPr/>
-        </p:nvSpPr>
-        <p:spPr>
-          <a:xfrm>
-            <a:off x="709053" y="2893329"/>
-            <a:ext cx="208189" cy="171494"/>
-          </a:xfrm>
-          <a:prstGeom prst="rect">
-            <a:avLst/>
-          </a:prstGeom>
-          <a:solidFill>
-            <a:srgbClr val="64C7E9"/>
-          </a:solidFill>
-          <a:ln>
-            <a:noFill/>
-          </a:ln>
-        </p:spPr>
-        <p:style>
-          <a:lnRef idx="2">
-            <a:schemeClr val="accent1">
-              <a:shade val="50000"/>
-            </a:schemeClr>
-          </a:lnRef>
-          <a:fillRef idx="1">
-            <a:schemeClr val="accent1"/>
-          </a:fillRef>
-          <a:effectRef idx="0">
-            <a:schemeClr val="accent1"/>
-          </a:effectRef>
-          <a:fontRef idx="minor">
-            <a:schemeClr val="lt1"/>
-          </a:fontRef>
-        </p:style>
-        <p:txBody>
-          <a:bodyPr rtlCol="0" anchor="ctr"/>
-          <a:lstStyle/>
-          <a:p>
-            <a:pPr algn="ctr"/>
-            <a:endParaRPr lang="en-US"/>
-          </a:p>
-        </p:txBody>
-      </p:sp>
-      <p:sp>
-        <p:nvSpPr>
-          <p:cNvPr id="12" name="Title 1"/>
-          <p:cNvSpPr txBox="1">
-            <a:spLocks/>
-          </p:cNvSpPr>
-          <p:nvPr/>
-        </p:nvSpPr>
-        <p:spPr>
-          <a:xfrm>
-            <a:off x="946807" y="3583957"/>
-            <a:ext cx="3979607" cy="1016883"/>
-          </a:xfrm>
-          <a:prstGeom prst="rect">
-            <a:avLst/>
-          </a:prstGeom>
-        </p:spPr>
-        <p:txBody>
-          <a:bodyPr/>
-          <a:lstStyle>
-            <a:lvl1pPr algn="l" defTabSz="914400" rtl="0" eaLnBrk="1" latinLnBrk="0" hangingPunct="1">
-              <a:lnSpc>
-                <a:spcPct val="90000"/>
-              </a:lnSpc>
-              <a:spcBef>
-                <a:spcPct val="0"/>
-              </a:spcBef>
-              <a:buNone/>
-              <a:defRPr sz="3200" b="1" kern="1200">
-                <a:solidFill>
-                  <a:srgbClr val="019DD0"/>
-                </a:solidFill>
-                <a:latin typeface="Arial" panose="020B0604020202020204" pitchFamily="34" charset="0"/>
-                <a:ea typeface="+mj-ea"/>
-                <a:cs typeface="Arial" panose="020B0604020202020204" pitchFamily="34" charset="0"/>
-              </a:defRPr>
-            </a:lvl1pPr>
-          </a:lstStyle>
-          <a:p>
-            <a:pPr>
-              <a:lnSpc>
-                <a:spcPct val="100000"/>
-              </a:lnSpc>
-            </a:pPr>
-            <a:r>
-              <a:rPr lang="vi-VN" sz="2000" b="0" dirty="0">
-                <a:solidFill>
-                  <a:schemeClr val="tx1">
-                    <a:lumMod val="95000"/>
-                    <a:lumOff val="5000"/>
-                  </a:schemeClr>
-                </a:solidFill>
-                <a:ea typeface="Roboto Condensed" pitchFamily="2" charset="0"/>
-              </a:rPr>
-              <a:t>Sau 20 phút đội nào chưa lập trình xong thì LOẠI, cá đội còn lại thi đấu</a:t>
-            </a:r>
-            <a:endParaRPr lang="en-US" sz="2000" dirty="0" smtClean="0">
-              <a:solidFill>
-                <a:schemeClr val="tx1">
-                  <a:lumMod val="95000"/>
-                  <a:lumOff val="5000"/>
-                </a:schemeClr>
-              </a:solidFill>
-              <a:ea typeface="Roboto Condensed" pitchFamily="2" charset="0"/>
-            </a:endParaRPr>
-          </a:p>
-        </p:txBody>
-      </p:sp>
-      <p:sp>
-        <p:nvSpPr>
-          <p:cNvPr id="13" name="Rectangle 12"/>
-          <p:cNvSpPr/>
-          <p:nvPr/>
-        </p:nvSpPr>
-        <p:spPr>
-          <a:xfrm>
-            <a:off x="709053" y="3727414"/>
-            <a:ext cx="171494" cy="171494"/>
-          </a:xfrm>
-          <a:prstGeom prst="rect">
-            <a:avLst/>
-          </a:prstGeom>
-          <a:solidFill>
-            <a:srgbClr val="64C7E9"/>
-          </a:solidFill>
-          <a:ln>
-            <a:noFill/>
-          </a:ln>
-        </p:spPr>
-        <p:style>
-          <a:lnRef idx="2">
-            <a:schemeClr val="accent1">
-              <a:shade val="50000"/>
-            </a:schemeClr>
-          </a:lnRef>
-          <a:fillRef idx="1">
-            <a:schemeClr val="accent1"/>
-          </a:fillRef>
-          <a:effectRef idx="0">
-            <a:schemeClr val="accent1"/>
-          </a:effectRef>
-          <a:fontRef idx="minor">
-            <a:schemeClr val="lt1"/>
-          </a:fontRef>
-        </p:style>
-        <p:txBody>
-          <a:bodyPr rtlCol="0" anchor="ctr"/>
-          <a:lstStyle/>
-          <a:p>
-            <a:pPr algn="ctr"/>
-            <a:endParaRPr lang="en-US"/>
-          </a:p>
-        </p:txBody>
-      </p:sp>
-      <p:sp>
-        <p:nvSpPr>
-          <p:cNvPr id="15" name="Title 1"/>
-          <p:cNvSpPr txBox="1">
-            <a:spLocks/>
-          </p:cNvSpPr>
-          <p:nvPr/>
-        </p:nvSpPr>
-        <p:spPr>
-          <a:xfrm>
-            <a:off x="946806" y="2767313"/>
-            <a:ext cx="4831141" cy="816644"/>
-          </a:xfrm>
-          <a:prstGeom prst="rect">
-            <a:avLst/>
-          </a:prstGeom>
-        </p:spPr>
-        <p:txBody>
-          <a:bodyPr/>
-          <a:lstStyle>
-            <a:lvl1pPr algn="l" defTabSz="914400" rtl="0" eaLnBrk="1" latinLnBrk="0" hangingPunct="1">
-              <a:lnSpc>
-                <a:spcPct val="90000"/>
-              </a:lnSpc>
-              <a:spcBef>
-                <a:spcPct val="0"/>
-              </a:spcBef>
-              <a:buNone/>
-              <a:defRPr sz="3200" b="1" kern="1200">
-                <a:solidFill>
-                  <a:srgbClr val="019DD0"/>
-                </a:solidFill>
-                <a:latin typeface="Arial" panose="020B0604020202020204" pitchFamily="34" charset="0"/>
-                <a:ea typeface="+mj-ea"/>
-                <a:cs typeface="Arial" panose="020B0604020202020204" pitchFamily="34" charset="0"/>
-              </a:defRPr>
-            </a:lvl1pPr>
-          </a:lstStyle>
-          <a:p>
-            <a:pPr>
-              <a:lnSpc>
-                <a:spcPct val="100000"/>
-              </a:lnSpc>
-            </a:pPr>
-            <a:r>
-              <a:rPr lang="vi-VN" sz="2000" b="0" dirty="0">
-                <a:solidFill>
-                  <a:schemeClr val="tx1">
-                    <a:lumMod val="95000"/>
-                    <a:lumOff val="5000"/>
-                  </a:schemeClr>
-                </a:solidFill>
-                <a:ea typeface="Roboto Condensed" pitchFamily="2" charset="0"/>
-              </a:rPr>
-              <a:t>Các đội có 20 phút để lập trình và Chạy thử nghiệm bám đường vạch ĐEN</a:t>
-            </a:r>
-            <a:endParaRPr lang="en-US" sz="2000" dirty="0" smtClean="0">
-              <a:solidFill>
-                <a:schemeClr val="tx1">
-                  <a:lumMod val="95000"/>
-                  <a:lumOff val="5000"/>
-                </a:schemeClr>
-              </a:solidFill>
-              <a:ea typeface="Roboto Condensed" pitchFamily="2" charset="0"/>
-            </a:endParaRPr>
-          </a:p>
-        </p:txBody>
-      </p:sp>
-      <p:sp>
-        <p:nvSpPr>
-          <p:cNvPr id="18" name="Title 1"/>
-          <p:cNvSpPr txBox="1">
-            <a:spLocks/>
-          </p:cNvSpPr>
-          <p:nvPr/>
-        </p:nvSpPr>
-        <p:spPr>
-          <a:xfrm>
-            <a:off x="946807" y="4842914"/>
-            <a:ext cx="3979607" cy="1016883"/>
-          </a:xfrm>
-          <a:prstGeom prst="rect">
-            <a:avLst/>
-          </a:prstGeom>
-        </p:spPr>
-        <p:txBody>
-          <a:bodyPr/>
-          <a:lstStyle>
-            <a:lvl1pPr algn="l" defTabSz="914400" rtl="0" eaLnBrk="1" latinLnBrk="0" hangingPunct="1">
-              <a:lnSpc>
-                <a:spcPct val="90000"/>
-              </a:lnSpc>
-              <a:spcBef>
-                <a:spcPct val="0"/>
-              </a:spcBef>
-              <a:buNone/>
-              <a:defRPr sz="3200" b="1" kern="1200">
-                <a:solidFill>
-                  <a:srgbClr val="019DD0"/>
-                </a:solidFill>
-                <a:latin typeface="Arial" panose="020B0604020202020204" pitchFamily="34" charset="0"/>
-                <a:ea typeface="+mj-ea"/>
-                <a:cs typeface="Arial" panose="020B0604020202020204" pitchFamily="34" charset="0"/>
-              </a:defRPr>
-            </a:lvl1pPr>
-          </a:lstStyle>
-          <a:p>
-            <a:pPr>
-              <a:lnSpc>
-                <a:spcPct val="100000"/>
-              </a:lnSpc>
-            </a:pPr>
-            <a:r>
-              <a:rPr lang="vi-VN" sz="2000" b="0" dirty="0">
-                <a:solidFill>
-                  <a:schemeClr val="tx1">
-                    <a:lumMod val="95000"/>
-                    <a:lumOff val="5000"/>
-                  </a:schemeClr>
-                </a:solidFill>
-                <a:ea typeface="Roboto Condensed" pitchFamily="2" charset="0"/>
-              </a:rPr>
-              <a:t>Mỗi Đội chạy 2 vòng, đội nào về đích với thời gian nhanh hơn thì đội đó THẮNG</a:t>
-            </a:r>
-            <a:endParaRPr lang="en-US" sz="2000" dirty="0" smtClean="0">
-              <a:solidFill>
-                <a:schemeClr val="tx1">
-                  <a:lumMod val="95000"/>
-                  <a:lumOff val="5000"/>
-                </a:schemeClr>
-              </a:solidFill>
-              <a:ea typeface="Roboto Condensed" pitchFamily="2" charset="0"/>
-            </a:endParaRPr>
-          </a:p>
-        </p:txBody>
-      </p:sp>
-      <p:sp>
-        <p:nvSpPr>
-          <p:cNvPr id="19" name="Rectangle 18"/>
-          <p:cNvSpPr/>
-          <p:nvPr/>
-        </p:nvSpPr>
-        <p:spPr>
-          <a:xfrm>
-            <a:off x="709053" y="4986371"/>
-            <a:ext cx="171494" cy="171494"/>
-          </a:xfrm>
-          <a:prstGeom prst="rect">
-            <a:avLst/>
-          </a:prstGeom>
-          <a:solidFill>
-            <a:srgbClr val="64C7E9"/>
-          </a:solidFill>
-          <a:ln>
-            <a:noFill/>
-          </a:ln>
-        </p:spPr>
-        <p:style>
-          <a:lnRef idx="2">
-            <a:schemeClr val="accent1">
-              <a:shade val="50000"/>
-            </a:schemeClr>
-          </a:lnRef>
-          <a:fillRef idx="1">
-            <a:schemeClr val="accent1"/>
-          </a:fillRef>
-          <a:effectRef idx="0">
-            <a:schemeClr val="accent1"/>
-          </a:effectRef>
-          <a:fontRef idx="minor">
-            <a:schemeClr val="lt1"/>
-          </a:fontRef>
-        </p:style>
-        <p:txBody>
-          <a:bodyPr rtlCol="0" anchor="ctr"/>
-          <a:lstStyle/>
-          <a:p>
-            <a:pPr algn="ctr"/>
-            <a:endParaRPr lang="en-US"/>
-          </a:p>
-        </p:txBody>
-      </p:sp>
-    </p:spTree>
-    <p:extLst>
-      <p:ext uri="{BB962C8B-B14F-4D97-AF65-F5344CB8AC3E}">
-        <p14:creationId xmlns:p14="http://schemas.microsoft.com/office/powerpoint/2010/main" val="785694606"/>
-      </p:ext>
-    </p:extLst>
-  </p:cSld>
-  <p:clrMapOvr>
-    <a:masterClrMapping/>
-  </p:clrMapOvr>
-</p:sld>
-</file>
-
-<file path=ppt/slides/slide14.xml><?xml version="1.0" encoding="utf-8"?>
-<p:sld xmlns:a="http://schemas.openxmlformats.org/drawingml/2006/main" xmlns:r="http://schemas.openxmlformats.org/officeDocument/2006/relationships" xmlns:p="http://schemas.openxmlformats.org/presentationml/2006/main">
-  <p:cSld>
-    <p:spTree>
-      <p:nvGrpSpPr>
-        <p:cNvPr id="1" name=""/>
-        <p:cNvGrpSpPr/>
-        <p:nvPr/>
-      </p:nvGrpSpPr>
-      <p:grpSpPr>
-        <a:xfrm>
-          <a:off x="0" y="0"/>
-          <a:ext cx="0" cy="0"/>
-          <a:chOff x="0" y="0"/>
-          <a:chExt cx="0" cy="0"/>
-        </a:xfrm>
-      </p:grpSpPr>
-      <p:sp>
-        <p:nvSpPr>
-          <p:cNvPr id="2" name="Slide Number Placeholder 1"/>
-          <p:cNvSpPr>
-            <a:spLocks noGrp="1"/>
-          </p:cNvSpPr>
-          <p:nvPr>
-            <p:ph type="sldNum" sz="quarter" idx="12"/>
-          </p:nvPr>
-        </p:nvSpPr>
-        <p:spPr/>
-        <p:txBody>
-          <a:bodyPr/>
-          <a:lstStyle/>
-          <a:p>
-            <a:fld id="{7D9EC917-02A2-4152-9EE3-DFE2775A77C7}" type="slidenum">
-              <a:rPr lang="en-US" smtClean="0"/>
-              <a:pPr/>
-              <a:t>14</a:t>
-            </a:fld>
-            <a:endParaRPr lang="en-US"/>
-          </a:p>
-        </p:txBody>
-      </p:sp>
-      <p:sp>
-        <p:nvSpPr>
-          <p:cNvPr id="4" name="Rectangle 3"/>
-          <p:cNvSpPr/>
-          <p:nvPr/>
-        </p:nvSpPr>
-        <p:spPr>
-          <a:xfrm>
-            <a:off x="301925" y="1051379"/>
-            <a:ext cx="8454964" cy="27432"/>
-          </a:xfrm>
-          <a:prstGeom prst="rect">
-            <a:avLst/>
-          </a:prstGeom>
-          <a:gradFill flip="none" rotWithShape="1">
-            <a:gsLst>
-              <a:gs pos="15000">
-                <a:srgbClr val="67C7DF"/>
-              </a:gs>
-              <a:gs pos="100000">
-                <a:srgbClr val="5EB130"/>
-              </a:gs>
-            </a:gsLst>
-            <a:lin ang="0" scaled="1"/>
-            <a:tileRect/>
-          </a:gradFill>
-          <a:ln>
-            <a:noFill/>
-          </a:ln>
-        </p:spPr>
-        <p:style>
-          <a:lnRef idx="2">
-            <a:schemeClr val="accent1">
-              <a:shade val="50000"/>
-            </a:schemeClr>
-          </a:lnRef>
-          <a:fillRef idx="1">
-            <a:schemeClr val="accent1"/>
-          </a:fillRef>
-          <a:effectRef idx="0">
-            <a:schemeClr val="accent1"/>
-          </a:effectRef>
-          <a:fontRef idx="minor">
-            <a:schemeClr val="lt1"/>
-          </a:fontRef>
-        </p:style>
-        <p:txBody>
-          <a:bodyPr rtlCol="0" anchor="ctr"/>
-          <a:lstStyle/>
-          <a:p>
-            <a:pPr algn="ctr"/>
-            <a:endParaRPr lang="en-US"/>
-          </a:p>
-        </p:txBody>
-      </p:sp>
-      <p:sp>
-        <p:nvSpPr>
-          <p:cNvPr id="5" name="TextBox 4"/>
-          <p:cNvSpPr txBox="1"/>
-          <p:nvPr/>
-        </p:nvSpPr>
-        <p:spPr>
-          <a:xfrm>
-            <a:off x="248815" y="546584"/>
-            <a:ext cx="7374995" cy="461665"/>
-          </a:xfrm>
-          <a:prstGeom prst="rect">
-            <a:avLst/>
-          </a:prstGeom>
-          <a:noFill/>
-        </p:spPr>
-        <p:txBody>
-          <a:bodyPr wrap="square" rtlCol="0">
-            <a:spAutoFit/>
-          </a:bodyPr>
-          <a:lstStyle/>
-          <a:p>
-            <a:r>
-              <a:rPr lang="en-US" sz="2400" b="1" dirty="0" smtClean="0">
-                <a:solidFill>
-                  <a:srgbClr val="64C7E9"/>
-                </a:solidFill>
-                <a:latin typeface="UTM Helve" panose="02040603050506020204" pitchFamily="18" charset="0"/>
-                <a:ea typeface="Roboto" pitchFamily="2" charset="0"/>
-              </a:rPr>
-              <a:t>16.4 </a:t>
-            </a:r>
-            <a:r>
-              <a:rPr lang="en-US" sz="2400" b="1" dirty="0" smtClean="0">
-                <a:solidFill>
-                  <a:srgbClr val="64C7E9"/>
-                </a:solidFill>
-                <a:latin typeface="UTM Helve" panose="02040603050506020204" pitchFamily="18" charset="0"/>
-                <a:ea typeface="Roboto" pitchFamily="2" charset="0"/>
-              </a:rPr>
-              <a:t>Hoạt động học viên</a:t>
+              <a:t>16.4 Hoạt động học viên</a:t>
             </a:r>
             <a:endParaRPr lang="en-US" sz="2400" b="1" dirty="0">
               <a:solidFill>
@@ -5001,7 +4114,7 @@
 </p:sld>
 </file>
 
-<file path=ppt/slides/slide15.xml><?xml version="1.0" encoding="utf-8"?>
+<file path=ppt/slides/slide13.xml><?xml version="1.0" encoding="utf-8"?>
 <p:sld xmlns:a="http://schemas.openxmlformats.org/drawingml/2006/main" xmlns:r="http://schemas.openxmlformats.org/officeDocument/2006/relationships" xmlns:p="http://schemas.openxmlformats.org/presentationml/2006/main">
   <p:cSld>
     <p:spTree>
@@ -5036,7 +4149,7 @@
             <a:fld id="{7D9EC917-02A2-4152-9EE3-DFE2775A77C7}" type="slidenum">
               <a:rPr lang="en-US" smtClean="0"/>
               <a:pPr/>
-              <a:t>15</a:t>
+              <a:t>13</a:t>
             </a:fld>
             <a:endParaRPr lang="en-US"/>
           </a:p>
@@ -5127,17 +4240,7 @@
                 <a:latin typeface="UTM Helve" panose="02040603050506020204" pitchFamily="18" charset="0"/>
                 <a:ea typeface="Roboto" pitchFamily="2" charset="0"/>
               </a:rPr>
-              <a:t>16.4 </a:t>
-            </a:r>
-            <a:r>
-              <a:rPr lang="en-US" sz="2400" b="1" dirty="0" smtClean="0">
-                <a:solidFill>
-                  <a:srgbClr val="64C7E9"/>
-                </a:solidFill>
-                <a:latin typeface="UTM Helve" panose="02040603050506020204" pitchFamily="18" charset="0"/>
-                <a:ea typeface="Roboto" pitchFamily="2" charset="0"/>
-              </a:rPr>
-              <a:t>Hoạt động học viên</a:t>
+              <a:t>16.4 Hoạt động học viên</a:t>
             </a:r>
             <a:endParaRPr lang="en-US" sz="2400" b="1" dirty="0">
               <a:solidFill>
@@ -6975,7 +6078,6 @@
               <a:rPr lang="en-US" dirty="0"/>
               <a:t>2</a:t>
             </a:r>
-            <a:endParaRPr lang="en-US" dirty="0"/>
           </a:p>
         </p:txBody>
       </p:sp>
